--- a/IC HACK 2.0 FourAngryGuyz.pptx
+++ b/IC HACK 2.0 FourAngryGuyz.pptx
@@ -1,41 +1,41 @@
 
 <file path=ppt/presentation.xml><?xml version="1.0" encoding="utf-8"?>
-<p:presentation xmlns:a="http://schemas.openxmlformats.org/drawingml/2006/main" xmlns:r="http://schemas.openxmlformats.org/officeDocument/2006/relationships" xmlns:mc="http://schemas.openxmlformats.org/markup-compatibility/2006" xmlns:mv="urn:schemas-microsoft-com:mac:vml" xmlns:p="http://schemas.openxmlformats.org/presentationml/2006/main" xmlns:c="http://schemas.openxmlformats.org/drawingml/2006/chart" xmlns:dgm="http://schemas.openxmlformats.org/drawingml/2006/diagram" xmlns:o="urn:schemas-microsoft-com:office:office" xmlns:v="urn:schemas-microsoft-com:vml" xmlns:pvml="urn:schemas-microsoft-com:office:powerpoint" xmlns:com="http://schemas.openxmlformats.org/drawingml/2006/compatibility" xmlns:p14="http://schemas.microsoft.com/office/powerpoint/2010/main" xmlns:p15="http://schemas.microsoft.com/office/powerpoint/2012/main" xmlns:ahyp="http://schemas.microsoft.com/office/drawing/2018/hyperlinkcolor" autoCompressPictures="0" embedTrueTypeFonts="1" strictFirstAndLastChars="0" saveSubsetFonts="1">
+<p:presentation xmlns:a="http://schemas.openxmlformats.org/drawingml/2006/main" xmlns:r="http://schemas.openxmlformats.org/officeDocument/2006/relationships" xmlns:p="http://schemas.openxmlformats.org/presentationml/2006/main" strictFirstAndLastChars="0" embedTrueTypeFonts="1" saveSubsetFonts="1" autoCompressPictures="0">
   <p:sldMasterIdLst>
-    <p:sldMasterId id="2147483659" r:id="rId4"/>
+    <p:sldMasterId id="2147483659" r:id="rId1"/>
   </p:sldMasterIdLst>
   <p:notesMasterIdLst>
-    <p:notesMasterId r:id="rId5"/>
+    <p:notesMasterId r:id="rId10"/>
   </p:notesMasterIdLst>
   <p:sldIdLst>
-    <p:sldId id="256" r:id="rId6"/>
-    <p:sldId id="257" r:id="rId7"/>
-    <p:sldId id="258" r:id="rId8"/>
-    <p:sldId id="259" r:id="rId9"/>
-    <p:sldId id="260" r:id="rId10"/>
-    <p:sldId id="261" r:id="rId11"/>
-    <p:sldId id="262" r:id="rId12"/>
-    <p:sldId id="263" r:id="rId13"/>
+    <p:sldId id="256" r:id="rId2"/>
+    <p:sldId id="257" r:id="rId3"/>
+    <p:sldId id="258" r:id="rId4"/>
+    <p:sldId id="259" r:id="rId5"/>
+    <p:sldId id="260" r:id="rId6"/>
+    <p:sldId id="261" r:id="rId7"/>
+    <p:sldId id="262" r:id="rId8"/>
+    <p:sldId id="263" r:id="rId9"/>
   </p:sldIdLst>
-  <p:sldSz cy="5143500" cx="9144000"/>
+  <p:sldSz cx="9144000" cy="5143500" type="screen16x9"/>
   <p:notesSz cx="6858000" cy="9144000"/>
   <p:embeddedFontLst>
     <p:embeddedFont>
-      <p:font typeface="Roboto"/>
+      <p:font typeface="Old Standard TT" panose="020B0604020202020204" charset="0"/>
+      <p:regular r:id="rId11"/>
+      <p:bold r:id="rId12"/>
+      <p:italic r:id="rId13"/>
+    </p:embeddedFont>
+    <p:embeddedFont>
+      <p:font typeface="Roboto" panose="02000000000000000000" pitchFamily="2" charset="0"/>
       <p:regular r:id="rId14"/>
       <p:bold r:id="rId15"/>
       <p:italic r:id="rId16"/>
       <p:boldItalic r:id="rId17"/>
     </p:embeddedFont>
-    <p:embeddedFont>
-      <p:font typeface="Old Standard TT"/>
-      <p:regular r:id="rId18"/>
-      <p:bold r:id="rId19"/>
-      <p:italic r:id="rId20"/>
-    </p:embeddedFont>
   </p:embeddedFontLst>
   <p:defaultTextStyle>
-    <a:defPPr lvl="0" marR="0" rtl="0" algn="l">
+    <a:defPPr marR="0" lvl="0" algn="l" rtl="0">
       <a:lnSpc>
         <a:spcPct val="100000"/>
       </a:lnSpc>
@@ -46,7 +46,7 @@
         <a:spcPts val="0"/>
       </a:spcAft>
     </a:defPPr>
-    <a:lvl1pPr lvl="0" marR="0" rtl="0" algn="l">
+    <a:lvl1pPr marR="0" lvl="0" algn="l" rtl="0">
       <a:lnSpc>
         <a:spcPct val="100000"/>
       </a:lnSpc>
@@ -60,7 +60,7 @@
         <a:srgbClr val="000000"/>
       </a:buClr>
       <a:buFont typeface="Arial"/>
-      <a:defRPr b="0" i="0" sz="1400" u="none" cap="none" strike="noStrike">
+      <a:defRPr sz="1400" b="0" i="0" u="none" strike="noStrike" cap="none">
         <a:solidFill>
           <a:srgbClr val="000000"/>
         </a:solidFill>
@@ -70,7 +70,7 @@
         <a:sym typeface="Arial"/>
       </a:defRPr>
     </a:lvl1pPr>
-    <a:lvl2pPr lvl="1" marR="0" rtl="0" algn="l">
+    <a:lvl2pPr marR="0" lvl="1" algn="l" rtl="0">
       <a:lnSpc>
         <a:spcPct val="100000"/>
       </a:lnSpc>
@@ -84,7 +84,7 @@
         <a:srgbClr val="000000"/>
       </a:buClr>
       <a:buFont typeface="Arial"/>
-      <a:defRPr b="0" i="0" sz="1400" u="none" cap="none" strike="noStrike">
+      <a:defRPr sz="1400" b="0" i="0" u="none" strike="noStrike" cap="none">
         <a:solidFill>
           <a:srgbClr val="000000"/>
         </a:solidFill>
@@ -94,7 +94,7 @@
         <a:sym typeface="Arial"/>
       </a:defRPr>
     </a:lvl2pPr>
-    <a:lvl3pPr lvl="2" marR="0" rtl="0" algn="l">
+    <a:lvl3pPr marR="0" lvl="2" algn="l" rtl="0">
       <a:lnSpc>
         <a:spcPct val="100000"/>
       </a:lnSpc>
@@ -108,7 +108,7 @@
         <a:srgbClr val="000000"/>
       </a:buClr>
       <a:buFont typeface="Arial"/>
-      <a:defRPr b="0" i="0" sz="1400" u="none" cap="none" strike="noStrike">
+      <a:defRPr sz="1400" b="0" i="0" u="none" strike="noStrike" cap="none">
         <a:solidFill>
           <a:srgbClr val="000000"/>
         </a:solidFill>
@@ -118,7 +118,7 @@
         <a:sym typeface="Arial"/>
       </a:defRPr>
     </a:lvl3pPr>
-    <a:lvl4pPr lvl="3" marR="0" rtl="0" algn="l">
+    <a:lvl4pPr marR="0" lvl="3" algn="l" rtl="0">
       <a:lnSpc>
         <a:spcPct val="100000"/>
       </a:lnSpc>
@@ -132,7 +132,7 @@
         <a:srgbClr val="000000"/>
       </a:buClr>
       <a:buFont typeface="Arial"/>
-      <a:defRPr b="0" i="0" sz="1400" u="none" cap="none" strike="noStrike">
+      <a:defRPr sz="1400" b="0" i="0" u="none" strike="noStrike" cap="none">
         <a:solidFill>
           <a:srgbClr val="000000"/>
         </a:solidFill>
@@ -142,7 +142,7 @@
         <a:sym typeface="Arial"/>
       </a:defRPr>
     </a:lvl4pPr>
-    <a:lvl5pPr lvl="4" marR="0" rtl="0" algn="l">
+    <a:lvl5pPr marR="0" lvl="4" algn="l" rtl="0">
       <a:lnSpc>
         <a:spcPct val="100000"/>
       </a:lnSpc>
@@ -156,7 +156,7 @@
         <a:srgbClr val="000000"/>
       </a:buClr>
       <a:buFont typeface="Arial"/>
-      <a:defRPr b="0" i="0" sz="1400" u="none" cap="none" strike="noStrike">
+      <a:defRPr sz="1400" b="0" i="0" u="none" strike="noStrike" cap="none">
         <a:solidFill>
           <a:srgbClr val="000000"/>
         </a:solidFill>
@@ -166,7 +166,7 @@
         <a:sym typeface="Arial"/>
       </a:defRPr>
     </a:lvl5pPr>
-    <a:lvl6pPr lvl="5" marR="0" rtl="0" algn="l">
+    <a:lvl6pPr marR="0" lvl="5" algn="l" rtl="0">
       <a:lnSpc>
         <a:spcPct val="100000"/>
       </a:lnSpc>
@@ -180,7 +180,7 @@
         <a:srgbClr val="000000"/>
       </a:buClr>
       <a:buFont typeface="Arial"/>
-      <a:defRPr b="0" i="0" sz="1400" u="none" cap="none" strike="noStrike">
+      <a:defRPr sz="1400" b="0" i="0" u="none" strike="noStrike" cap="none">
         <a:solidFill>
           <a:srgbClr val="000000"/>
         </a:solidFill>
@@ -190,7 +190,7 @@
         <a:sym typeface="Arial"/>
       </a:defRPr>
     </a:lvl6pPr>
-    <a:lvl7pPr lvl="6" marR="0" rtl="0" algn="l">
+    <a:lvl7pPr marR="0" lvl="6" algn="l" rtl="0">
       <a:lnSpc>
         <a:spcPct val="100000"/>
       </a:lnSpc>
@@ -204,7 +204,7 @@
         <a:srgbClr val="000000"/>
       </a:buClr>
       <a:buFont typeface="Arial"/>
-      <a:defRPr b="0" i="0" sz="1400" u="none" cap="none" strike="noStrike">
+      <a:defRPr sz="1400" b="0" i="0" u="none" strike="noStrike" cap="none">
         <a:solidFill>
           <a:srgbClr val="000000"/>
         </a:solidFill>
@@ -214,7 +214,7 @@
         <a:sym typeface="Arial"/>
       </a:defRPr>
     </a:lvl7pPr>
-    <a:lvl8pPr lvl="7" marR="0" rtl="0" algn="l">
+    <a:lvl8pPr marR="0" lvl="7" algn="l" rtl="0">
       <a:lnSpc>
         <a:spcPct val="100000"/>
       </a:lnSpc>
@@ -228,7 +228,7 @@
         <a:srgbClr val="000000"/>
       </a:buClr>
       <a:buFont typeface="Arial"/>
-      <a:defRPr b="0" i="0" sz="1400" u="none" cap="none" strike="noStrike">
+      <a:defRPr sz="1400" b="0" i="0" u="none" strike="noStrike" cap="none">
         <a:solidFill>
           <a:srgbClr val="000000"/>
         </a:solidFill>
@@ -238,7 +238,7 @@
         <a:sym typeface="Arial"/>
       </a:defRPr>
     </a:lvl8pPr>
-    <a:lvl9pPr lvl="8" marR="0" rtl="0" algn="l">
+    <a:lvl9pPr marR="0" lvl="8" algn="l" rtl="0">
       <a:lnSpc>
         <a:spcPct val="100000"/>
       </a:lnSpc>
@@ -252,7 +252,7 @@
         <a:srgbClr val="000000"/>
       </a:buClr>
       <a:buFont typeface="Arial"/>
-      <a:defRPr b="0" i="0" sz="1400" u="none" cap="none" strike="noStrike">
+      <a:defRPr sz="1400" b="0" i="0" u="none" strike="noStrike" cap="none">
         <a:solidFill>
           <a:srgbClr val="000000"/>
         </a:solidFill>
@@ -265,7 +265,7 @@
   </p:defaultTextStyle>
   <p:extLst>
     <p:ext uri="{EFAFB233-063F-42B5-8137-9DF3F51BA10A}">
-      <p15:sldGuideLst>
+      <p15:sldGuideLst xmlns:p15="http://schemas.microsoft.com/office/powerpoint/2012/main">
         <p15:guide id="1" orient="horz" pos="1620">
           <p15:clr>
             <a:srgbClr val="747775"/>
@@ -283,11 +283,16 @@
 </file>
 
 <file path=ppt/notesMasters/notesMaster1.xml><?xml version="1.0" encoding="utf-8"?>
-<p:notesMaster xmlns:a="http://schemas.openxmlformats.org/drawingml/2006/main" xmlns:r="http://schemas.openxmlformats.org/officeDocument/2006/relationships" xmlns:mc="http://schemas.openxmlformats.org/markup-compatibility/2006" xmlns:mv="urn:schemas-microsoft-com:mac:vml" xmlns:p="http://schemas.openxmlformats.org/presentationml/2006/main" xmlns:c="http://schemas.openxmlformats.org/drawingml/2006/chart" xmlns:dgm="http://schemas.openxmlformats.org/drawingml/2006/diagram" xmlns:o="urn:schemas-microsoft-com:office:office" xmlns:v="urn:schemas-microsoft-com:vml" xmlns:pvml="urn:schemas-microsoft-com:office:powerpoint" xmlns:com="http://schemas.openxmlformats.org/drawingml/2006/compatibility" xmlns:p14="http://schemas.microsoft.com/office/powerpoint/2010/main" xmlns:p15="http://schemas.microsoft.com/office/powerpoint/2012/main" xmlns:ahyp="http://schemas.microsoft.com/office/drawing/2018/hyperlinkcolor">
+<p:notesMaster xmlns:a="http://schemas.openxmlformats.org/drawingml/2006/main" xmlns:r="http://schemas.openxmlformats.org/officeDocument/2006/relationships" xmlns:p="http://schemas.openxmlformats.org/presentationml/2006/main">
   <p:cSld>
+    <p:bg>
+      <p:bgRef idx="1001">
+        <a:schemeClr val="bg1"/>
+      </p:bgRef>
+    </p:bg>
     <p:spTree>
       <p:nvGrpSpPr>
-        <p:cNvPr id="2" name="Shape 2"/>
+        <p:cNvPr id="1" name="Shape 2"/>
         <p:cNvGrpSpPr/>
         <p:nvPr/>
       </p:nvGrpSpPr>
@@ -302,9 +307,11 @@
       <p:sp>
         <p:nvSpPr>
           <p:cNvPr id="3" name="Google Shape;3;n"/>
-          <p:cNvSpPr/>
+          <p:cNvSpPr>
+            <a:spLocks noGrp="1" noRot="1" noChangeAspect="1"/>
+          </p:cNvSpPr>
           <p:nvPr>
-            <p:ph idx="2" type="sldImg"/>
+            <p:ph type="sldImg" idx="2"/>
           </p:nvPr>
         </p:nvSpPr>
         <p:spPr>
@@ -313,9 +320,13 @@
             <a:ext cx="6096075" cy="3429000"/>
           </a:xfrm>
           <a:custGeom>
-            <a:rect b="b" l="l" r="r" t="t"/>
+            <a:avLst/>
+            <a:gdLst/>
+            <a:ahLst/>
+            <a:cxnLst/>
+            <a:rect l="l" t="t" r="r" b="b"/>
             <a:pathLst>
-              <a:path extrusionOk="0" h="120000" w="120000">
+              <a:path w="120000" h="120000" extrusionOk="0">
                 <a:moveTo>
                   <a:pt x="0" y="0"/>
                 </a:moveTo>
@@ -333,23 +344,25 @@
             </a:pathLst>
           </a:custGeom>
           <a:noFill/>
-          <a:ln cap="flat" cmpd="sng" w="9525">
+          <a:ln w="9525" cap="flat" cmpd="sng">
             <a:solidFill>
               <a:srgbClr val="000000"/>
             </a:solidFill>
             <a:prstDash val="solid"/>
             <a:round/>
-            <a:headEnd len="sm" w="sm" type="none"/>
-            <a:tailEnd len="sm" w="sm" type="none"/>
+            <a:headEnd type="none" w="sm" len="sm"/>
+            <a:tailEnd type="none" w="sm" len="sm"/>
           </a:ln>
         </p:spPr>
       </p:sp>
       <p:sp>
         <p:nvSpPr>
           <p:cNvPr id="4" name="Google Shape;4;n"/>
-          <p:cNvSpPr txBox="1"/>
+          <p:cNvSpPr txBox="1">
+            <a:spLocks noGrp="1"/>
+          </p:cNvSpPr>
           <p:nvPr>
-            <p:ph idx="1" type="body"/>
+            <p:ph type="body" idx="1"/>
           </p:nvPr>
         </p:nvSpPr>
         <p:spPr>
@@ -366,11 +379,11 @@
           </a:ln>
         </p:spPr>
         <p:txBody>
-          <a:bodyPr anchorCtr="0" anchor="t" bIns="91425" lIns="91425" spcFirstLastPara="1" rIns="91425" wrap="square" tIns="91425">
+          <a:bodyPr spcFirstLastPara="1" wrap="square" lIns="91425" tIns="91425" rIns="91425" bIns="91425" anchor="t" anchorCtr="0">
             <a:noAutofit/>
           </a:bodyPr>
           <a:lstStyle>
-            <a:lvl1pPr indent="-298450" lvl="0" marL="457200">
+            <a:lvl1pPr marL="457200" lvl="0" indent="-298450">
               <a:spcBef>
                 <a:spcPts val="0"/>
               </a:spcBef>
@@ -381,7 +394,7 @@
               <a:buChar char="●"/>
               <a:defRPr sz="1100"/>
             </a:lvl1pPr>
-            <a:lvl2pPr indent="-298450" lvl="1" marL="914400">
+            <a:lvl2pPr marL="914400" lvl="1" indent="-298450">
               <a:spcBef>
                 <a:spcPts val="0"/>
               </a:spcBef>
@@ -392,7 +405,7 @@
               <a:buChar char="○"/>
               <a:defRPr sz="1100"/>
             </a:lvl2pPr>
-            <a:lvl3pPr indent="-298450" lvl="2" marL="1371600">
+            <a:lvl3pPr marL="1371600" lvl="2" indent="-298450">
               <a:spcBef>
                 <a:spcPts val="0"/>
               </a:spcBef>
@@ -403,7 +416,7 @@
               <a:buChar char="■"/>
               <a:defRPr sz="1100"/>
             </a:lvl3pPr>
-            <a:lvl4pPr indent="-298450" lvl="3" marL="1828800">
+            <a:lvl4pPr marL="1828800" lvl="3" indent="-298450">
               <a:spcBef>
                 <a:spcPts val="0"/>
               </a:spcBef>
@@ -414,7 +427,7 @@
               <a:buChar char="●"/>
               <a:defRPr sz="1100"/>
             </a:lvl4pPr>
-            <a:lvl5pPr indent="-298450" lvl="4" marL="2286000">
+            <a:lvl5pPr marL="2286000" lvl="4" indent="-298450">
               <a:spcBef>
                 <a:spcPts val="0"/>
               </a:spcBef>
@@ -425,7 +438,7 @@
               <a:buChar char="○"/>
               <a:defRPr sz="1100"/>
             </a:lvl5pPr>
-            <a:lvl6pPr indent="-298450" lvl="5" marL="2743200">
+            <a:lvl6pPr marL="2743200" lvl="5" indent="-298450">
               <a:spcBef>
                 <a:spcPts val="0"/>
               </a:spcBef>
@@ -436,7 +449,7 @@
               <a:buChar char="■"/>
               <a:defRPr sz="1100"/>
             </a:lvl6pPr>
-            <a:lvl7pPr indent="-298450" lvl="6" marL="3200400">
+            <a:lvl7pPr marL="3200400" lvl="6" indent="-298450">
               <a:spcBef>
                 <a:spcPts val="0"/>
               </a:spcBef>
@@ -447,7 +460,7 @@
               <a:buChar char="●"/>
               <a:defRPr sz="1100"/>
             </a:lvl7pPr>
-            <a:lvl8pPr indent="-298450" lvl="7" marL="3657600">
+            <a:lvl8pPr marL="3657600" lvl="7" indent="-298450">
               <a:spcBef>
                 <a:spcPts val="0"/>
               </a:spcBef>
@@ -458,7 +471,7 @@
               <a:buChar char="○"/>
               <a:defRPr sz="1100"/>
             </a:lvl8pPr>
-            <a:lvl9pPr indent="-298450" lvl="8" marL="4114800">
+            <a:lvl9pPr marL="4114800" lvl="8" indent="-298450">
               <a:spcBef>
                 <a:spcPts val="0"/>
               </a:spcBef>
@@ -470,14 +483,16 @@
               <a:defRPr sz="1100"/>
             </a:lvl9pPr>
           </a:lstStyle>
-          <a:p/>
+          <a:p>
+            <a:endParaRPr/>
+          </a:p>
         </p:txBody>
       </p:sp>
     </p:spTree>
   </p:cSld>
-  <p:clrMap accent1="accent1" accent2="accent2" accent3="accent3" accent4="accent4" accent5="accent5" accent6="accent6" bg1="lt1" bg2="dk2" tx1="dk1" tx2="lt2" folHlink="folHlink" hlink="hlink"/>
+  <p:clrMap bg1="lt1" tx1="dk1" bg2="dk2" tx2="lt2" accent1="accent1" accent2="accent2" accent3="accent3" accent4="accent4" accent5="accent5" accent6="accent6" hlink="hlink" folHlink="folHlink"/>
   <p:notesStyle>
-    <a:defPPr lvl="0" marR="0" rtl="0" algn="l">
+    <a:defPPr marR="0" lvl="0" algn="l" rtl="0">
       <a:lnSpc>
         <a:spcPct val="100000"/>
       </a:lnSpc>
@@ -488,7 +503,7 @@
         <a:spcPts val="0"/>
       </a:spcAft>
     </a:defPPr>
-    <a:lvl1pPr lvl="0" marR="0" rtl="0" algn="l">
+    <a:lvl1pPr marR="0" lvl="0" algn="l" rtl="0">
       <a:lnSpc>
         <a:spcPct val="100000"/>
       </a:lnSpc>
@@ -502,7 +517,7 @@
         <a:srgbClr val="000000"/>
       </a:buClr>
       <a:buFont typeface="Arial"/>
-      <a:defRPr b="0" i="0" sz="1400" u="none" cap="none" strike="noStrike">
+      <a:defRPr sz="1400" b="0" i="0" u="none" strike="noStrike" cap="none">
         <a:solidFill>
           <a:srgbClr val="000000"/>
         </a:solidFill>
@@ -512,7 +527,7 @@
         <a:sym typeface="Arial"/>
       </a:defRPr>
     </a:lvl1pPr>
-    <a:lvl2pPr lvl="1" marR="0" rtl="0" algn="l">
+    <a:lvl2pPr marR="0" lvl="1" algn="l" rtl="0">
       <a:lnSpc>
         <a:spcPct val="100000"/>
       </a:lnSpc>
@@ -526,7 +541,7 @@
         <a:srgbClr val="000000"/>
       </a:buClr>
       <a:buFont typeface="Arial"/>
-      <a:defRPr b="0" i="0" sz="1400" u="none" cap="none" strike="noStrike">
+      <a:defRPr sz="1400" b="0" i="0" u="none" strike="noStrike" cap="none">
         <a:solidFill>
           <a:srgbClr val="000000"/>
         </a:solidFill>
@@ -536,7 +551,7 @@
         <a:sym typeface="Arial"/>
       </a:defRPr>
     </a:lvl2pPr>
-    <a:lvl3pPr lvl="2" marR="0" rtl="0" algn="l">
+    <a:lvl3pPr marR="0" lvl="2" algn="l" rtl="0">
       <a:lnSpc>
         <a:spcPct val="100000"/>
       </a:lnSpc>
@@ -550,7 +565,7 @@
         <a:srgbClr val="000000"/>
       </a:buClr>
       <a:buFont typeface="Arial"/>
-      <a:defRPr b="0" i="0" sz="1400" u="none" cap="none" strike="noStrike">
+      <a:defRPr sz="1400" b="0" i="0" u="none" strike="noStrike" cap="none">
         <a:solidFill>
           <a:srgbClr val="000000"/>
         </a:solidFill>
@@ -560,7 +575,7 @@
         <a:sym typeface="Arial"/>
       </a:defRPr>
     </a:lvl3pPr>
-    <a:lvl4pPr lvl="3" marR="0" rtl="0" algn="l">
+    <a:lvl4pPr marR="0" lvl="3" algn="l" rtl="0">
       <a:lnSpc>
         <a:spcPct val="100000"/>
       </a:lnSpc>
@@ -574,7 +589,7 @@
         <a:srgbClr val="000000"/>
       </a:buClr>
       <a:buFont typeface="Arial"/>
-      <a:defRPr b="0" i="0" sz="1400" u="none" cap="none" strike="noStrike">
+      <a:defRPr sz="1400" b="0" i="0" u="none" strike="noStrike" cap="none">
         <a:solidFill>
           <a:srgbClr val="000000"/>
         </a:solidFill>
@@ -584,7 +599,7 @@
         <a:sym typeface="Arial"/>
       </a:defRPr>
     </a:lvl4pPr>
-    <a:lvl5pPr lvl="4" marR="0" rtl="0" algn="l">
+    <a:lvl5pPr marR="0" lvl="4" algn="l" rtl="0">
       <a:lnSpc>
         <a:spcPct val="100000"/>
       </a:lnSpc>
@@ -598,7 +613,7 @@
         <a:srgbClr val="000000"/>
       </a:buClr>
       <a:buFont typeface="Arial"/>
-      <a:defRPr b="0" i="0" sz="1400" u="none" cap="none" strike="noStrike">
+      <a:defRPr sz="1400" b="0" i="0" u="none" strike="noStrike" cap="none">
         <a:solidFill>
           <a:srgbClr val="000000"/>
         </a:solidFill>
@@ -608,7 +623,7 @@
         <a:sym typeface="Arial"/>
       </a:defRPr>
     </a:lvl5pPr>
-    <a:lvl6pPr lvl="5" marR="0" rtl="0" algn="l">
+    <a:lvl6pPr marR="0" lvl="5" algn="l" rtl="0">
       <a:lnSpc>
         <a:spcPct val="100000"/>
       </a:lnSpc>
@@ -622,7 +637,7 @@
         <a:srgbClr val="000000"/>
       </a:buClr>
       <a:buFont typeface="Arial"/>
-      <a:defRPr b="0" i="0" sz="1400" u="none" cap="none" strike="noStrike">
+      <a:defRPr sz="1400" b="0" i="0" u="none" strike="noStrike" cap="none">
         <a:solidFill>
           <a:srgbClr val="000000"/>
         </a:solidFill>
@@ -632,7 +647,7 @@
         <a:sym typeface="Arial"/>
       </a:defRPr>
     </a:lvl6pPr>
-    <a:lvl7pPr lvl="6" marR="0" rtl="0" algn="l">
+    <a:lvl7pPr marR="0" lvl="6" algn="l" rtl="0">
       <a:lnSpc>
         <a:spcPct val="100000"/>
       </a:lnSpc>
@@ -646,7 +661,7 @@
         <a:srgbClr val="000000"/>
       </a:buClr>
       <a:buFont typeface="Arial"/>
-      <a:defRPr b="0" i="0" sz="1400" u="none" cap="none" strike="noStrike">
+      <a:defRPr sz="1400" b="0" i="0" u="none" strike="noStrike" cap="none">
         <a:solidFill>
           <a:srgbClr val="000000"/>
         </a:solidFill>
@@ -656,7 +671,7 @@
         <a:sym typeface="Arial"/>
       </a:defRPr>
     </a:lvl7pPr>
-    <a:lvl8pPr lvl="7" marR="0" rtl="0" algn="l">
+    <a:lvl8pPr marR="0" lvl="7" algn="l" rtl="0">
       <a:lnSpc>
         <a:spcPct val="100000"/>
       </a:lnSpc>
@@ -670,7 +685,7 @@
         <a:srgbClr val="000000"/>
       </a:buClr>
       <a:buFont typeface="Arial"/>
-      <a:defRPr b="0" i="0" sz="1400" u="none" cap="none" strike="noStrike">
+      <a:defRPr sz="1400" b="0" i="0" u="none" strike="noStrike" cap="none">
         <a:solidFill>
           <a:srgbClr val="000000"/>
         </a:solidFill>
@@ -680,7 +695,7 @@
         <a:sym typeface="Arial"/>
       </a:defRPr>
     </a:lvl8pPr>
-    <a:lvl9pPr lvl="8" marR="0" rtl="0" algn="l">
+    <a:lvl9pPr marR="0" lvl="8" algn="l" rtl="0">
       <a:lnSpc>
         <a:spcPct val="100000"/>
       </a:lnSpc>
@@ -694,7 +709,7 @@
         <a:srgbClr val="000000"/>
       </a:buClr>
       <a:buFont typeface="Arial"/>
-      <a:defRPr b="0" i="0" sz="1400" u="none" cap="none" strike="noStrike">
+      <a:defRPr sz="1400" b="0" i="0" u="none" strike="noStrike" cap="none">
         <a:solidFill>
           <a:srgbClr val="000000"/>
         </a:solidFill>
@@ -709,11 +724,11 @@
 </file>
 
 <file path=ppt/notesSlides/notesSlide1.xml><?xml version="1.0" encoding="utf-8"?>
-<p:notes xmlns:a="http://schemas.openxmlformats.org/drawingml/2006/main" xmlns:r="http://schemas.openxmlformats.org/officeDocument/2006/relationships" xmlns:mc="http://schemas.openxmlformats.org/markup-compatibility/2006" xmlns:mv="urn:schemas-microsoft-com:mac:vml" xmlns:p="http://schemas.openxmlformats.org/presentationml/2006/main" xmlns:c="http://schemas.openxmlformats.org/drawingml/2006/chart" xmlns:dgm="http://schemas.openxmlformats.org/drawingml/2006/diagram" xmlns:o="urn:schemas-microsoft-com:office:office" xmlns:v="urn:schemas-microsoft-com:vml" xmlns:pvml="urn:schemas-microsoft-com:office:powerpoint" xmlns:com="http://schemas.openxmlformats.org/drawingml/2006/compatibility" xmlns:p14="http://schemas.microsoft.com/office/powerpoint/2010/main" xmlns:p15="http://schemas.microsoft.com/office/powerpoint/2012/main" xmlns:ahyp="http://schemas.microsoft.com/office/drawing/2018/hyperlinkcolor" showMasterPhAnim="0" showMasterSp="0">
+<p:notes xmlns:a="http://schemas.openxmlformats.org/drawingml/2006/main" xmlns:r="http://schemas.openxmlformats.org/officeDocument/2006/relationships" xmlns:p="http://schemas.openxmlformats.org/presentationml/2006/main" showMasterSp="0" showMasterPhAnim="0">
   <p:cSld>
     <p:spTree>
       <p:nvGrpSpPr>
-        <p:cNvPr id="55" name="Shape 55"/>
+        <p:cNvPr id="1" name="Shape 55"/>
         <p:cNvGrpSpPr/>
         <p:nvPr/>
       </p:nvGrpSpPr>
@@ -728,20 +743,26 @@
       <p:sp>
         <p:nvSpPr>
           <p:cNvPr id="56" name="Google Shape;56;p:notes"/>
-          <p:cNvSpPr/>
+          <p:cNvSpPr>
+            <a:spLocks noGrp="1" noRot="1" noChangeAspect="1"/>
+          </p:cNvSpPr>
           <p:nvPr>
-            <p:ph idx="2" type="sldImg"/>
+            <p:ph type="sldImg" idx="2"/>
           </p:nvPr>
         </p:nvSpPr>
         <p:spPr>
           <a:xfrm>
-            <a:off x="381300" y="685800"/>
-            <a:ext cx="6096075" cy="3429000"/>
+            <a:off x="381000" y="685800"/>
+            <a:ext cx="6096000" cy="3429000"/>
           </a:xfrm>
           <a:custGeom>
-            <a:rect b="b" l="l" r="r" t="t"/>
+            <a:avLst/>
+            <a:gdLst/>
+            <a:ahLst/>
+            <a:cxnLst/>
+            <a:rect l="l" t="t" r="r" b="b"/>
             <a:pathLst>
-              <a:path extrusionOk="0" h="120000" w="120000">
+              <a:path w="120000" h="120000" extrusionOk="0">
                 <a:moveTo>
                   <a:pt x="0" y="0"/>
                 </a:moveTo>
@@ -763,9 +784,11 @@
       <p:sp>
         <p:nvSpPr>
           <p:cNvPr id="57" name="Google Shape;57;p:notes"/>
-          <p:cNvSpPr txBox="1"/>
+          <p:cNvSpPr txBox="1">
+            <a:spLocks noGrp="1"/>
+          </p:cNvSpPr>
           <p:nvPr>
-            <p:ph idx="1" type="body"/>
+            <p:ph type="body" idx="1"/>
           </p:nvPr>
         </p:nvSpPr>
         <p:spPr>
@@ -778,12 +801,12 @@
           </a:prstGeom>
         </p:spPr>
         <p:txBody>
-          <a:bodyPr anchorCtr="0" anchor="t" bIns="91425" lIns="91425" spcFirstLastPara="1" rIns="91425" wrap="square" tIns="91425">
+          <a:bodyPr spcFirstLastPara="1" wrap="square" lIns="91425" tIns="91425" rIns="91425" bIns="91425" anchor="t" anchorCtr="0">
             <a:noAutofit/>
           </a:bodyPr>
           <a:lstStyle/>
           <a:p>
-            <a:pPr indent="0" lvl="0" marL="0" rtl="0" algn="l">
+            <a:pPr marL="0" lvl="0" indent="0" algn="l" rtl="0">
               <a:spcBef>
                 <a:spcPts val="0"/>
               </a:spcBef>
@@ -792,9 +815,6 @@
               </a:spcAft>
               <a:buNone/>
             </a:pPr>
-            <a:r>
-              <a:t/>
-            </a:r>
             <a:endParaRPr/>
           </a:p>
         </p:txBody>
@@ -808,11 +828,11 @@
 </file>
 
 <file path=ppt/notesSlides/notesSlide2.xml><?xml version="1.0" encoding="utf-8"?>
-<p:notes xmlns:a="http://schemas.openxmlformats.org/drawingml/2006/main" xmlns:r="http://schemas.openxmlformats.org/officeDocument/2006/relationships" xmlns:mc="http://schemas.openxmlformats.org/markup-compatibility/2006" xmlns:mv="urn:schemas-microsoft-com:mac:vml" xmlns:p="http://schemas.openxmlformats.org/presentationml/2006/main" xmlns:c="http://schemas.openxmlformats.org/drawingml/2006/chart" xmlns:dgm="http://schemas.openxmlformats.org/drawingml/2006/diagram" xmlns:o="urn:schemas-microsoft-com:office:office" xmlns:v="urn:schemas-microsoft-com:vml" xmlns:pvml="urn:schemas-microsoft-com:office:powerpoint" xmlns:com="http://schemas.openxmlformats.org/drawingml/2006/compatibility" xmlns:p14="http://schemas.microsoft.com/office/powerpoint/2010/main" xmlns:p15="http://schemas.microsoft.com/office/powerpoint/2012/main" xmlns:ahyp="http://schemas.microsoft.com/office/drawing/2018/hyperlinkcolor" showMasterPhAnim="0" showMasterSp="0">
+<p:notes xmlns:a="http://schemas.openxmlformats.org/drawingml/2006/main" xmlns:r="http://schemas.openxmlformats.org/officeDocument/2006/relationships" xmlns:p="http://schemas.openxmlformats.org/presentationml/2006/main" showMasterSp="0" showMasterPhAnim="0">
   <p:cSld>
     <p:spTree>
       <p:nvGrpSpPr>
-        <p:cNvPr id="64" name="Shape 64"/>
+        <p:cNvPr id="1" name="Shape 64"/>
         <p:cNvGrpSpPr/>
         <p:nvPr/>
       </p:nvGrpSpPr>
@@ -827,9 +847,11 @@
       <p:sp>
         <p:nvSpPr>
           <p:cNvPr id="65" name="Google Shape;65;g289169562d9_0_3:notes"/>
-          <p:cNvSpPr/>
+          <p:cNvSpPr>
+            <a:spLocks noGrp="1" noRot="1" noChangeAspect="1"/>
+          </p:cNvSpPr>
           <p:nvPr>
-            <p:ph idx="2" type="sldImg"/>
+            <p:ph type="sldImg" idx="2"/>
           </p:nvPr>
         </p:nvSpPr>
         <p:spPr>
@@ -838,9 +860,13 @@
             <a:ext cx="6096000" cy="3429000"/>
           </a:xfrm>
           <a:custGeom>
-            <a:rect b="b" l="l" r="r" t="t"/>
+            <a:avLst/>
+            <a:gdLst/>
+            <a:ahLst/>
+            <a:cxnLst/>
+            <a:rect l="l" t="t" r="r" b="b"/>
             <a:pathLst>
-              <a:path extrusionOk="0" h="120000" w="120000">
+              <a:path w="120000" h="120000" extrusionOk="0">
                 <a:moveTo>
                   <a:pt x="0" y="0"/>
                 </a:moveTo>
@@ -862,9 +888,11 @@
       <p:sp>
         <p:nvSpPr>
           <p:cNvPr id="66" name="Google Shape;66;g289169562d9_0_3:notes"/>
-          <p:cNvSpPr txBox="1"/>
+          <p:cNvSpPr txBox="1">
+            <a:spLocks noGrp="1"/>
+          </p:cNvSpPr>
           <p:nvPr>
-            <p:ph idx="1" type="body"/>
+            <p:ph type="body" idx="1"/>
           </p:nvPr>
         </p:nvSpPr>
         <p:spPr>
@@ -877,12 +905,12 @@
           </a:prstGeom>
         </p:spPr>
         <p:txBody>
-          <a:bodyPr anchorCtr="0" anchor="t" bIns="91425" lIns="91425" spcFirstLastPara="1" rIns="91425" wrap="square" tIns="91425">
+          <a:bodyPr spcFirstLastPara="1" wrap="square" lIns="91425" tIns="91425" rIns="91425" bIns="91425" anchor="t" anchorCtr="0">
             <a:noAutofit/>
           </a:bodyPr>
           <a:lstStyle/>
           <a:p>
-            <a:pPr indent="0" lvl="0" marL="0" rtl="0" algn="l">
+            <a:pPr marL="0" lvl="0" indent="0" algn="l" rtl="0">
               <a:spcBef>
                 <a:spcPts val="0"/>
               </a:spcBef>
@@ -891,9 +919,6 @@
               </a:spcAft>
               <a:buNone/>
             </a:pPr>
-            <a:r>
-              <a:t/>
-            </a:r>
             <a:endParaRPr/>
           </a:p>
         </p:txBody>
@@ -907,11 +932,11 @@
 </file>
 
 <file path=ppt/notesSlides/notesSlide3.xml><?xml version="1.0" encoding="utf-8"?>
-<p:notes xmlns:a="http://schemas.openxmlformats.org/drawingml/2006/main" xmlns:r="http://schemas.openxmlformats.org/officeDocument/2006/relationships" xmlns:mc="http://schemas.openxmlformats.org/markup-compatibility/2006" xmlns:mv="urn:schemas-microsoft-com:mac:vml" xmlns:p="http://schemas.openxmlformats.org/presentationml/2006/main" xmlns:c="http://schemas.openxmlformats.org/drawingml/2006/chart" xmlns:dgm="http://schemas.openxmlformats.org/drawingml/2006/diagram" xmlns:o="urn:schemas-microsoft-com:office:office" xmlns:v="urn:schemas-microsoft-com:vml" xmlns:pvml="urn:schemas-microsoft-com:office:powerpoint" xmlns:com="http://schemas.openxmlformats.org/drawingml/2006/compatibility" xmlns:p14="http://schemas.microsoft.com/office/powerpoint/2010/main" xmlns:p15="http://schemas.microsoft.com/office/powerpoint/2012/main" xmlns:ahyp="http://schemas.microsoft.com/office/drawing/2018/hyperlinkcolor" showMasterPhAnim="0" showMasterSp="0">
+<p:notes xmlns:a="http://schemas.openxmlformats.org/drawingml/2006/main" xmlns:r="http://schemas.openxmlformats.org/officeDocument/2006/relationships" xmlns:p="http://schemas.openxmlformats.org/presentationml/2006/main" showMasterSp="0" showMasterPhAnim="0">
   <p:cSld>
     <p:spTree>
       <p:nvGrpSpPr>
-        <p:cNvPr id="70" name="Shape 70"/>
+        <p:cNvPr id="1" name="Shape 70"/>
         <p:cNvGrpSpPr/>
         <p:nvPr/>
       </p:nvGrpSpPr>
@@ -926,9 +951,11 @@
       <p:sp>
         <p:nvSpPr>
           <p:cNvPr id="71" name="Google Shape;71;g289169562d9_0_14:notes"/>
-          <p:cNvSpPr/>
+          <p:cNvSpPr>
+            <a:spLocks noGrp="1" noRot="1" noChangeAspect="1"/>
+          </p:cNvSpPr>
           <p:nvPr>
-            <p:ph idx="2" type="sldImg"/>
+            <p:ph type="sldImg" idx="2"/>
           </p:nvPr>
         </p:nvSpPr>
         <p:spPr>
@@ -937,9 +964,13 @@
             <a:ext cx="6096000" cy="3429000"/>
           </a:xfrm>
           <a:custGeom>
-            <a:rect b="b" l="l" r="r" t="t"/>
+            <a:avLst/>
+            <a:gdLst/>
+            <a:ahLst/>
+            <a:cxnLst/>
+            <a:rect l="l" t="t" r="r" b="b"/>
             <a:pathLst>
-              <a:path extrusionOk="0" h="120000" w="120000">
+              <a:path w="120000" h="120000" extrusionOk="0">
                 <a:moveTo>
                   <a:pt x="0" y="0"/>
                 </a:moveTo>
@@ -961,9 +992,11 @@
       <p:sp>
         <p:nvSpPr>
           <p:cNvPr id="72" name="Google Shape;72;g289169562d9_0_14:notes"/>
-          <p:cNvSpPr txBox="1"/>
+          <p:cNvSpPr txBox="1">
+            <a:spLocks noGrp="1"/>
+          </p:cNvSpPr>
           <p:nvPr>
-            <p:ph idx="1" type="body"/>
+            <p:ph type="body" idx="1"/>
           </p:nvPr>
         </p:nvSpPr>
         <p:spPr>
@@ -976,12 +1009,12 @@
           </a:prstGeom>
         </p:spPr>
         <p:txBody>
-          <a:bodyPr anchorCtr="0" anchor="t" bIns="91425" lIns="91425" spcFirstLastPara="1" rIns="91425" wrap="square" tIns="91425">
+          <a:bodyPr spcFirstLastPara="1" wrap="square" lIns="91425" tIns="91425" rIns="91425" bIns="91425" anchor="t" anchorCtr="0">
             <a:noAutofit/>
           </a:bodyPr>
           <a:lstStyle/>
           <a:p>
-            <a:pPr indent="0" lvl="0" marL="0" rtl="0" algn="l">
+            <a:pPr marL="0" lvl="0" indent="0" algn="l" rtl="0">
               <a:spcBef>
                 <a:spcPts val="0"/>
               </a:spcBef>
@@ -990,9 +1023,6 @@
               </a:spcAft>
               <a:buNone/>
             </a:pPr>
-            <a:r>
-              <a:t/>
-            </a:r>
             <a:endParaRPr/>
           </a:p>
         </p:txBody>
@@ -1006,11 +1036,11 @@
 </file>
 
 <file path=ppt/notesSlides/notesSlide4.xml><?xml version="1.0" encoding="utf-8"?>
-<p:notes xmlns:a="http://schemas.openxmlformats.org/drawingml/2006/main" xmlns:r="http://schemas.openxmlformats.org/officeDocument/2006/relationships" xmlns:mc="http://schemas.openxmlformats.org/markup-compatibility/2006" xmlns:mv="urn:schemas-microsoft-com:mac:vml" xmlns:p="http://schemas.openxmlformats.org/presentationml/2006/main" xmlns:c="http://schemas.openxmlformats.org/drawingml/2006/chart" xmlns:dgm="http://schemas.openxmlformats.org/drawingml/2006/diagram" xmlns:o="urn:schemas-microsoft-com:office:office" xmlns:v="urn:schemas-microsoft-com:vml" xmlns:pvml="urn:schemas-microsoft-com:office:powerpoint" xmlns:com="http://schemas.openxmlformats.org/drawingml/2006/compatibility" xmlns:p14="http://schemas.microsoft.com/office/powerpoint/2010/main" xmlns:p15="http://schemas.microsoft.com/office/powerpoint/2012/main" xmlns:ahyp="http://schemas.microsoft.com/office/drawing/2018/hyperlinkcolor" showMasterPhAnim="0" showMasterSp="0">
+<p:notes xmlns:a="http://schemas.openxmlformats.org/drawingml/2006/main" xmlns:r="http://schemas.openxmlformats.org/officeDocument/2006/relationships" xmlns:p="http://schemas.openxmlformats.org/presentationml/2006/main" showMasterSp="0" showMasterPhAnim="0">
   <p:cSld>
     <p:spTree>
       <p:nvGrpSpPr>
-        <p:cNvPr id="76" name="Shape 76"/>
+        <p:cNvPr id="1" name="Shape 76"/>
         <p:cNvGrpSpPr/>
         <p:nvPr/>
       </p:nvGrpSpPr>
@@ -1025,9 +1055,11 @@
       <p:sp>
         <p:nvSpPr>
           <p:cNvPr id="77" name="Google Shape;77;g289169562d9_0_36:notes"/>
-          <p:cNvSpPr/>
+          <p:cNvSpPr>
+            <a:spLocks noGrp="1" noRot="1" noChangeAspect="1"/>
+          </p:cNvSpPr>
           <p:nvPr>
-            <p:ph idx="2" type="sldImg"/>
+            <p:ph type="sldImg" idx="2"/>
           </p:nvPr>
         </p:nvSpPr>
         <p:spPr>
@@ -1036,9 +1068,13 @@
             <a:ext cx="6096000" cy="3429000"/>
           </a:xfrm>
           <a:custGeom>
-            <a:rect b="b" l="l" r="r" t="t"/>
+            <a:avLst/>
+            <a:gdLst/>
+            <a:ahLst/>
+            <a:cxnLst/>
+            <a:rect l="l" t="t" r="r" b="b"/>
             <a:pathLst>
-              <a:path extrusionOk="0" h="120000" w="120000">
+              <a:path w="120000" h="120000" extrusionOk="0">
                 <a:moveTo>
                   <a:pt x="0" y="0"/>
                 </a:moveTo>
@@ -1060,9 +1096,11 @@
       <p:sp>
         <p:nvSpPr>
           <p:cNvPr id="78" name="Google Shape;78;g289169562d9_0_36:notes"/>
-          <p:cNvSpPr txBox="1"/>
+          <p:cNvSpPr txBox="1">
+            <a:spLocks noGrp="1"/>
+          </p:cNvSpPr>
           <p:nvPr>
-            <p:ph idx="1" type="body"/>
+            <p:ph type="body" idx="1"/>
           </p:nvPr>
         </p:nvSpPr>
         <p:spPr>
@@ -1075,12 +1113,12 @@
           </a:prstGeom>
         </p:spPr>
         <p:txBody>
-          <a:bodyPr anchorCtr="0" anchor="t" bIns="91425" lIns="91425" spcFirstLastPara="1" rIns="91425" wrap="square" tIns="91425">
+          <a:bodyPr spcFirstLastPara="1" wrap="square" lIns="91425" tIns="91425" rIns="91425" bIns="91425" anchor="t" anchorCtr="0">
             <a:noAutofit/>
           </a:bodyPr>
           <a:lstStyle/>
           <a:p>
-            <a:pPr indent="0" lvl="0" marL="0" rtl="0" algn="l">
+            <a:pPr marL="0" lvl="0" indent="0" algn="l" rtl="0">
               <a:spcBef>
                 <a:spcPts val="0"/>
               </a:spcBef>
@@ -1089,9 +1127,6 @@
               </a:spcAft>
               <a:buNone/>
             </a:pPr>
-            <a:r>
-              <a:t/>
-            </a:r>
             <a:endParaRPr/>
           </a:p>
         </p:txBody>
@@ -1105,11 +1140,11 @@
 </file>
 
 <file path=ppt/notesSlides/notesSlide5.xml><?xml version="1.0" encoding="utf-8"?>
-<p:notes xmlns:a="http://schemas.openxmlformats.org/drawingml/2006/main" xmlns:r="http://schemas.openxmlformats.org/officeDocument/2006/relationships" xmlns:mc="http://schemas.openxmlformats.org/markup-compatibility/2006" xmlns:mv="urn:schemas-microsoft-com:mac:vml" xmlns:p="http://schemas.openxmlformats.org/presentationml/2006/main" xmlns:c="http://schemas.openxmlformats.org/drawingml/2006/chart" xmlns:dgm="http://schemas.openxmlformats.org/drawingml/2006/diagram" xmlns:o="urn:schemas-microsoft-com:office:office" xmlns:v="urn:schemas-microsoft-com:vml" xmlns:pvml="urn:schemas-microsoft-com:office:powerpoint" xmlns:com="http://schemas.openxmlformats.org/drawingml/2006/compatibility" xmlns:p14="http://schemas.microsoft.com/office/powerpoint/2010/main" xmlns:p15="http://schemas.microsoft.com/office/powerpoint/2012/main" xmlns:ahyp="http://schemas.microsoft.com/office/drawing/2018/hyperlinkcolor" showMasterPhAnim="0" showMasterSp="0">
+<p:notes xmlns:a="http://schemas.openxmlformats.org/drawingml/2006/main" xmlns:r="http://schemas.openxmlformats.org/officeDocument/2006/relationships" xmlns:p="http://schemas.openxmlformats.org/presentationml/2006/main" showMasterSp="0" showMasterPhAnim="0">
   <p:cSld>
     <p:spTree>
       <p:nvGrpSpPr>
-        <p:cNvPr id="82" name="Shape 82"/>
+        <p:cNvPr id="1" name="Shape 82"/>
         <p:cNvGrpSpPr/>
         <p:nvPr/>
       </p:nvGrpSpPr>
@@ -1124,9 +1159,11 @@
       <p:sp>
         <p:nvSpPr>
           <p:cNvPr id="83" name="Google Shape;83;g289169562d9_0_44:notes"/>
-          <p:cNvSpPr/>
+          <p:cNvSpPr>
+            <a:spLocks noGrp="1" noRot="1" noChangeAspect="1"/>
+          </p:cNvSpPr>
           <p:nvPr>
-            <p:ph idx="2" type="sldImg"/>
+            <p:ph type="sldImg" idx="2"/>
           </p:nvPr>
         </p:nvSpPr>
         <p:spPr>
@@ -1135,9 +1172,13 @@
             <a:ext cx="6096000" cy="3429000"/>
           </a:xfrm>
           <a:custGeom>
-            <a:rect b="b" l="l" r="r" t="t"/>
+            <a:avLst/>
+            <a:gdLst/>
+            <a:ahLst/>
+            <a:cxnLst/>
+            <a:rect l="l" t="t" r="r" b="b"/>
             <a:pathLst>
-              <a:path extrusionOk="0" h="120000" w="120000">
+              <a:path w="120000" h="120000" extrusionOk="0">
                 <a:moveTo>
                   <a:pt x="0" y="0"/>
                 </a:moveTo>
@@ -1159,9 +1200,11 @@
       <p:sp>
         <p:nvSpPr>
           <p:cNvPr id="84" name="Google Shape;84;g289169562d9_0_44:notes"/>
-          <p:cNvSpPr txBox="1"/>
+          <p:cNvSpPr txBox="1">
+            <a:spLocks noGrp="1"/>
+          </p:cNvSpPr>
           <p:nvPr>
-            <p:ph idx="1" type="body"/>
+            <p:ph type="body" idx="1"/>
           </p:nvPr>
         </p:nvSpPr>
         <p:spPr>
@@ -1174,12 +1217,12 @@
           </a:prstGeom>
         </p:spPr>
         <p:txBody>
-          <a:bodyPr anchorCtr="0" anchor="t" bIns="91425" lIns="91425" spcFirstLastPara="1" rIns="91425" wrap="square" tIns="91425">
+          <a:bodyPr spcFirstLastPara="1" wrap="square" lIns="91425" tIns="91425" rIns="91425" bIns="91425" anchor="t" anchorCtr="0">
             <a:noAutofit/>
           </a:bodyPr>
           <a:lstStyle/>
           <a:p>
-            <a:pPr indent="0" lvl="0" marL="0" rtl="0" algn="l">
+            <a:pPr marL="0" lvl="0" indent="0" algn="l" rtl="0">
               <a:spcBef>
                 <a:spcPts val="0"/>
               </a:spcBef>
@@ -1188,9 +1231,6 @@
               </a:spcAft>
               <a:buNone/>
             </a:pPr>
-            <a:r>
-              <a:t/>
-            </a:r>
             <a:endParaRPr/>
           </a:p>
         </p:txBody>
@@ -1204,11 +1244,11 @@
 </file>
 
 <file path=ppt/notesSlides/notesSlide6.xml><?xml version="1.0" encoding="utf-8"?>
-<p:notes xmlns:a="http://schemas.openxmlformats.org/drawingml/2006/main" xmlns:r="http://schemas.openxmlformats.org/officeDocument/2006/relationships" xmlns:mc="http://schemas.openxmlformats.org/markup-compatibility/2006" xmlns:mv="urn:schemas-microsoft-com:mac:vml" xmlns:p="http://schemas.openxmlformats.org/presentationml/2006/main" xmlns:c="http://schemas.openxmlformats.org/drawingml/2006/chart" xmlns:dgm="http://schemas.openxmlformats.org/drawingml/2006/diagram" xmlns:o="urn:schemas-microsoft-com:office:office" xmlns:v="urn:schemas-microsoft-com:vml" xmlns:pvml="urn:schemas-microsoft-com:office:powerpoint" xmlns:com="http://schemas.openxmlformats.org/drawingml/2006/compatibility" xmlns:p14="http://schemas.microsoft.com/office/powerpoint/2010/main" xmlns:p15="http://schemas.microsoft.com/office/powerpoint/2012/main" xmlns:ahyp="http://schemas.microsoft.com/office/drawing/2018/hyperlinkcolor" showMasterPhAnim="0" showMasterSp="0">
+<p:notes xmlns:a="http://schemas.openxmlformats.org/drawingml/2006/main" xmlns:r="http://schemas.openxmlformats.org/officeDocument/2006/relationships" xmlns:p="http://schemas.openxmlformats.org/presentationml/2006/main" showMasterSp="0" showMasterPhAnim="0">
   <p:cSld>
     <p:spTree>
       <p:nvGrpSpPr>
-        <p:cNvPr id="88" name="Shape 88"/>
+        <p:cNvPr id="1" name="Shape 88"/>
         <p:cNvGrpSpPr/>
         <p:nvPr/>
       </p:nvGrpSpPr>
@@ -1223,9 +1263,11 @@
       <p:sp>
         <p:nvSpPr>
           <p:cNvPr id="89" name="Google Shape;89;g289169562d9_0_54:notes"/>
-          <p:cNvSpPr/>
+          <p:cNvSpPr>
+            <a:spLocks noGrp="1" noRot="1" noChangeAspect="1"/>
+          </p:cNvSpPr>
           <p:nvPr>
-            <p:ph idx="2" type="sldImg"/>
+            <p:ph type="sldImg" idx="2"/>
           </p:nvPr>
         </p:nvSpPr>
         <p:spPr>
@@ -1234,9 +1276,13 @@
             <a:ext cx="6096000" cy="3429000"/>
           </a:xfrm>
           <a:custGeom>
-            <a:rect b="b" l="l" r="r" t="t"/>
+            <a:avLst/>
+            <a:gdLst/>
+            <a:ahLst/>
+            <a:cxnLst/>
+            <a:rect l="l" t="t" r="r" b="b"/>
             <a:pathLst>
-              <a:path extrusionOk="0" h="120000" w="120000">
+              <a:path w="120000" h="120000" extrusionOk="0">
                 <a:moveTo>
                   <a:pt x="0" y="0"/>
                 </a:moveTo>
@@ -1258,9 +1304,11 @@
       <p:sp>
         <p:nvSpPr>
           <p:cNvPr id="90" name="Google Shape;90;g289169562d9_0_54:notes"/>
-          <p:cNvSpPr txBox="1"/>
+          <p:cNvSpPr txBox="1">
+            <a:spLocks noGrp="1"/>
+          </p:cNvSpPr>
           <p:nvPr>
-            <p:ph idx="1" type="body"/>
+            <p:ph type="body" idx="1"/>
           </p:nvPr>
         </p:nvSpPr>
         <p:spPr>
@@ -1273,12 +1321,12 @@
           </a:prstGeom>
         </p:spPr>
         <p:txBody>
-          <a:bodyPr anchorCtr="0" anchor="t" bIns="91425" lIns="91425" spcFirstLastPara="1" rIns="91425" wrap="square" tIns="91425">
+          <a:bodyPr spcFirstLastPara="1" wrap="square" lIns="91425" tIns="91425" rIns="91425" bIns="91425" anchor="t" anchorCtr="0">
             <a:noAutofit/>
           </a:bodyPr>
           <a:lstStyle/>
           <a:p>
-            <a:pPr indent="0" lvl="0" marL="0" rtl="0" algn="l">
+            <a:pPr marL="0" lvl="0" indent="0" algn="l" rtl="0">
               <a:spcBef>
                 <a:spcPts val="0"/>
               </a:spcBef>
@@ -1287,9 +1335,6 @@
               </a:spcAft>
               <a:buNone/>
             </a:pPr>
-            <a:r>
-              <a:t/>
-            </a:r>
             <a:endParaRPr/>
           </a:p>
         </p:txBody>
@@ -1303,11 +1348,11 @@
 </file>
 
 <file path=ppt/notesSlides/notesSlide7.xml><?xml version="1.0" encoding="utf-8"?>
-<p:notes xmlns:a="http://schemas.openxmlformats.org/drawingml/2006/main" xmlns:r="http://schemas.openxmlformats.org/officeDocument/2006/relationships" xmlns:mc="http://schemas.openxmlformats.org/markup-compatibility/2006" xmlns:mv="urn:schemas-microsoft-com:mac:vml" xmlns:p="http://schemas.openxmlformats.org/presentationml/2006/main" xmlns:c="http://schemas.openxmlformats.org/drawingml/2006/chart" xmlns:dgm="http://schemas.openxmlformats.org/drawingml/2006/diagram" xmlns:o="urn:schemas-microsoft-com:office:office" xmlns:v="urn:schemas-microsoft-com:vml" xmlns:pvml="urn:schemas-microsoft-com:office:powerpoint" xmlns:com="http://schemas.openxmlformats.org/drawingml/2006/compatibility" xmlns:p14="http://schemas.microsoft.com/office/powerpoint/2010/main" xmlns:p15="http://schemas.microsoft.com/office/powerpoint/2012/main" xmlns:ahyp="http://schemas.microsoft.com/office/drawing/2018/hyperlinkcolor" showMasterPhAnim="0" showMasterSp="0">
+<p:notes xmlns:a="http://schemas.openxmlformats.org/drawingml/2006/main" xmlns:r="http://schemas.openxmlformats.org/officeDocument/2006/relationships" xmlns:p="http://schemas.openxmlformats.org/presentationml/2006/main" showMasterSp="0" showMasterPhAnim="0">
   <p:cSld>
     <p:spTree>
       <p:nvGrpSpPr>
-        <p:cNvPr id="94" name="Shape 94"/>
+        <p:cNvPr id="1" name="Shape 94"/>
         <p:cNvGrpSpPr/>
         <p:nvPr/>
       </p:nvGrpSpPr>
@@ -1322,9 +1367,11 @@
       <p:sp>
         <p:nvSpPr>
           <p:cNvPr id="95" name="Google Shape;95;g289169562d9_0_60:notes"/>
-          <p:cNvSpPr/>
+          <p:cNvSpPr>
+            <a:spLocks noGrp="1" noRot="1" noChangeAspect="1"/>
+          </p:cNvSpPr>
           <p:nvPr>
-            <p:ph idx="2" type="sldImg"/>
+            <p:ph type="sldImg" idx="2"/>
           </p:nvPr>
         </p:nvSpPr>
         <p:spPr>
@@ -1333,9 +1380,13 @@
             <a:ext cx="6096000" cy="3429000"/>
           </a:xfrm>
           <a:custGeom>
-            <a:rect b="b" l="l" r="r" t="t"/>
+            <a:avLst/>
+            <a:gdLst/>
+            <a:ahLst/>
+            <a:cxnLst/>
+            <a:rect l="l" t="t" r="r" b="b"/>
             <a:pathLst>
-              <a:path extrusionOk="0" h="120000" w="120000">
+              <a:path w="120000" h="120000" extrusionOk="0">
                 <a:moveTo>
                   <a:pt x="0" y="0"/>
                 </a:moveTo>
@@ -1357,9 +1408,11 @@
       <p:sp>
         <p:nvSpPr>
           <p:cNvPr id="96" name="Google Shape;96;g289169562d9_0_60:notes"/>
-          <p:cNvSpPr txBox="1"/>
+          <p:cNvSpPr txBox="1">
+            <a:spLocks noGrp="1"/>
+          </p:cNvSpPr>
           <p:nvPr>
-            <p:ph idx="1" type="body"/>
+            <p:ph type="body" idx="1"/>
           </p:nvPr>
         </p:nvSpPr>
         <p:spPr>
@@ -1372,12 +1425,12 @@
           </a:prstGeom>
         </p:spPr>
         <p:txBody>
-          <a:bodyPr anchorCtr="0" anchor="t" bIns="91425" lIns="91425" spcFirstLastPara="1" rIns="91425" wrap="square" tIns="91425">
+          <a:bodyPr spcFirstLastPara="1" wrap="square" lIns="91425" tIns="91425" rIns="91425" bIns="91425" anchor="t" anchorCtr="0">
             <a:noAutofit/>
           </a:bodyPr>
           <a:lstStyle/>
           <a:p>
-            <a:pPr indent="0" lvl="0" marL="0" rtl="0" algn="l">
+            <a:pPr marL="0" lvl="0" indent="0" algn="l" rtl="0">
               <a:spcBef>
                 <a:spcPts val="0"/>
               </a:spcBef>
@@ -1386,9 +1439,6 @@
               </a:spcAft>
               <a:buNone/>
             </a:pPr>
-            <a:r>
-              <a:t/>
-            </a:r>
             <a:endParaRPr/>
           </a:p>
         </p:txBody>
@@ -1402,11 +1452,11 @@
 </file>
 
 <file path=ppt/notesSlides/notesSlide8.xml><?xml version="1.0" encoding="utf-8"?>
-<p:notes xmlns:a="http://schemas.openxmlformats.org/drawingml/2006/main" xmlns:r="http://schemas.openxmlformats.org/officeDocument/2006/relationships" xmlns:mc="http://schemas.openxmlformats.org/markup-compatibility/2006" xmlns:mv="urn:schemas-microsoft-com:mac:vml" xmlns:p="http://schemas.openxmlformats.org/presentationml/2006/main" xmlns:c="http://schemas.openxmlformats.org/drawingml/2006/chart" xmlns:dgm="http://schemas.openxmlformats.org/drawingml/2006/diagram" xmlns:o="urn:schemas-microsoft-com:office:office" xmlns:v="urn:schemas-microsoft-com:vml" xmlns:pvml="urn:schemas-microsoft-com:office:powerpoint" xmlns:com="http://schemas.openxmlformats.org/drawingml/2006/compatibility" xmlns:p14="http://schemas.microsoft.com/office/powerpoint/2010/main" xmlns:p15="http://schemas.microsoft.com/office/powerpoint/2012/main" xmlns:ahyp="http://schemas.microsoft.com/office/drawing/2018/hyperlinkcolor" showMasterPhAnim="0" showMasterSp="0">
+<p:notes xmlns:a="http://schemas.openxmlformats.org/drawingml/2006/main" xmlns:r="http://schemas.openxmlformats.org/officeDocument/2006/relationships" xmlns:p="http://schemas.openxmlformats.org/presentationml/2006/main" showMasterSp="0" showMasterPhAnim="0">
   <p:cSld>
     <p:spTree>
       <p:nvGrpSpPr>
-        <p:cNvPr id="100" name="Shape 100"/>
+        <p:cNvPr id="1" name="Shape 100"/>
         <p:cNvGrpSpPr/>
         <p:nvPr/>
       </p:nvGrpSpPr>
@@ -1421,9 +1471,11 @@
       <p:sp>
         <p:nvSpPr>
           <p:cNvPr id="101" name="Google Shape;101;g289169562d9_0_72:notes"/>
-          <p:cNvSpPr/>
+          <p:cNvSpPr>
+            <a:spLocks noGrp="1" noRot="1" noChangeAspect="1"/>
+          </p:cNvSpPr>
           <p:nvPr>
-            <p:ph idx="2" type="sldImg"/>
+            <p:ph type="sldImg" idx="2"/>
           </p:nvPr>
         </p:nvSpPr>
         <p:spPr>
@@ -1432,9 +1484,13 @@
             <a:ext cx="6096000" cy="3429000"/>
           </a:xfrm>
           <a:custGeom>
-            <a:rect b="b" l="l" r="r" t="t"/>
+            <a:avLst/>
+            <a:gdLst/>
+            <a:ahLst/>
+            <a:cxnLst/>
+            <a:rect l="l" t="t" r="r" b="b"/>
             <a:pathLst>
-              <a:path extrusionOk="0" h="120000" w="120000">
+              <a:path w="120000" h="120000" extrusionOk="0">
                 <a:moveTo>
                   <a:pt x="0" y="0"/>
                 </a:moveTo>
@@ -1456,9 +1512,11 @@
       <p:sp>
         <p:nvSpPr>
           <p:cNvPr id="102" name="Google Shape;102;g289169562d9_0_72:notes"/>
-          <p:cNvSpPr txBox="1"/>
+          <p:cNvSpPr txBox="1">
+            <a:spLocks noGrp="1"/>
+          </p:cNvSpPr>
           <p:nvPr>
-            <p:ph idx="1" type="body"/>
+            <p:ph type="body" idx="1"/>
           </p:nvPr>
         </p:nvSpPr>
         <p:spPr>
@@ -1471,12 +1529,12 @@
           </a:prstGeom>
         </p:spPr>
         <p:txBody>
-          <a:bodyPr anchorCtr="0" anchor="t" bIns="91425" lIns="91425" spcFirstLastPara="1" rIns="91425" wrap="square" tIns="91425">
+          <a:bodyPr spcFirstLastPara="1" wrap="square" lIns="91425" tIns="91425" rIns="91425" bIns="91425" anchor="t" anchorCtr="0">
             <a:noAutofit/>
           </a:bodyPr>
           <a:lstStyle/>
           <a:p>
-            <a:pPr indent="0" lvl="0" marL="0" rtl="0" algn="l">
+            <a:pPr marL="0" lvl="0" indent="0" algn="l" rtl="0">
               <a:spcBef>
                 <a:spcPts val="0"/>
               </a:spcBef>
@@ -1485,9 +1543,6 @@
               </a:spcAft>
               <a:buNone/>
             </a:pPr>
-            <a:r>
-              <a:t/>
-            </a:r>
             <a:endParaRPr/>
           </a:p>
         </p:txBody>
@@ -1501,18 +1556,19 @@
 </file>
 
 <file path=ppt/slideLayouts/slideLayout1.xml><?xml version="1.0" encoding="utf-8"?>
-<p:sldLayout xmlns:a="http://schemas.openxmlformats.org/drawingml/2006/main" xmlns:r="http://schemas.openxmlformats.org/officeDocument/2006/relationships" xmlns:mc="http://schemas.openxmlformats.org/markup-compatibility/2006" xmlns:mv="urn:schemas-microsoft-com:mac:vml" xmlns:p="http://schemas.openxmlformats.org/presentationml/2006/main" xmlns:c="http://schemas.openxmlformats.org/drawingml/2006/chart" xmlns:dgm="http://schemas.openxmlformats.org/drawingml/2006/diagram" xmlns:o="urn:schemas-microsoft-com:office:office" xmlns:v="urn:schemas-microsoft-com:vml" xmlns:pvml="urn:schemas-microsoft-com:office:powerpoint" xmlns:com="http://schemas.openxmlformats.org/drawingml/2006/compatibility" xmlns:p14="http://schemas.microsoft.com/office/powerpoint/2010/main" xmlns:p15="http://schemas.microsoft.com/office/powerpoint/2012/main" xmlns:ahyp="http://schemas.microsoft.com/office/drawing/2018/hyperlinkcolor" matchingName="Title slide" type="title">
+<p:sldLayout xmlns:a="http://schemas.openxmlformats.org/drawingml/2006/main" xmlns:r="http://schemas.openxmlformats.org/officeDocument/2006/relationships" xmlns:p="http://schemas.openxmlformats.org/presentationml/2006/main" matchingName="Title slide" type="title">
   <p:cSld name="TITLE">
     <p:bg>
       <p:bgPr>
         <a:solidFill>
           <a:schemeClr val="dk1"/>
         </a:solidFill>
+        <a:effectLst/>
       </p:bgPr>
     </p:bg>
     <p:spTree>
       <p:nvGrpSpPr>
-        <p:cNvPr id="9" name="Shape 9"/>
+        <p:cNvPr id="1" name="Shape 9"/>
         <p:cNvGrpSpPr/>
         <p:nvPr/>
       </p:nvGrpSpPr>
@@ -1546,12 +1602,12 @@
           </a:ln>
         </p:spPr>
         <p:txBody>
-          <a:bodyPr anchorCtr="0" anchor="ctr" bIns="91425" lIns="91425" spcFirstLastPara="1" rIns="91425" wrap="square" tIns="91425">
+          <a:bodyPr spcFirstLastPara="1" wrap="square" lIns="91425" tIns="91425" rIns="91425" bIns="91425" anchor="ctr" anchorCtr="0">
             <a:noAutofit/>
           </a:bodyPr>
           <a:lstStyle/>
           <a:p>
-            <a:pPr indent="0" lvl="0" marL="0" rtl="0" algn="l">
+            <a:pPr marL="0" lvl="0" indent="0" algn="l" rtl="0">
               <a:spcBef>
                 <a:spcPts val="0"/>
               </a:spcBef>
@@ -1560,9 +1616,6 @@
               </a:spcAft>
               <a:buNone/>
             </a:pPr>
-            <a:r>
-              <a:t/>
-            </a:r>
             <a:endParaRPr/>
           </a:p>
         </p:txBody>
@@ -1582,21 +1635,23 @@
             <a:avLst/>
           </a:prstGeom>
           <a:noFill/>
-          <a:ln cap="flat" cmpd="sng" w="28575">
+          <a:ln w="28575" cap="flat" cmpd="sng">
             <a:solidFill>
               <a:schemeClr val="accent1"/>
             </a:solidFill>
             <a:prstDash val="solid"/>
             <a:round/>
-            <a:headEnd len="sm" w="sm" type="none"/>
-            <a:tailEnd len="sm" w="sm" type="none"/>
+            <a:headEnd type="none" w="sm" len="sm"/>
+            <a:tailEnd type="none" w="sm" len="sm"/>
           </a:ln>
         </p:spPr>
       </p:cxnSp>
       <p:sp>
         <p:nvSpPr>
           <p:cNvPr id="12" name="Google Shape;12;p2"/>
-          <p:cNvSpPr txBox="1"/>
+          <p:cNvSpPr txBox="1">
+            <a:spLocks noGrp="1"/>
+          </p:cNvSpPr>
           <p:nvPr>
             <p:ph type="ctrTitle"/>
           </p:nvPr>
@@ -1611,7 +1666,7 @@
           </a:prstGeom>
         </p:spPr>
         <p:txBody>
-          <a:bodyPr anchorCtr="0" anchor="b" bIns="91425" lIns="91425" spcFirstLastPara="1" rIns="91425" wrap="square" tIns="91425">
+          <a:bodyPr spcFirstLastPara="1" wrap="square" lIns="91425" tIns="91425" rIns="91425" bIns="91425" anchor="b" anchorCtr="0">
             <a:normAutofit/>
           </a:bodyPr>
           <a:lstStyle>
@@ -1778,15 +1833,19 @@
               </a:defRPr>
             </a:lvl9pPr>
           </a:lstStyle>
-          <a:p/>
+          <a:p>
+            <a:endParaRPr/>
+          </a:p>
         </p:txBody>
       </p:sp>
       <p:sp>
         <p:nvSpPr>
           <p:cNvPr id="13" name="Google Shape;13;p2"/>
-          <p:cNvSpPr txBox="1"/>
+          <p:cNvSpPr txBox="1">
+            <a:spLocks noGrp="1"/>
+          </p:cNvSpPr>
           <p:nvPr>
-            <p:ph idx="1" type="subTitle"/>
+            <p:ph type="subTitle" idx="1"/>
           </p:nvPr>
         </p:nvSpPr>
         <p:spPr>
@@ -1799,7 +1858,7 @@
           </a:prstGeom>
         </p:spPr>
         <p:txBody>
-          <a:bodyPr anchorCtr="0" anchor="t" bIns="91425" lIns="91425" spcFirstLastPara="1" rIns="91425" wrap="square" tIns="91425">
+          <a:bodyPr spcFirstLastPara="1" wrap="square" lIns="91425" tIns="91425" rIns="91425" bIns="91425" anchor="t" anchorCtr="0">
             <a:normAutofit/>
           </a:bodyPr>
           <a:lstStyle>
@@ -1993,15 +2052,19 @@
               </a:defRPr>
             </a:lvl9pPr>
           </a:lstStyle>
-          <a:p/>
+          <a:p>
+            <a:endParaRPr/>
+          </a:p>
         </p:txBody>
       </p:sp>
       <p:sp>
         <p:nvSpPr>
           <p:cNvPr id="14" name="Google Shape;14;p2"/>
-          <p:cNvSpPr txBox="1"/>
+          <p:cNvSpPr txBox="1">
+            <a:spLocks noGrp="1"/>
+          </p:cNvSpPr>
           <p:nvPr>
-            <p:ph idx="12" type="sldNum"/>
+            <p:ph type="sldNum" idx="12"/>
           </p:nvPr>
         </p:nvSpPr>
         <p:spPr>
@@ -2014,7 +2077,7 @@
           </a:prstGeom>
         </p:spPr>
         <p:txBody>
-          <a:bodyPr anchorCtr="0" anchor="ctr" bIns="91425" lIns="91425" spcFirstLastPara="1" rIns="91425" wrap="square" tIns="91425">
+          <a:bodyPr spcFirstLastPara="1" wrap="square" lIns="91425" tIns="91425" rIns="91425" bIns="91425" anchor="ctr" anchorCtr="0">
             <a:normAutofit/>
           </a:bodyPr>
           <a:lstStyle>
@@ -2092,7 +2155,7 @@
             </a:lvl9pPr>
           </a:lstStyle>
           <a:p>
-            <a:pPr indent="0" lvl="0" marL="0" rtl="0" algn="r">
+            <a:pPr marL="0" lvl="0" indent="0" algn="r" rtl="0">
               <a:spcBef>
                 <a:spcPts val="0"/>
               </a:spcBef>
@@ -2118,11 +2181,11 @@
 </file>
 
 <file path=ppt/slideLayouts/slideLayout10.xml><?xml version="1.0" encoding="utf-8"?>
-<p:sldLayout xmlns:a="http://schemas.openxmlformats.org/drawingml/2006/main" xmlns:r="http://schemas.openxmlformats.org/officeDocument/2006/relationships" xmlns:mc="http://schemas.openxmlformats.org/markup-compatibility/2006" xmlns:mv="urn:schemas-microsoft-com:mac:vml" xmlns:p="http://schemas.openxmlformats.org/presentationml/2006/main" xmlns:c="http://schemas.openxmlformats.org/drawingml/2006/chart" xmlns:dgm="http://schemas.openxmlformats.org/drawingml/2006/diagram" xmlns:o="urn:schemas-microsoft-com:office:office" xmlns:v="urn:schemas-microsoft-com:vml" xmlns:pvml="urn:schemas-microsoft-com:office:powerpoint" xmlns:com="http://schemas.openxmlformats.org/drawingml/2006/compatibility" xmlns:p14="http://schemas.microsoft.com/office/powerpoint/2010/main" xmlns:p15="http://schemas.microsoft.com/office/powerpoint/2012/main" xmlns:ahyp="http://schemas.microsoft.com/office/drawing/2018/hyperlinkcolor" matchingName="Big number">
+<p:sldLayout xmlns:a="http://schemas.openxmlformats.org/drawingml/2006/main" xmlns:r="http://schemas.openxmlformats.org/officeDocument/2006/relationships" xmlns:p="http://schemas.openxmlformats.org/presentationml/2006/main" matchingName="Big number">
   <p:cSld name="BIG_NUMBER">
     <p:spTree>
       <p:nvGrpSpPr>
-        <p:cNvPr id="49" name="Shape 49"/>
+        <p:cNvPr id="1" name="Shape 49"/>
         <p:cNvGrpSpPr/>
         <p:nvPr/>
       </p:nvGrpSpPr>
@@ -2137,9 +2200,11 @@
       <p:sp>
         <p:nvSpPr>
           <p:cNvPr id="50" name="Google Shape;50;p11"/>
-          <p:cNvSpPr txBox="1"/>
+          <p:cNvSpPr txBox="1">
+            <a:spLocks noGrp="1"/>
+          </p:cNvSpPr>
           <p:nvPr>
-            <p:ph hasCustomPrompt="1" type="title"/>
+            <p:ph type="title" hasCustomPrompt="1"/>
           </p:nvPr>
         </p:nvSpPr>
         <p:spPr>
@@ -2152,7 +2217,7 @@
           </a:prstGeom>
         </p:spPr>
         <p:txBody>
-          <a:bodyPr anchorCtr="0" anchor="b" bIns="91425" lIns="91425" spcFirstLastPara="1" rIns="91425" wrap="square" tIns="91425">
+          <a:bodyPr spcFirstLastPara="1" wrap="square" lIns="91425" tIns="91425" rIns="91425" bIns="91425" anchor="b" anchorCtr="0">
             <a:normAutofit/>
           </a:bodyPr>
           <a:lstStyle>
@@ -2165,7 +2230,7 @@
               </a:spcAft>
               <a:buSzPts val="14000"/>
               <a:buNone/>
-              <a:defRPr b="1" sz="14000"/>
+              <a:defRPr sz="14000" b="1"/>
             </a:lvl1pPr>
             <a:lvl2pPr lvl="1" algn="ctr">
               <a:spcBef>
@@ -2176,7 +2241,7 @@
               </a:spcAft>
               <a:buSzPts val="14000"/>
               <a:buNone/>
-              <a:defRPr b="1" sz="14000"/>
+              <a:defRPr sz="14000" b="1"/>
             </a:lvl2pPr>
             <a:lvl3pPr lvl="2" algn="ctr">
               <a:spcBef>
@@ -2187,7 +2252,7 @@
               </a:spcAft>
               <a:buSzPts val="14000"/>
               <a:buNone/>
-              <a:defRPr b="1" sz="14000"/>
+              <a:defRPr sz="14000" b="1"/>
             </a:lvl3pPr>
             <a:lvl4pPr lvl="3" algn="ctr">
               <a:spcBef>
@@ -2198,7 +2263,7 @@
               </a:spcAft>
               <a:buSzPts val="14000"/>
               <a:buNone/>
-              <a:defRPr b="1" sz="14000"/>
+              <a:defRPr sz="14000" b="1"/>
             </a:lvl4pPr>
             <a:lvl5pPr lvl="4" algn="ctr">
               <a:spcBef>
@@ -2209,7 +2274,7 @@
               </a:spcAft>
               <a:buSzPts val="14000"/>
               <a:buNone/>
-              <a:defRPr b="1" sz="14000"/>
+              <a:defRPr sz="14000" b="1"/>
             </a:lvl5pPr>
             <a:lvl6pPr lvl="5" algn="ctr">
               <a:spcBef>
@@ -2220,7 +2285,7 @@
               </a:spcAft>
               <a:buSzPts val="14000"/>
               <a:buNone/>
-              <a:defRPr b="1" sz="14000"/>
+              <a:defRPr sz="14000" b="1"/>
             </a:lvl6pPr>
             <a:lvl7pPr lvl="6" algn="ctr">
               <a:spcBef>
@@ -2231,7 +2296,7 @@
               </a:spcAft>
               <a:buSzPts val="14000"/>
               <a:buNone/>
-              <a:defRPr b="1" sz="14000"/>
+              <a:defRPr sz="14000" b="1"/>
             </a:lvl7pPr>
             <a:lvl8pPr lvl="7" algn="ctr">
               <a:spcBef>
@@ -2242,7 +2307,7 @@
               </a:spcAft>
               <a:buSzPts val="14000"/>
               <a:buNone/>
-              <a:defRPr b="1" sz="14000"/>
+              <a:defRPr sz="14000" b="1"/>
             </a:lvl8pPr>
             <a:lvl9pPr lvl="8" algn="ctr">
               <a:spcBef>
@@ -2253,7 +2318,7 @@
               </a:spcAft>
               <a:buSzPts val="14000"/>
               <a:buNone/>
-              <a:defRPr b="1" sz="14000"/>
+              <a:defRPr sz="14000" b="1"/>
             </a:lvl9pPr>
           </a:lstStyle>
           <a:p>
@@ -2266,9 +2331,11 @@
       <p:sp>
         <p:nvSpPr>
           <p:cNvPr id="51" name="Google Shape;51;p11"/>
-          <p:cNvSpPr txBox="1"/>
+          <p:cNvSpPr txBox="1">
+            <a:spLocks noGrp="1"/>
+          </p:cNvSpPr>
           <p:nvPr>
-            <p:ph idx="1" type="body"/>
+            <p:ph type="body" idx="1"/>
           </p:nvPr>
         </p:nvSpPr>
         <p:spPr>
@@ -2281,11 +2348,11 @@
           </a:prstGeom>
         </p:spPr>
         <p:txBody>
-          <a:bodyPr anchorCtr="0" anchor="t" bIns="91425" lIns="91425" spcFirstLastPara="1" rIns="91425" wrap="square" tIns="91425">
+          <a:bodyPr spcFirstLastPara="1" wrap="square" lIns="91425" tIns="91425" rIns="91425" bIns="91425" anchor="t" anchorCtr="0">
             <a:normAutofit/>
           </a:bodyPr>
           <a:lstStyle>
-            <a:lvl1pPr indent="-342900" lvl="0" marL="457200" algn="ctr">
+            <a:lvl1pPr marL="457200" lvl="0" indent="-342900" algn="ctr">
               <a:spcBef>
                 <a:spcPts val="0"/>
               </a:spcBef>
@@ -2296,7 +2363,7 @@
               <a:buChar char="●"/>
               <a:defRPr/>
             </a:lvl1pPr>
-            <a:lvl2pPr indent="-317500" lvl="1" marL="914400" algn="ctr">
+            <a:lvl2pPr marL="914400" lvl="1" indent="-317500" algn="ctr">
               <a:spcBef>
                 <a:spcPts val="0"/>
               </a:spcBef>
@@ -2307,7 +2374,7 @@
               <a:buChar char="○"/>
               <a:defRPr/>
             </a:lvl2pPr>
-            <a:lvl3pPr indent="-317500" lvl="2" marL="1371600" algn="ctr">
+            <a:lvl3pPr marL="1371600" lvl="2" indent="-317500" algn="ctr">
               <a:spcBef>
                 <a:spcPts val="0"/>
               </a:spcBef>
@@ -2318,7 +2385,7 @@
               <a:buChar char="■"/>
               <a:defRPr/>
             </a:lvl3pPr>
-            <a:lvl4pPr indent="-317500" lvl="3" marL="1828800" algn="ctr">
+            <a:lvl4pPr marL="1828800" lvl="3" indent="-317500" algn="ctr">
               <a:spcBef>
                 <a:spcPts val="0"/>
               </a:spcBef>
@@ -2329,7 +2396,7 @@
               <a:buChar char="●"/>
               <a:defRPr/>
             </a:lvl4pPr>
-            <a:lvl5pPr indent="-317500" lvl="4" marL="2286000" algn="ctr">
+            <a:lvl5pPr marL="2286000" lvl="4" indent="-317500" algn="ctr">
               <a:spcBef>
                 <a:spcPts val="0"/>
               </a:spcBef>
@@ -2340,7 +2407,7 @@
               <a:buChar char="○"/>
               <a:defRPr/>
             </a:lvl5pPr>
-            <a:lvl6pPr indent="-317500" lvl="5" marL="2743200" algn="ctr">
+            <a:lvl6pPr marL="2743200" lvl="5" indent="-317500" algn="ctr">
               <a:spcBef>
                 <a:spcPts val="0"/>
               </a:spcBef>
@@ -2351,7 +2418,7 @@
               <a:buChar char="■"/>
               <a:defRPr/>
             </a:lvl6pPr>
-            <a:lvl7pPr indent="-317500" lvl="6" marL="3200400" algn="ctr">
+            <a:lvl7pPr marL="3200400" lvl="6" indent="-317500" algn="ctr">
               <a:spcBef>
                 <a:spcPts val="0"/>
               </a:spcBef>
@@ -2362,7 +2429,7 @@
               <a:buChar char="●"/>
               <a:defRPr/>
             </a:lvl7pPr>
-            <a:lvl8pPr indent="-317500" lvl="7" marL="3657600" algn="ctr">
+            <a:lvl8pPr marL="3657600" lvl="7" indent="-317500" algn="ctr">
               <a:spcBef>
                 <a:spcPts val="0"/>
               </a:spcBef>
@@ -2373,7 +2440,7 @@
               <a:buChar char="○"/>
               <a:defRPr/>
             </a:lvl8pPr>
-            <a:lvl9pPr indent="-317500" lvl="8" marL="4114800" algn="ctr">
+            <a:lvl9pPr marL="4114800" lvl="8" indent="-317500" algn="ctr">
               <a:spcBef>
                 <a:spcPts val="0"/>
               </a:spcBef>
@@ -2385,15 +2452,19 @@
               <a:defRPr/>
             </a:lvl9pPr>
           </a:lstStyle>
-          <a:p/>
+          <a:p>
+            <a:endParaRPr/>
+          </a:p>
         </p:txBody>
       </p:sp>
       <p:sp>
         <p:nvSpPr>
           <p:cNvPr id="52" name="Google Shape;52;p11"/>
-          <p:cNvSpPr txBox="1"/>
+          <p:cNvSpPr txBox="1">
+            <a:spLocks noGrp="1"/>
+          </p:cNvSpPr>
           <p:nvPr>
-            <p:ph idx="12" type="sldNum"/>
+            <p:ph type="sldNum" idx="12"/>
           </p:nvPr>
         </p:nvSpPr>
         <p:spPr>
@@ -2406,7 +2477,7 @@
           </a:prstGeom>
         </p:spPr>
         <p:txBody>
-          <a:bodyPr anchorCtr="0" anchor="ctr" bIns="91425" lIns="91425" spcFirstLastPara="1" rIns="91425" wrap="square" tIns="91425">
+          <a:bodyPr spcFirstLastPara="1" wrap="square" lIns="91425" tIns="91425" rIns="91425" bIns="91425" anchor="ctr" anchorCtr="0">
             <a:normAutofit/>
           </a:bodyPr>
           <a:lstStyle>
@@ -2448,7 +2519,7 @@
             </a:lvl9pPr>
           </a:lstStyle>
           <a:p>
-            <a:pPr indent="0" lvl="0" marL="0" rtl="0" algn="r">
+            <a:pPr marL="0" lvl="0" indent="0" algn="r" rtl="0">
               <a:spcBef>
                 <a:spcPts val="0"/>
               </a:spcBef>
@@ -2474,11 +2545,11 @@
 </file>
 
 <file path=ppt/slideLayouts/slideLayout11.xml><?xml version="1.0" encoding="utf-8"?>
-<p:sldLayout xmlns:a="http://schemas.openxmlformats.org/drawingml/2006/main" xmlns:r="http://schemas.openxmlformats.org/officeDocument/2006/relationships" xmlns:mc="http://schemas.openxmlformats.org/markup-compatibility/2006" xmlns:mv="urn:schemas-microsoft-com:mac:vml" xmlns:p="http://schemas.openxmlformats.org/presentationml/2006/main" xmlns:c="http://schemas.openxmlformats.org/drawingml/2006/chart" xmlns:dgm="http://schemas.openxmlformats.org/drawingml/2006/diagram" xmlns:o="urn:schemas-microsoft-com:office:office" xmlns:v="urn:schemas-microsoft-com:vml" xmlns:pvml="urn:schemas-microsoft-com:office:powerpoint" xmlns:com="http://schemas.openxmlformats.org/drawingml/2006/compatibility" xmlns:p14="http://schemas.microsoft.com/office/powerpoint/2010/main" xmlns:p15="http://schemas.microsoft.com/office/powerpoint/2012/main" xmlns:ahyp="http://schemas.microsoft.com/office/drawing/2018/hyperlinkcolor" matchingName="Blank" type="blank">
+<p:sldLayout xmlns:a="http://schemas.openxmlformats.org/drawingml/2006/main" xmlns:r="http://schemas.openxmlformats.org/officeDocument/2006/relationships" xmlns:p="http://schemas.openxmlformats.org/presentationml/2006/main" matchingName="Blank" type="blank">
   <p:cSld name="BLANK">
     <p:spTree>
       <p:nvGrpSpPr>
-        <p:cNvPr id="53" name="Shape 53"/>
+        <p:cNvPr id="1" name="Shape 53"/>
         <p:cNvGrpSpPr/>
         <p:nvPr/>
       </p:nvGrpSpPr>
@@ -2493,9 +2564,11 @@
       <p:sp>
         <p:nvSpPr>
           <p:cNvPr id="54" name="Google Shape;54;p12"/>
-          <p:cNvSpPr txBox="1"/>
+          <p:cNvSpPr txBox="1">
+            <a:spLocks noGrp="1"/>
+          </p:cNvSpPr>
           <p:nvPr>
-            <p:ph idx="12" type="sldNum"/>
+            <p:ph type="sldNum" idx="12"/>
           </p:nvPr>
         </p:nvSpPr>
         <p:spPr>
@@ -2508,7 +2581,7 @@
           </a:prstGeom>
         </p:spPr>
         <p:txBody>
-          <a:bodyPr anchorCtr="0" anchor="ctr" bIns="91425" lIns="91425" spcFirstLastPara="1" rIns="91425" wrap="square" tIns="91425">
+          <a:bodyPr spcFirstLastPara="1" wrap="square" lIns="91425" tIns="91425" rIns="91425" bIns="91425" anchor="ctr" anchorCtr="0">
             <a:normAutofit/>
           </a:bodyPr>
           <a:lstStyle>
@@ -2550,7 +2623,7 @@
             </a:lvl9pPr>
           </a:lstStyle>
           <a:p>
-            <a:pPr indent="0" lvl="0" marL="0" rtl="0" algn="r">
+            <a:pPr marL="0" lvl="0" indent="0" algn="r" rtl="0">
               <a:spcBef>
                 <a:spcPts val="0"/>
               </a:spcBef>
@@ -2576,18 +2649,19 @@
 </file>
 
 <file path=ppt/slideLayouts/slideLayout2.xml><?xml version="1.0" encoding="utf-8"?>
-<p:sldLayout xmlns:a="http://schemas.openxmlformats.org/drawingml/2006/main" xmlns:r="http://schemas.openxmlformats.org/officeDocument/2006/relationships" xmlns:mc="http://schemas.openxmlformats.org/markup-compatibility/2006" xmlns:mv="urn:schemas-microsoft-com:mac:vml" xmlns:p="http://schemas.openxmlformats.org/presentationml/2006/main" xmlns:c="http://schemas.openxmlformats.org/drawingml/2006/chart" xmlns:dgm="http://schemas.openxmlformats.org/drawingml/2006/diagram" xmlns:o="urn:schemas-microsoft-com:office:office" xmlns:v="urn:schemas-microsoft-com:vml" xmlns:pvml="urn:schemas-microsoft-com:office:powerpoint" xmlns:com="http://schemas.openxmlformats.org/drawingml/2006/compatibility" xmlns:p14="http://schemas.microsoft.com/office/powerpoint/2010/main" xmlns:p15="http://schemas.microsoft.com/office/powerpoint/2012/main" xmlns:ahyp="http://schemas.microsoft.com/office/drawing/2018/hyperlinkcolor" matchingName="Section header" type="secHead">
+<p:sldLayout xmlns:a="http://schemas.openxmlformats.org/drawingml/2006/main" xmlns:r="http://schemas.openxmlformats.org/officeDocument/2006/relationships" xmlns:p="http://schemas.openxmlformats.org/presentationml/2006/main" matchingName="Section header" type="secHead">
   <p:cSld name="SECTION_HEADER">
     <p:bg>
       <p:bgPr>
         <a:solidFill>
           <a:schemeClr val="dk1"/>
         </a:solidFill>
+        <a:effectLst/>
       </p:bgPr>
     </p:bg>
     <p:spTree>
       <p:nvGrpSpPr>
-        <p:cNvPr id="15" name="Shape 15"/>
+        <p:cNvPr id="1" name="Shape 15"/>
         <p:cNvGrpSpPr/>
         <p:nvPr/>
       </p:nvGrpSpPr>
@@ -2614,21 +2688,23 @@
             <a:avLst/>
           </a:prstGeom>
           <a:noFill/>
-          <a:ln cap="flat" cmpd="sng" w="28575">
+          <a:ln w="28575" cap="flat" cmpd="sng">
             <a:solidFill>
               <a:schemeClr val="lt2"/>
             </a:solidFill>
             <a:prstDash val="solid"/>
             <a:round/>
-            <a:headEnd len="sm" w="sm" type="none"/>
-            <a:tailEnd len="sm" w="sm" type="none"/>
+            <a:headEnd type="none" w="sm" len="sm"/>
+            <a:tailEnd type="none" w="sm" len="sm"/>
           </a:ln>
         </p:spPr>
       </p:cxnSp>
       <p:sp>
         <p:nvSpPr>
           <p:cNvPr id="17" name="Google Shape;17;p3"/>
-          <p:cNvSpPr txBox="1"/>
+          <p:cNvSpPr txBox="1">
+            <a:spLocks noGrp="1"/>
+          </p:cNvSpPr>
           <p:nvPr>
             <p:ph type="title"/>
           </p:nvPr>
@@ -2643,7 +2719,7 @@
           </a:prstGeom>
         </p:spPr>
         <p:txBody>
-          <a:bodyPr anchorCtr="0" anchor="b" bIns="91425" lIns="91425" spcFirstLastPara="1" rIns="91425" wrap="square" tIns="91425">
+          <a:bodyPr spcFirstLastPara="1" wrap="square" lIns="91425" tIns="91425" rIns="91425" bIns="91425" anchor="b" anchorCtr="0">
             <a:normAutofit/>
           </a:bodyPr>
           <a:lstStyle>
@@ -2810,15 +2886,19 @@
               </a:defRPr>
             </a:lvl9pPr>
           </a:lstStyle>
-          <a:p/>
+          <a:p>
+            <a:endParaRPr/>
+          </a:p>
         </p:txBody>
       </p:sp>
       <p:sp>
         <p:nvSpPr>
           <p:cNvPr id="18" name="Google Shape;18;p3"/>
-          <p:cNvSpPr txBox="1"/>
+          <p:cNvSpPr txBox="1">
+            <a:spLocks noGrp="1"/>
+          </p:cNvSpPr>
           <p:nvPr>
-            <p:ph idx="12" type="sldNum"/>
+            <p:ph type="sldNum" idx="12"/>
           </p:nvPr>
         </p:nvSpPr>
         <p:spPr>
@@ -2831,7 +2911,7 @@
           </a:prstGeom>
         </p:spPr>
         <p:txBody>
-          <a:bodyPr anchorCtr="0" anchor="ctr" bIns="91425" lIns="91425" spcFirstLastPara="1" rIns="91425" wrap="square" tIns="91425">
+          <a:bodyPr spcFirstLastPara="1" wrap="square" lIns="91425" tIns="91425" rIns="91425" bIns="91425" anchor="ctr" anchorCtr="0">
             <a:normAutofit/>
           </a:bodyPr>
           <a:lstStyle>
@@ -2909,7 +2989,7 @@
             </a:lvl9pPr>
           </a:lstStyle>
           <a:p>
-            <a:pPr indent="0" lvl="0" marL="0" rtl="0" algn="r">
+            <a:pPr marL="0" lvl="0" indent="0" algn="r" rtl="0">
               <a:spcBef>
                 <a:spcPts val="0"/>
               </a:spcBef>
@@ -2935,11 +3015,11 @@
 </file>
 
 <file path=ppt/slideLayouts/slideLayout3.xml><?xml version="1.0" encoding="utf-8"?>
-<p:sldLayout xmlns:a="http://schemas.openxmlformats.org/drawingml/2006/main" xmlns:r="http://schemas.openxmlformats.org/officeDocument/2006/relationships" xmlns:mc="http://schemas.openxmlformats.org/markup-compatibility/2006" xmlns:mv="urn:schemas-microsoft-com:mac:vml" xmlns:p="http://schemas.openxmlformats.org/presentationml/2006/main" xmlns:c="http://schemas.openxmlformats.org/drawingml/2006/chart" xmlns:dgm="http://schemas.openxmlformats.org/drawingml/2006/diagram" xmlns:o="urn:schemas-microsoft-com:office:office" xmlns:v="urn:schemas-microsoft-com:vml" xmlns:pvml="urn:schemas-microsoft-com:office:powerpoint" xmlns:com="http://schemas.openxmlformats.org/drawingml/2006/compatibility" xmlns:p14="http://schemas.microsoft.com/office/powerpoint/2010/main" xmlns:p15="http://schemas.microsoft.com/office/powerpoint/2012/main" xmlns:ahyp="http://schemas.microsoft.com/office/drawing/2018/hyperlinkcolor" matchingName="Title and body" type="tx">
+<p:sldLayout xmlns:a="http://schemas.openxmlformats.org/drawingml/2006/main" xmlns:r="http://schemas.openxmlformats.org/officeDocument/2006/relationships" xmlns:p="http://schemas.openxmlformats.org/presentationml/2006/main" matchingName="Title and body" type="tx">
   <p:cSld name="TITLE_AND_BODY">
     <p:spTree>
       <p:nvGrpSpPr>
-        <p:cNvPr id="19" name="Shape 19"/>
+        <p:cNvPr id="1" name="Shape 19"/>
         <p:cNvGrpSpPr/>
         <p:nvPr/>
       </p:nvGrpSpPr>
@@ -2973,12 +3053,12 @@
           </a:ln>
         </p:spPr>
         <p:txBody>
-          <a:bodyPr anchorCtr="0" anchor="ctr" bIns="91425" lIns="91425" spcFirstLastPara="1" rIns="91425" wrap="square" tIns="91425">
+          <a:bodyPr spcFirstLastPara="1" wrap="square" lIns="91425" tIns="91425" rIns="91425" bIns="91425" anchor="ctr" anchorCtr="0">
             <a:noAutofit/>
           </a:bodyPr>
           <a:lstStyle/>
           <a:p>
-            <a:pPr indent="0" lvl="0" marL="0" rtl="0" algn="l">
+            <a:pPr marL="0" lvl="0" indent="0" algn="l" rtl="0">
               <a:spcBef>
                 <a:spcPts val="0"/>
               </a:spcBef>
@@ -2987,9 +3067,6 @@
               </a:spcAft>
               <a:buNone/>
             </a:pPr>
-            <a:r>
-              <a:t/>
-            </a:r>
             <a:endParaRPr/>
           </a:p>
         </p:txBody>
@@ -2997,7 +3074,9 @@
       <p:sp>
         <p:nvSpPr>
           <p:cNvPr id="21" name="Google Shape;21;p4"/>
-          <p:cNvSpPr txBox="1"/>
+          <p:cNvSpPr txBox="1">
+            <a:spLocks noGrp="1"/>
+          </p:cNvSpPr>
           <p:nvPr>
             <p:ph type="title"/>
           </p:nvPr>
@@ -3012,7 +3091,7 @@
           </a:prstGeom>
         </p:spPr>
         <p:txBody>
-          <a:bodyPr anchorCtr="0" anchor="t" bIns="91425" lIns="91425" spcFirstLastPara="1" rIns="91425" wrap="square" tIns="91425">
+          <a:bodyPr spcFirstLastPara="1" wrap="square" lIns="91425" tIns="91425" rIns="91425" bIns="91425" anchor="t" anchorCtr="0">
             <a:normAutofit/>
           </a:bodyPr>
           <a:lstStyle>
@@ -3116,15 +3195,19 @@
               <a:defRPr/>
             </a:lvl9pPr>
           </a:lstStyle>
-          <a:p/>
+          <a:p>
+            <a:endParaRPr/>
+          </a:p>
         </p:txBody>
       </p:sp>
       <p:sp>
         <p:nvSpPr>
           <p:cNvPr id="22" name="Google Shape;22;p4"/>
-          <p:cNvSpPr txBox="1"/>
+          <p:cNvSpPr txBox="1">
+            <a:spLocks noGrp="1"/>
+          </p:cNvSpPr>
           <p:nvPr>
-            <p:ph idx="1" type="body"/>
+            <p:ph type="body" idx="1"/>
           </p:nvPr>
         </p:nvSpPr>
         <p:spPr>
@@ -3137,11 +3220,11 @@
           </a:prstGeom>
         </p:spPr>
         <p:txBody>
-          <a:bodyPr anchorCtr="0" anchor="t" bIns="91425" lIns="91425" spcFirstLastPara="1" rIns="91425" wrap="square" tIns="91425">
+          <a:bodyPr spcFirstLastPara="1" wrap="square" lIns="91425" tIns="91425" rIns="91425" bIns="91425" anchor="t" anchorCtr="0">
             <a:normAutofit/>
           </a:bodyPr>
           <a:lstStyle>
-            <a:lvl1pPr indent="-342900" lvl="0" marL="457200">
+            <a:lvl1pPr marL="457200" lvl="0" indent="-342900">
               <a:spcBef>
                 <a:spcPts val="0"/>
               </a:spcBef>
@@ -3152,7 +3235,7 @@
               <a:buChar char="●"/>
               <a:defRPr/>
             </a:lvl1pPr>
-            <a:lvl2pPr indent="-317500" lvl="1" marL="914400">
+            <a:lvl2pPr marL="914400" lvl="1" indent="-317500">
               <a:spcBef>
                 <a:spcPts val="0"/>
               </a:spcBef>
@@ -3163,7 +3246,7 @@
               <a:buChar char="○"/>
               <a:defRPr/>
             </a:lvl2pPr>
-            <a:lvl3pPr indent="-317500" lvl="2" marL="1371600">
+            <a:lvl3pPr marL="1371600" lvl="2" indent="-317500">
               <a:spcBef>
                 <a:spcPts val="0"/>
               </a:spcBef>
@@ -3174,7 +3257,7 @@
               <a:buChar char="■"/>
               <a:defRPr/>
             </a:lvl3pPr>
-            <a:lvl4pPr indent="-317500" lvl="3" marL="1828800">
+            <a:lvl4pPr marL="1828800" lvl="3" indent="-317500">
               <a:spcBef>
                 <a:spcPts val="0"/>
               </a:spcBef>
@@ -3185,7 +3268,7 @@
               <a:buChar char="●"/>
               <a:defRPr/>
             </a:lvl4pPr>
-            <a:lvl5pPr indent="-317500" lvl="4" marL="2286000">
+            <a:lvl5pPr marL="2286000" lvl="4" indent="-317500">
               <a:spcBef>
                 <a:spcPts val="0"/>
               </a:spcBef>
@@ -3196,7 +3279,7 @@
               <a:buChar char="○"/>
               <a:defRPr/>
             </a:lvl5pPr>
-            <a:lvl6pPr indent="-317500" lvl="5" marL="2743200">
+            <a:lvl6pPr marL="2743200" lvl="5" indent="-317500">
               <a:spcBef>
                 <a:spcPts val="0"/>
               </a:spcBef>
@@ -3207,7 +3290,7 @@
               <a:buChar char="■"/>
               <a:defRPr/>
             </a:lvl6pPr>
-            <a:lvl7pPr indent="-317500" lvl="6" marL="3200400">
+            <a:lvl7pPr marL="3200400" lvl="6" indent="-317500">
               <a:spcBef>
                 <a:spcPts val="0"/>
               </a:spcBef>
@@ -3218,7 +3301,7 @@
               <a:buChar char="●"/>
               <a:defRPr/>
             </a:lvl7pPr>
-            <a:lvl8pPr indent="-317500" lvl="7" marL="3657600">
+            <a:lvl8pPr marL="3657600" lvl="7" indent="-317500">
               <a:spcBef>
                 <a:spcPts val="0"/>
               </a:spcBef>
@@ -3229,7 +3312,7 @@
               <a:buChar char="○"/>
               <a:defRPr/>
             </a:lvl8pPr>
-            <a:lvl9pPr indent="-317500" lvl="8" marL="4114800">
+            <a:lvl9pPr marL="4114800" lvl="8" indent="-317500">
               <a:spcBef>
                 <a:spcPts val="0"/>
               </a:spcBef>
@@ -3241,15 +3324,19 @@
               <a:defRPr/>
             </a:lvl9pPr>
           </a:lstStyle>
-          <a:p/>
+          <a:p>
+            <a:endParaRPr/>
+          </a:p>
         </p:txBody>
       </p:sp>
       <p:sp>
         <p:nvSpPr>
           <p:cNvPr id="23" name="Google Shape;23;p4"/>
-          <p:cNvSpPr txBox="1"/>
+          <p:cNvSpPr txBox="1">
+            <a:spLocks noGrp="1"/>
+          </p:cNvSpPr>
           <p:nvPr>
-            <p:ph idx="12" type="sldNum"/>
+            <p:ph type="sldNum" idx="12"/>
           </p:nvPr>
         </p:nvSpPr>
         <p:spPr>
@@ -3262,7 +3349,7 @@
           </a:prstGeom>
         </p:spPr>
         <p:txBody>
-          <a:bodyPr anchorCtr="0" anchor="ctr" bIns="91425" lIns="91425" spcFirstLastPara="1" rIns="91425" wrap="square" tIns="91425">
+          <a:bodyPr spcFirstLastPara="1" wrap="square" lIns="91425" tIns="91425" rIns="91425" bIns="91425" anchor="ctr" anchorCtr="0">
             <a:normAutofit/>
           </a:bodyPr>
           <a:lstStyle>
@@ -3304,7 +3391,7 @@
             </a:lvl9pPr>
           </a:lstStyle>
           <a:p>
-            <a:pPr indent="0" lvl="0" marL="0" rtl="0" algn="r">
+            <a:pPr marL="0" lvl="0" indent="0" algn="r" rtl="0">
               <a:spcBef>
                 <a:spcPts val="0"/>
               </a:spcBef>
@@ -3330,11 +3417,11 @@
 </file>
 
 <file path=ppt/slideLayouts/slideLayout4.xml><?xml version="1.0" encoding="utf-8"?>
-<p:sldLayout xmlns:a="http://schemas.openxmlformats.org/drawingml/2006/main" xmlns:r="http://schemas.openxmlformats.org/officeDocument/2006/relationships" xmlns:mc="http://schemas.openxmlformats.org/markup-compatibility/2006" xmlns:mv="urn:schemas-microsoft-com:mac:vml" xmlns:p="http://schemas.openxmlformats.org/presentationml/2006/main" xmlns:c="http://schemas.openxmlformats.org/drawingml/2006/chart" xmlns:dgm="http://schemas.openxmlformats.org/drawingml/2006/diagram" xmlns:o="urn:schemas-microsoft-com:office:office" xmlns:v="urn:schemas-microsoft-com:vml" xmlns:pvml="urn:schemas-microsoft-com:office:powerpoint" xmlns:com="http://schemas.openxmlformats.org/drawingml/2006/compatibility" xmlns:p14="http://schemas.microsoft.com/office/powerpoint/2010/main" xmlns:p15="http://schemas.microsoft.com/office/powerpoint/2012/main" xmlns:ahyp="http://schemas.microsoft.com/office/drawing/2018/hyperlinkcolor" matchingName="Title and two columns" type="twoColTx">
+<p:sldLayout xmlns:a="http://schemas.openxmlformats.org/drawingml/2006/main" xmlns:r="http://schemas.openxmlformats.org/officeDocument/2006/relationships" xmlns:p="http://schemas.openxmlformats.org/presentationml/2006/main" matchingName="Title and two columns" type="twoColTx">
   <p:cSld name="TITLE_AND_TWO_COLUMNS">
     <p:spTree>
       <p:nvGrpSpPr>
-        <p:cNvPr id="24" name="Shape 24"/>
+        <p:cNvPr id="1" name="Shape 24"/>
         <p:cNvGrpSpPr/>
         <p:nvPr/>
       </p:nvGrpSpPr>
@@ -3349,7 +3436,9 @@
       <p:sp>
         <p:nvSpPr>
           <p:cNvPr id="25" name="Google Shape;25;p5"/>
-          <p:cNvSpPr txBox="1"/>
+          <p:cNvSpPr txBox="1">
+            <a:spLocks noGrp="1"/>
+          </p:cNvSpPr>
           <p:nvPr>
             <p:ph type="title"/>
           </p:nvPr>
@@ -3364,7 +3453,7 @@
           </a:prstGeom>
         </p:spPr>
         <p:txBody>
-          <a:bodyPr anchorCtr="0" anchor="t" bIns="91425" lIns="91425" spcFirstLastPara="1" rIns="91425" wrap="square" tIns="91425">
+          <a:bodyPr spcFirstLastPara="1" wrap="square" lIns="91425" tIns="91425" rIns="91425" bIns="91425" anchor="t" anchorCtr="0">
             <a:normAutofit/>
           </a:bodyPr>
           <a:lstStyle>
@@ -3468,15 +3557,19 @@
               <a:defRPr/>
             </a:lvl9pPr>
           </a:lstStyle>
-          <a:p/>
+          <a:p>
+            <a:endParaRPr/>
+          </a:p>
         </p:txBody>
       </p:sp>
       <p:sp>
         <p:nvSpPr>
           <p:cNvPr id="26" name="Google Shape;26;p5"/>
-          <p:cNvSpPr txBox="1"/>
+          <p:cNvSpPr txBox="1">
+            <a:spLocks noGrp="1"/>
+          </p:cNvSpPr>
           <p:nvPr>
-            <p:ph idx="1" type="body"/>
+            <p:ph type="body" idx="1"/>
           </p:nvPr>
         </p:nvSpPr>
         <p:spPr>
@@ -3489,11 +3582,11 @@
           </a:prstGeom>
         </p:spPr>
         <p:txBody>
-          <a:bodyPr anchorCtr="0" anchor="t" bIns="91425" lIns="91425" spcFirstLastPara="1" rIns="91425" wrap="square" tIns="91425">
+          <a:bodyPr spcFirstLastPara="1" wrap="square" lIns="91425" tIns="91425" rIns="91425" bIns="91425" anchor="t" anchorCtr="0">
             <a:normAutofit/>
           </a:bodyPr>
           <a:lstStyle>
-            <a:lvl1pPr indent="-317500" lvl="0" marL="457200">
+            <a:lvl1pPr marL="457200" lvl="0" indent="-317500">
               <a:spcBef>
                 <a:spcPts val="0"/>
               </a:spcBef>
@@ -3504,7 +3597,7 @@
               <a:buChar char="●"/>
               <a:defRPr sz="1400"/>
             </a:lvl1pPr>
-            <a:lvl2pPr indent="-304800" lvl="1" marL="914400">
+            <a:lvl2pPr marL="914400" lvl="1" indent="-304800">
               <a:spcBef>
                 <a:spcPts val="0"/>
               </a:spcBef>
@@ -3515,7 +3608,7 @@
               <a:buChar char="○"/>
               <a:defRPr sz="1200"/>
             </a:lvl2pPr>
-            <a:lvl3pPr indent="-304800" lvl="2" marL="1371600">
+            <a:lvl3pPr marL="1371600" lvl="2" indent="-304800">
               <a:spcBef>
                 <a:spcPts val="0"/>
               </a:spcBef>
@@ -3526,7 +3619,7 @@
               <a:buChar char="■"/>
               <a:defRPr sz="1200"/>
             </a:lvl3pPr>
-            <a:lvl4pPr indent="-304800" lvl="3" marL="1828800">
+            <a:lvl4pPr marL="1828800" lvl="3" indent="-304800">
               <a:spcBef>
                 <a:spcPts val="0"/>
               </a:spcBef>
@@ -3537,7 +3630,7 @@
               <a:buChar char="●"/>
               <a:defRPr sz="1200"/>
             </a:lvl4pPr>
-            <a:lvl5pPr indent="-304800" lvl="4" marL="2286000">
+            <a:lvl5pPr marL="2286000" lvl="4" indent="-304800">
               <a:spcBef>
                 <a:spcPts val="0"/>
               </a:spcBef>
@@ -3548,7 +3641,7 @@
               <a:buChar char="○"/>
               <a:defRPr sz="1200"/>
             </a:lvl5pPr>
-            <a:lvl6pPr indent="-304800" lvl="5" marL="2743200">
+            <a:lvl6pPr marL="2743200" lvl="5" indent="-304800">
               <a:spcBef>
                 <a:spcPts val="0"/>
               </a:spcBef>
@@ -3559,7 +3652,7 @@
               <a:buChar char="■"/>
               <a:defRPr sz="1200"/>
             </a:lvl6pPr>
-            <a:lvl7pPr indent="-304800" lvl="6" marL="3200400">
+            <a:lvl7pPr marL="3200400" lvl="6" indent="-304800">
               <a:spcBef>
                 <a:spcPts val="0"/>
               </a:spcBef>
@@ -3570,7 +3663,7 @@
               <a:buChar char="●"/>
               <a:defRPr sz="1200"/>
             </a:lvl7pPr>
-            <a:lvl8pPr indent="-304800" lvl="7" marL="3657600">
+            <a:lvl8pPr marL="3657600" lvl="7" indent="-304800">
               <a:spcBef>
                 <a:spcPts val="0"/>
               </a:spcBef>
@@ -3581,7 +3674,7 @@
               <a:buChar char="○"/>
               <a:defRPr sz="1200"/>
             </a:lvl8pPr>
-            <a:lvl9pPr indent="-304800" lvl="8" marL="4114800">
+            <a:lvl9pPr marL="4114800" lvl="8" indent="-304800">
               <a:spcBef>
                 <a:spcPts val="0"/>
               </a:spcBef>
@@ -3593,15 +3686,19 @@
               <a:defRPr sz="1200"/>
             </a:lvl9pPr>
           </a:lstStyle>
-          <a:p/>
+          <a:p>
+            <a:endParaRPr/>
+          </a:p>
         </p:txBody>
       </p:sp>
       <p:sp>
         <p:nvSpPr>
           <p:cNvPr id="27" name="Google Shape;27;p5"/>
-          <p:cNvSpPr txBox="1"/>
+          <p:cNvSpPr txBox="1">
+            <a:spLocks noGrp="1"/>
+          </p:cNvSpPr>
           <p:nvPr>
-            <p:ph idx="2" type="body"/>
+            <p:ph type="body" idx="2"/>
           </p:nvPr>
         </p:nvSpPr>
         <p:spPr>
@@ -3614,11 +3711,11 @@
           </a:prstGeom>
         </p:spPr>
         <p:txBody>
-          <a:bodyPr anchorCtr="0" anchor="t" bIns="91425" lIns="91425" spcFirstLastPara="1" rIns="91425" wrap="square" tIns="91425">
+          <a:bodyPr spcFirstLastPara="1" wrap="square" lIns="91425" tIns="91425" rIns="91425" bIns="91425" anchor="t" anchorCtr="0">
             <a:normAutofit/>
           </a:bodyPr>
           <a:lstStyle>
-            <a:lvl1pPr indent="-317500" lvl="0" marL="457200">
+            <a:lvl1pPr marL="457200" lvl="0" indent="-317500">
               <a:spcBef>
                 <a:spcPts val="0"/>
               </a:spcBef>
@@ -3629,7 +3726,7 @@
               <a:buChar char="●"/>
               <a:defRPr sz="1400"/>
             </a:lvl1pPr>
-            <a:lvl2pPr indent="-304800" lvl="1" marL="914400">
+            <a:lvl2pPr marL="914400" lvl="1" indent="-304800">
               <a:spcBef>
                 <a:spcPts val="0"/>
               </a:spcBef>
@@ -3640,7 +3737,7 @@
               <a:buChar char="○"/>
               <a:defRPr sz="1200"/>
             </a:lvl2pPr>
-            <a:lvl3pPr indent="-304800" lvl="2" marL="1371600">
+            <a:lvl3pPr marL="1371600" lvl="2" indent="-304800">
               <a:spcBef>
                 <a:spcPts val="0"/>
               </a:spcBef>
@@ -3651,7 +3748,7 @@
               <a:buChar char="■"/>
               <a:defRPr sz="1200"/>
             </a:lvl3pPr>
-            <a:lvl4pPr indent="-304800" lvl="3" marL="1828800">
+            <a:lvl4pPr marL="1828800" lvl="3" indent="-304800">
               <a:spcBef>
                 <a:spcPts val="0"/>
               </a:spcBef>
@@ -3662,7 +3759,7 @@
               <a:buChar char="●"/>
               <a:defRPr sz="1200"/>
             </a:lvl4pPr>
-            <a:lvl5pPr indent="-304800" lvl="4" marL="2286000">
+            <a:lvl5pPr marL="2286000" lvl="4" indent="-304800">
               <a:spcBef>
                 <a:spcPts val="0"/>
               </a:spcBef>
@@ -3673,7 +3770,7 @@
               <a:buChar char="○"/>
               <a:defRPr sz="1200"/>
             </a:lvl5pPr>
-            <a:lvl6pPr indent="-304800" lvl="5" marL="2743200">
+            <a:lvl6pPr marL="2743200" lvl="5" indent="-304800">
               <a:spcBef>
                 <a:spcPts val="0"/>
               </a:spcBef>
@@ -3684,7 +3781,7 @@
               <a:buChar char="■"/>
               <a:defRPr sz="1200"/>
             </a:lvl6pPr>
-            <a:lvl7pPr indent="-304800" lvl="6" marL="3200400">
+            <a:lvl7pPr marL="3200400" lvl="6" indent="-304800">
               <a:spcBef>
                 <a:spcPts val="0"/>
               </a:spcBef>
@@ -3695,7 +3792,7 @@
               <a:buChar char="●"/>
               <a:defRPr sz="1200"/>
             </a:lvl7pPr>
-            <a:lvl8pPr indent="-304800" lvl="7" marL="3657600">
+            <a:lvl8pPr marL="3657600" lvl="7" indent="-304800">
               <a:spcBef>
                 <a:spcPts val="0"/>
               </a:spcBef>
@@ -3706,7 +3803,7 @@
               <a:buChar char="○"/>
               <a:defRPr sz="1200"/>
             </a:lvl8pPr>
-            <a:lvl9pPr indent="-304800" lvl="8" marL="4114800">
+            <a:lvl9pPr marL="4114800" lvl="8" indent="-304800">
               <a:spcBef>
                 <a:spcPts val="0"/>
               </a:spcBef>
@@ -3718,15 +3815,19 @@
               <a:defRPr sz="1200"/>
             </a:lvl9pPr>
           </a:lstStyle>
-          <a:p/>
+          <a:p>
+            <a:endParaRPr/>
+          </a:p>
         </p:txBody>
       </p:sp>
       <p:sp>
         <p:nvSpPr>
           <p:cNvPr id="28" name="Google Shape;28;p5"/>
-          <p:cNvSpPr txBox="1"/>
+          <p:cNvSpPr txBox="1">
+            <a:spLocks noGrp="1"/>
+          </p:cNvSpPr>
           <p:nvPr>
-            <p:ph idx="12" type="sldNum"/>
+            <p:ph type="sldNum" idx="12"/>
           </p:nvPr>
         </p:nvSpPr>
         <p:spPr>
@@ -3739,7 +3840,7 @@
           </a:prstGeom>
         </p:spPr>
         <p:txBody>
-          <a:bodyPr anchorCtr="0" anchor="ctr" bIns="91425" lIns="91425" spcFirstLastPara="1" rIns="91425" wrap="square" tIns="91425">
+          <a:bodyPr spcFirstLastPara="1" wrap="square" lIns="91425" tIns="91425" rIns="91425" bIns="91425" anchor="ctr" anchorCtr="0">
             <a:normAutofit/>
           </a:bodyPr>
           <a:lstStyle>
@@ -3781,7 +3882,7 @@
             </a:lvl9pPr>
           </a:lstStyle>
           <a:p>
-            <a:pPr indent="0" lvl="0" marL="0" rtl="0" algn="r">
+            <a:pPr marL="0" lvl="0" indent="0" algn="r" rtl="0">
               <a:spcBef>
                 <a:spcPts val="0"/>
               </a:spcBef>
@@ -3807,11 +3908,11 @@
 </file>
 
 <file path=ppt/slideLayouts/slideLayout5.xml><?xml version="1.0" encoding="utf-8"?>
-<p:sldLayout xmlns:a="http://schemas.openxmlformats.org/drawingml/2006/main" xmlns:r="http://schemas.openxmlformats.org/officeDocument/2006/relationships" xmlns:mc="http://schemas.openxmlformats.org/markup-compatibility/2006" xmlns:mv="urn:schemas-microsoft-com:mac:vml" xmlns:p="http://schemas.openxmlformats.org/presentationml/2006/main" xmlns:c="http://schemas.openxmlformats.org/drawingml/2006/chart" xmlns:dgm="http://schemas.openxmlformats.org/drawingml/2006/diagram" xmlns:o="urn:schemas-microsoft-com:office:office" xmlns:v="urn:schemas-microsoft-com:vml" xmlns:pvml="urn:schemas-microsoft-com:office:powerpoint" xmlns:com="http://schemas.openxmlformats.org/drawingml/2006/compatibility" xmlns:p14="http://schemas.microsoft.com/office/powerpoint/2010/main" xmlns:p15="http://schemas.microsoft.com/office/powerpoint/2012/main" xmlns:ahyp="http://schemas.microsoft.com/office/drawing/2018/hyperlinkcolor" matchingName="Title only" type="titleOnly">
+<p:sldLayout xmlns:a="http://schemas.openxmlformats.org/drawingml/2006/main" xmlns:r="http://schemas.openxmlformats.org/officeDocument/2006/relationships" xmlns:p="http://schemas.openxmlformats.org/presentationml/2006/main" matchingName="Title only" type="titleOnly">
   <p:cSld name="TITLE_ONLY">
     <p:spTree>
       <p:nvGrpSpPr>
-        <p:cNvPr id="29" name="Shape 29"/>
+        <p:cNvPr id="1" name="Shape 29"/>
         <p:cNvGrpSpPr/>
         <p:nvPr/>
       </p:nvGrpSpPr>
@@ -3826,7 +3927,9 @@
       <p:sp>
         <p:nvSpPr>
           <p:cNvPr id="30" name="Google Shape;30;p6"/>
-          <p:cNvSpPr txBox="1"/>
+          <p:cNvSpPr txBox="1">
+            <a:spLocks noGrp="1"/>
+          </p:cNvSpPr>
           <p:nvPr>
             <p:ph type="title"/>
           </p:nvPr>
@@ -3841,7 +3944,7 @@
           </a:prstGeom>
         </p:spPr>
         <p:txBody>
-          <a:bodyPr anchorCtr="0" anchor="t" bIns="91425" lIns="91425" spcFirstLastPara="1" rIns="91425" wrap="square" tIns="91425">
+          <a:bodyPr spcFirstLastPara="1" wrap="square" lIns="91425" tIns="91425" rIns="91425" bIns="91425" anchor="t" anchorCtr="0">
             <a:normAutofit/>
           </a:bodyPr>
           <a:lstStyle>
@@ -3945,15 +4048,19 @@
               <a:defRPr/>
             </a:lvl9pPr>
           </a:lstStyle>
-          <a:p/>
+          <a:p>
+            <a:endParaRPr/>
+          </a:p>
         </p:txBody>
       </p:sp>
       <p:sp>
         <p:nvSpPr>
           <p:cNvPr id="31" name="Google Shape;31;p6"/>
-          <p:cNvSpPr txBox="1"/>
+          <p:cNvSpPr txBox="1">
+            <a:spLocks noGrp="1"/>
+          </p:cNvSpPr>
           <p:nvPr>
-            <p:ph idx="12" type="sldNum"/>
+            <p:ph type="sldNum" idx="12"/>
           </p:nvPr>
         </p:nvSpPr>
         <p:spPr>
@@ -3966,7 +4073,7 @@
           </a:prstGeom>
         </p:spPr>
         <p:txBody>
-          <a:bodyPr anchorCtr="0" anchor="ctr" bIns="91425" lIns="91425" spcFirstLastPara="1" rIns="91425" wrap="square" tIns="91425">
+          <a:bodyPr spcFirstLastPara="1" wrap="square" lIns="91425" tIns="91425" rIns="91425" bIns="91425" anchor="ctr" anchorCtr="0">
             <a:normAutofit/>
           </a:bodyPr>
           <a:lstStyle>
@@ -4008,7 +4115,7 @@
             </a:lvl9pPr>
           </a:lstStyle>
           <a:p>
-            <a:pPr indent="0" lvl="0" marL="0" rtl="0" algn="r">
+            <a:pPr marL="0" lvl="0" indent="0" algn="r" rtl="0">
               <a:spcBef>
                 <a:spcPts val="0"/>
               </a:spcBef>
@@ -4034,11 +4141,11 @@
 </file>
 
 <file path=ppt/slideLayouts/slideLayout6.xml><?xml version="1.0" encoding="utf-8"?>
-<p:sldLayout xmlns:a="http://schemas.openxmlformats.org/drawingml/2006/main" xmlns:r="http://schemas.openxmlformats.org/officeDocument/2006/relationships" xmlns:mc="http://schemas.openxmlformats.org/markup-compatibility/2006" xmlns:mv="urn:schemas-microsoft-com:mac:vml" xmlns:p="http://schemas.openxmlformats.org/presentationml/2006/main" xmlns:c="http://schemas.openxmlformats.org/drawingml/2006/chart" xmlns:dgm="http://schemas.openxmlformats.org/drawingml/2006/diagram" xmlns:o="urn:schemas-microsoft-com:office:office" xmlns:v="urn:schemas-microsoft-com:vml" xmlns:pvml="urn:schemas-microsoft-com:office:powerpoint" xmlns:com="http://schemas.openxmlformats.org/drawingml/2006/compatibility" xmlns:p14="http://schemas.microsoft.com/office/powerpoint/2010/main" xmlns:p15="http://schemas.microsoft.com/office/powerpoint/2012/main" xmlns:ahyp="http://schemas.microsoft.com/office/drawing/2018/hyperlinkcolor" matchingName="One column text">
+<p:sldLayout xmlns:a="http://schemas.openxmlformats.org/drawingml/2006/main" xmlns:r="http://schemas.openxmlformats.org/officeDocument/2006/relationships" xmlns:p="http://schemas.openxmlformats.org/presentationml/2006/main" matchingName="One column text">
   <p:cSld name="ONE_COLUMN_TEXT">
     <p:spTree>
       <p:nvGrpSpPr>
-        <p:cNvPr id="32" name="Shape 32"/>
+        <p:cNvPr id="1" name="Shape 32"/>
         <p:cNvGrpSpPr/>
         <p:nvPr/>
       </p:nvGrpSpPr>
@@ -4053,7 +4160,9 @@
       <p:sp>
         <p:nvSpPr>
           <p:cNvPr id="33" name="Google Shape;33;p7"/>
-          <p:cNvSpPr txBox="1"/>
+          <p:cNvSpPr txBox="1">
+            <a:spLocks noGrp="1"/>
+          </p:cNvSpPr>
           <p:nvPr>
             <p:ph type="title"/>
           </p:nvPr>
@@ -4068,7 +4177,7 @@
           </a:prstGeom>
         </p:spPr>
         <p:txBody>
-          <a:bodyPr anchorCtr="0" anchor="b" bIns="91425" lIns="91425" spcFirstLastPara="1" rIns="91425" wrap="square" tIns="91425">
+          <a:bodyPr spcFirstLastPara="1" wrap="square" lIns="91425" tIns="91425" rIns="91425" bIns="91425" anchor="b" anchorCtr="0">
             <a:normAutofit/>
           </a:bodyPr>
           <a:lstStyle>
@@ -4172,15 +4281,19 @@
               <a:defRPr sz="2400"/>
             </a:lvl9pPr>
           </a:lstStyle>
-          <a:p/>
+          <a:p>
+            <a:endParaRPr/>
+          </a:p>
         </p:txBody>
       </p:sp>
       <p:sp>
         <p:nvSpPr>
           <p:cNvPr id="34" name="Google Shape;34;p7"/>
-          <p:cNvSpPr txBox="1"/>
+          <p:cNvSpPr txBox="1">
+            <a:spLocks noGrp="1"/>
+          </p:cNvSpPr>
           <p:nvPr>
-            <p:ph idx="1" type="body"/>
+            <p:ph type="body" idx="1"/>
           </p:nvPr>
         </p:nvSpPr>
         <p:spPr>
@@ -4193,11 +4306,11 @@
           </a:prstGeom>
         </p:spPr>
         <p:txBody>
-          <a:bodyPr anchorCtr="0" anchor="t" bIns="91425" lIns="91425" spcFirstLastPara="1" rIns="91425" wrap="square" tIns="91425">
+          <a:bodyPr spcFirstLastPara="1" wrap="square" lIns="91425" tIns="91425" rIns="91425" bIns="91425" anchor="t" anchorCtr="0">
             <a:normAutofit/>
           </a:bodyPr>
           <a:lstStyle>
-            <a:lvl1pPr indent="-304800" lvl="0" marL="457200">
+            <a:lvl1pPr marL="457200" lvl="0" indent="-304800">
               <a:spcBef>
                 <a:spcPts val="0"/>
               </a:spcBef>
@@ -4208,7 +4321,7 @@
               <a:buChar char="●"/>
               <a:defRPr sz="1200"/>
             </a:lvl1pPr>
-            <a:lvl2pPr indent="-304800" lvl="1" marL="914400">
+            <a:lvl2pPr marL="914400" lvl="1" indent="-304800">
               <a:spcBef>
                 <a:spcPts val="0"/>
               </a:spcBef>
@@ -4219,7 +4332,7 @@
               <a:buChar char="○"/>
               <a:defRPr sz="1200"/>
             </a:lvl2pPr>
-            <a:lvl3pPr indent="-304800" lvl="2" marL="1371600">
+            <a:lvl3pPr marL="1371600" lvl="2" indent="-304800">
               <a:spcBef>
                 <a:spcPts val="0"/>
               </a:spcBef>
@@ -4230,7 +4343,7 @@
               <a:buChar char="■"/>
               <a:defRPr sz="1200"/>
             </a:lvl3pPr>
-            <a:lvl4pPr indent="-304800" lvl="3" marL="1828800">
+            <a:lvl4pPr marL="1828800" lvl="3" indent="-304800">
               <a:spcBef>
                 <a:spcPts val="0"/>
               </a:spcBef>
@@ -4241,7 +4354,7 @@
               <a:buChar char="●"/>
               <a:defRPr sz="1200"/>
             </a:lvl4pPr>
-            <a:lvl5pPr indent="-304800" lvl="4" marL="2286000">
+            <a:lvl5pPr marL="2286000" lvl="4" indent="-304800">
               <a:spcBef>
                 <a:spcPts val="0"/>
               </a:spcBef>
@@ -4252,7 +4365,7 @@
               <a:buChar char="○"/>
               <a:defRPr sz="1200"/>
             </a:lvl5pPr>
-            <a:lvl6pPr indent="-304800" lvl="5" marL="2743200">
+            <a:lvl6pPr marL="2743200" lvl="5" indent="-304800">
               <a:spcBef>
                 <a:spcPts val="0"/>
               </a:spcBef>
@@ -4263,7 +4376,7 @@
               <a:buChar char="■"/>
               <a:defRPr sz="1200"/>
             </a:lvl6pPr>
-            <a:lvl7pPr indent="-304800" lvl="6" marL="3200400">
+            <a:lvl7pPr marL="3200400" lvl="6" indent="-304800">
               <a:spcBef>
                 <a:spcPts val="0"/>
               </a:spcBef>
@@ -4274,7 +4387,7 @@
               <a:buChar char="●"/>
               <a:defRPr sz="1200"/>
             </a:lvl7pPr>
-            <a:lvl8pPr indent="-304800" lvl="7" marL="3657600">
+            <a:lvl8pPr marL="3657600" lvl="7" indent="-304800">
               <a:spcBef>
                 <a:spcPts val="0"/>
               </a:spcBef>
@@ -4285,7 +4398,7 @@
               <a:buChar char="○"/>
               <a:defRPr sz="1200"/>
             </a:lvl8pPr>
-            <a:lvl9pPr indent="-304800" lvl="8" marL="4114800">
+            <a:lvl9pPr marL="4114800" lvl="8" indent="-304800">
               <a:spcBef>
                 <a:spcPts val="0"/>
               </a:spcBef>
@@ -4297,15 +4410,19 @@
               <a:defRPr sz="1200"/>
             </a:lvl9pPr>
           </a:lstStyle>
-          <a:p/>
+          <a:p>
+            <a:endParaRPr/>
+          </a:p>
         </p:txBody>
       </p:sp>
       <p:sp>
         <p:nvSpPr>
           <p:cNvPr id="35" name="Google Shape;35;p7"/>
-          <p:cNvSpPr txBox="1"/>
+          <p:cNvSpPr txBox="1">
+            <a:spLocks noGrp="1"/>
+          </p:cNvSpPr>
           <p:nvPr>
-            <p:ph idx="12" type="sldNum"/>
+            <p:ph type="sldNum" idx="12"/>
           </p:nvPr>
         </p:nvSpPr>
         <p:spPr>
@@ -4318,7 +4435,7 @@
           </a:prstGeom>
         </p:spPr>
         <p:txBody>
-          <a:bodyPr anchorCtr="0" anchor="ctr" bIns="91425" lIns="91425" spcFirstLastPara="1" rIns="91425" wrap="square" tIns="91425">
+          <a:bodyPr spcFirstLastPara="1" wrap="square" lIns="91425" tIns="91425" rIns="91425" bIns="91425" anchor="ctr" anchorCtr="0">
             <a:normAutofit/>
           </a:bodyPr>
           <a:lstStyle>
@@ -4360,7 +4477,7 @@
             </a:lvl9pPr>
           </a:lstStyle>
           <a:p>
-            <a:pPr indent="0" lvl="0" marL="0" rtl="0" algn="r">
+            <a:pPr marL="0" lvl="0" indent="0" algn="r" rtl="0">
               <a:spcBef>
                 <a:spcPts val="0"/>
               </a:spcBef>
@@ -4386,18 +4503,19 @@
 </file>
 
 <file path=ppt/slideLayouts/slideLayout7.xml><?xml version="1.0" encoding="utf-8"?>
-<p:sldLayout xmlns:a="http://schemas.openxmlformats.org/drawingml/2006/main" xmlns:r="http://schemas.openxmlformats.org/officeDocument/2006/relationships" xmlns:mc="http://schemas.openxmlformats.org/markup-compatibility/2006" xmlns:mv="urn:schemas-microsoft-com:mac:vml" xmlns:p="http://schemas.openxmlformats.org/presentationml/2006/main" xmlns:c="http://schemas.openxmlformats.org/drawingml/2006/chart" xmlns:dgm="http://schemas.openxmlformats.org/drawingml/2006/diagram" xmlns:o="urn:schemas-microsoft-com:office:office" xmlns:v="urn:schemas-microsoft-com:vml" xmlns:pvml="urn:schemas-microsoft-com:office:powerpoint" xmlns:com="http://schemas.openxmlformats.org/drawingml/2006/compatibility" xmlns:p14="http://schemas.microsoft.com/office/powerpoint/2010/main" xmlns:p15="http://schemas.microsoft.com/office/powerpoint/2012/main" xmlns:ahyp="http://schemas.microsoft.com/office/drawing/2018/hyperlinkcolor" matchingName="Main point">
+<p:sldLayout xmlns:a="http://schemas.openxmlformats.org/drawingml/2006/main" xmlns:r="http://schemas.openxmlformats.org/officeDocument/2006/relationships" xmlns:p="http://schemas.openxmlformats.org/presentationml/2006/main" matchingName="Main point">
   <p:cSld name="MAIN_POINT">
     <p:bg>
       <p:bgPr>
         <a:solidFill>
           <a:schemeClr val="lt2"/>
         </a:solidFill>
+        <a:effectLst/>
       </p:bgPr>
     </p:bg>
     <p:spTree>
       <p:nvGrpSpPr>
-        <p:cNvPr id="36" name="Shape 36"/>
+        <p:cNvPr id="1" name="Shape 36"/>
         <p:cNvGrpSpPr/>
         <p:nvPr/>
       </p:nvGrpSpPr>
@@ -4412,7 +4530,9 @@
       <p:sp>
         <p:nvSpPr>
           <p:cNvPr id="37" name="Google Shape;37;p8"/>
-          <p:cNvSpPr txBox="1"/>
+          <p:cNvSpPr txBox="1">
+            <a:spLocks noGrp="1"/>
+          </p:cNvSpPr>
           <p:nvPr>
             <p:ph type="title"/>
           </p:nvPr>
@@ -4427,7 +4547,7 @@
           </a:prstGeom>
         </p:spPr>
         <p:txBody>
-          <a:bodyPr anchorCtr="0" anchor="ctr" bIns="91425" lIns="91425" spcFirstLastPara="1" rIns="91425" wrap="square" tIns="91425">
+          <a:bodyPr spcFirstLastPara="1" wrap="square" lIns="91425" tIns="91425" rIns="91425" bIns="91425" anchor="ctr" anchorCtr="0">
             <a:normAutofit/>
           </a:bodyPr>
           <a:lstStyle>
@@ -4594,15 +4714,19 @@
               </a:defRPr>
             </a:lvl9pPr>
           </a:lstStyle>
-          <a:p/>
+          <a:p>
+            <a:endParaRPr/>
+          </a:p>
         </p:txBody>
       </p:sp>
       <p:sp>
         <p:nvSpPr>
           <p:cNvPr id="38" name="Google Shape;38;p8"/>
-          <p:cNvSpPr txBox="1"/>
+          <p:cNvSpPr txBox="1">
+            <a:spLocks noGrp="1"/>
+          </p:cNvSpPr>
           <p:nvPr>
-            <p:ph idx="12" type="sldNum"/>
+            <p:ph type="sldNum" idx="12"/>
           </p:nvPr>
         </p:nvSpPr>
         <p:spPr>
@@ -4615,7 +4739,7 @@
           </a:prstGeom>
         </p:spPr>
         <p:txBody>
-          <a:bodyPr anchorCtr="0" anchor="ctr" bIns="91425" lIns="91425" spcFirstLastPara="1" rIns="91425" wrap="square" tIns="91425">
+          <a:bodyPr spcFirstLastPara="1" wrap="square" lIns="91425" tIns="91425" rIns="91425" bIns="91425" anchor="ctr" anchorCtr="0">
             <a:normAutofit/>
           </a:bodyPr>
           <a:lstStyle>
@@ -4693,7 +4817,7 @@
             </a:lvl9pPr>
           </a:lstStyle>
           <a:p>
-            <a:pPr indent="0" lvl="0" marL="0" rtl="0" algn="r">
+            <a:pPr marL="0" lvl="0" indent="0" algn="r" rtl="0">
               <a:spcBef>
                 <a:spcPts val="0"/>
               </a:spcBef>
@@ -4719,11 +4843,11 @@
 </file>
 
 <file path=ppt/slideLayouts/slideLayout8.xml><?xml version="1.0" encoding="utf-8"?>
-<p:sldLayout xmlns:a="http://schemas.openxmlformats.org/drawingml/2006/main" xmlns:r="http://schemas.openxmlformats.org/officeDocument/2006/relationships" xmlns:mc="http://schemas.openxmlformats.org/markup-compatibility/2006" xmlns:mv="urn:schemas-microsoft-com:mac:vml" xmlns:p="http://schemas.openxmlformats.org/presentationml/2006/main" xmlns:c="http://schemas.openxmlformats.org/drawingml/2006/chart" xmlns:dgm="http://schemas.openxmlformats.org/drawingml/2006/diagram" xmlns:o="urn:schemas-microsoft-com:office:office" xmlns:v="urn:schemas-microsoft-com:vml" xmlns:pvml="urn:schemas-microsoft-com:office:powerpoint" xmlns:com="http://schemas.openxmlformats.org/drawingml/2006/compatibility" xmlns:p14="http://schemas.microsoft.com/office/powerpoint/2010/main" xmlns:p15="http://schemas.microsoft.com/office/powerpoint/2012/main" xmlns:ahyp="http://schemas.microsoft.com/office/drawing/2018/hyperlinkcolor" matchingName="Section title and description">
+<p:sldLayout xmlns:a="http://schemas.openxmlformats.org/drawingml/2006/main" xmlns:r="http://schemas.openxmlformats.org/officeDocument/2006/relationships" xmlns:p="http://schemas.openxmlformats.org/presentationml/2006/main" matchingName="Section title and description">
   <p:cSld name="SECTION_TITLE_AND_DESCRIPTION">
     <p:spTree>
       <p:nvGrpSpPr>
-        <p:cNvPr id="39" name="Shape 39"/>
+        <p:cNvPr id="1" name="Shape 39"/>
         <p:cNvGrpSpPr/>
         <p:nvPr/>
       </p:nvGrpSpPr>
@@ -4757,12 +4881,12 @@
           </a:ln>
         </p:spPr>
         <p:txBody>
-          <a:bodyPr anchorCtr="0" anchor="ctr" bIns="91425" lIns="91425" spcFirstLastPara="1" rIns="91425" wrap="square" tIns="91425">
+          <a:bodyPr spcFirstLastPara="1" wrap="square" lIns="91425" tIns="91425" rIns="91425" bIns="91425" anchor="ctr" anchorCtr="0">
             <a:noAutofit/>
           </a:bodyPr>
           <a:lstStyle/>
           <a:p>
-            <a:pPr indent="0" lvl="0" marL="0" rtl="0" algn="l">
+            <a:pPr marL="0" lvl="0" indent="0" algn="l" rtl="0">
               <a:spcBef>
                 <a:spcPts val="0"/>
               </a:spcBef>
@@ -4771,9 +4895,6 @@
               </a:spcAft>
               <a:buNone/>
             </a:pPr>
-            <a:r>
-              <a:t/>
-            </a:r>
             <a:endParaRPr/>
           </a:p>
         </p:txBody>
@@ -4793,21 +4914,23 @@
             <a:avLst/>
           </a:prstGeom>
           <a:noFill/>
-          <a:ln cap="flat" cmpd="sng" w="19050">
+          <a:ln w="19050" cap="flat" cmpd="sng">
             <a:solidFill>
               <a:schemeClr val="lt2"/>
             </a:solidFill>
             <a:prstDash val="solid"/>
             <a:round/>
-            <a:headEnd len="sm" w="sm" type="none"/>
-            <a:tailEnd len="sm" w="sm" type="none"/>
+            <a:headEnd type="none" w="sm" len="sm"/>
+            <a:tailEnd type="none" w="sm" len="sm"/>
           </a:ln>
         </p:spPr>
       </p:cxnSp>
       <p:sp>
         <p:nvSpPr>
           <p:cNvPr id="42" name="Google Shape;42;p9"/>
-          <p:cNvSpPr txBox="1"/>
+          <p:cNvSpPr txBox="1">
+            <a:spLocks noGrp="1"/>
+          </p:cNvSpPr>
           <p:nvPr>
             <p:ph type="title"/>
           </p:nvPr>
@@ -4822,7 +4945,7 @@
           </a:prstGeom>
         </p:spPr>
         <p:txBody>
-          <a:bodyPr anchorCtr="0" anchor="b" bIns="91425" lIns="91425" spcFirstLastPara="1" rIns="91425" wrap="square" tIns="91425">
+          <a:bodyPr spcFirstLastPara="1" wrap="square" lIns="91425" tIns="91425" rIns="91425" bIns="91425" anchor="b" anchorCtr="0">
             <a:normAutofit/>
           </a:bodyPr>
           <a:lstStyle>
@@ -4989,15 +5112,19 @@
               </a:defRPr>
             </a:lvl9pPr>
           </a:lstStyle>
-          <a:p/>
+          <a:p>
+            <a:endParaRPr/>
+          </a:p>
         </p:txBody>
       </p:sp>
       <p:sp>
         <p:nvSpPr>
           <p:cNvPr id="43" name="Google Shape;43;p9"/>
-          <p:cNvSpPr txBox="1"/>
+          <p:cNvSpPr txBox="1">
+            <a:spLocks noGrp="1"/>
+          </p:cNvSpPr>
           <p:nvPr>
-            <p:ph idx="1" type="subTitle"/>
+            <p:ph type="subTitle" idx="1"/>
           </p:nvPr>
         </p:nvSpPr>
         <p:spPr>
@@ -5010,7 +5137,7 @@
           </a:prstGeom>
         </p:spPr>
         <p:txBody>
-          <a:bodyPr anchorCtr="0" anchor="t" bIns="91425" lIns="91425" spcFirstLastPara="1" rIns="91425" wrap="square" tIns="91425">
+          <a:bodyPr spcFirstLastPara="1" wrap="square" lIns="91425" tIns="91425" rIns="91425" bIns="91425" anchor="t" anchorCtr="0">
             <a:normAutofit/>
           </a:bodyPr>
           <a:lstStyle>
@@ -5141,15 +5268,19 @@
               <a:defRPr sz="2100"/>
             </a:lvl9pPr>
           </a:lstStyle>
-          <a:p/>
+          <a:p>
+            <a:endParaRPr/>
+          </a:p>
         </p:txBody>
       </p:sp>
       <p:sp>
         <p:nvSpPr>
           <p:cNvPr id="44" name="Google Shape;44;p9"/>
-          <p:cNvSpPr txBox="1"/>
+          <p:cNvSpPr txBox="1">
+            <a:spLocks noGrp="1"/>
+          </p:cNvSpPr>
           <p:nvPr>
-            <p:ph idx="2" type="body"/>
+            <p:ph type="body" idx="2"/>
           </p:nvPr>
         </p:nvSpPr>
         <p:spPr>
@@ -5162,11 +5293,11 @@
           </a:prstGeom>
         </p:spPr>
         <p:txBody>
-          <a:bodyPr anchorCtr="0" anchor="ctr" bIns="91425" lIns="91425" spcFirstLastPara="1" rIns="91425" wrap="square" tIns="91425">
+          <a:bodyPr spcFirstLastPara="1" wrap="square" lIns="91425" tIns="91425" rIns="91425" bIns="91425" anchor="ctr" anchorCtr="0">
             <a:normAutofit/>
           </a:bodyPr>
           <a:lstStyle>
-            <a:lvl1pPr indent="-342900" lvl="0" marL="457200">
+            <a:lvl1pPr marL="457200" lvl="0" indent="-342900">
               <a:spcBef>
                 <a:spcPts val="0"/>
               </a:spcBef>
@@ -5184,7 +5315,7 @@
                 </a:solidFill>
               </a:defRPr>
             </a:lvl1pPr>
-            <a:lvl2pPr indent="-317500" lvl="1" marL="914400">
+            <a:lvl2pPr marL="914400" lvl="1" indent="-317500">
               <a:spcBef>
                 <a:spcPts val="0"/>
               </a:spcBef>
@@ -5202,7 +5333,7 @@
                 </a:solidFill>
               </a:defRPr>
             </a:lvl2pPr>
-            <a:lvl3pPr indent="-317500" lvl="2" marL="1371600">
+            <a:lvl3pPr marL="1371600" lvl="2" indent="-317500">
               <a:spcBef>
                 <a:spcPts val="0"/>
               </a:spcBef>
@@ -5220,7 +5351,7 @@
                 </a:solidFill>
               </a:defRPr>
             </a:lvl3pPr>
-            <a:lvl4pPr indent="-317500" lvl="3" marL="1828800">
+            <a:lvl4pPr marL="1828800" lvl="3" indent="-317500">
               <a:spcBef>
                 <a:spcPts val="0"/>
               </a:spcBef>
@@ -5238,7 +5369,7 @@
                 </a:solidFill>
               </a:defRPr>
             </a:lvl4pPr>
-            <a:lvl5pPr indent="-317500" lvl="4" marL="2286000">
+            <a:lvl5pPr marL="2286000" lvl="4" indent="-317500">
               <a:spcBef>
                 <a:spcPts val="0"/>
               </a:spcBef>
@@ -5256,7 +5387,7 @@
                 </a:solidFill>
               </a:defRPr>
             </a:lvl5pPr>
-            <a:lvl6pPr indent="-317500" lvl="5" marL="2743200">
+            <a:lvl6pPr marL="2743200" lvl="5" indent="-317500">
               <a:spcBef>
                 <a:spcPts val="0"/>
               </a:spcBef>
@@ -5274,7 +5405,7 @@
                 </a:solidFill>
               </a:defRPr>
             </a:lvl6pPr>
-            <a:lvl7pPr indent="-317500" lvl="6" marL="3200400">
+            <a:lvl7pPr marL="3200400" lvl="6" indent="-317500">
               <a:spcBef>
                 <a:spcPts val="0"/>
               </a:spcBef>
@@ -5292,7 +5423,7 @@
                 </a:solidFill>
               </a:defRPr>
             </a:lvl7pPr>
-            <a:lvl8pPr indent="-317500" lvl="7" marL="3657600">
+            <a:lvl8pPr marL="3657600" lvl="7" indent="-317500">
               <a:spcBef>
                 <a:spcPts val="0"/>
               </a:spcBef>
@@ -5310,7 +5441,7 @@
                 </a:solidFill>
               </a:defRPr>
             </a:lvl8pPr>
-            <a:lvl9pPr indent="-317500" lvl="8" marL="4114800">
+            <a:lvl9pPr marL="4114800" lvl="8" indent="-317500">
               <a:spcBef>
                 <a:spcPts val="0"/>
               </a:spcBef>
@@ -5329,15 +5460,19 @@
               </a:defRPr>
             </a:lvl9pPr>
           </a:lstStyle>
-          <a:p/>
+          <a:p>
+            <a:endParaRPr/>
+          </a:p>
         </p:txBody>
       </p:sp>
       <p:sp>
         <p:nvSpPr>
           <p:cNvPr id="45" name="Google Shape;45;p9"/>
-          <p:cNvSpPr txBox="1"/>
+          <p:cNvSpPr txBox="1">
+            <a:spLocks noGrp="1"/>
+          </p:cNvSpPr>
           <p:nvPr>
-            <p:ph idx="12" type="sldNum"/>
+            <p:ph type="sldNum" idx="12"/>
           </p:nvPr>
         </p:nvSpPr>
         <p:spPr>
@@ -5350,7 +5485,7 @@
           </a:prstGeom>
         </p:spPr>
         <p:txBody>
-          <a:bodyPr anchorCtr="0" anchor="ctr" bIns="91425" lIns="91425" spcFirstLastPara="1" rIns="91425" wrap="square" tIns="91425">
+          <a:bodyPr spcFirstLastPara="1" wrap="square" lIns="91425" tIns="91425" rIns="91425" bIns="91425" anchor="ctr" anchorCtr="0">
             <a:normAutofit/>
           </a:bodyPr>
           <a:lstStyle>
@@ -5428,7 +5563,7 @@
             </a:lvl9pPr>
           </a:lstStyle>
           <a:p>
-            <a:pPr indent="0" lvl="0" marL="0" rtl="0" algn="r">
+            <a:pPr marL="0" lvl="0" indent="0" algn="r" rtl="0">
               <a:spcBef>
                 <a:spcPts val="0"/>
               </a:spcBef>
@@ -5454,11 +5589,11 @@
 </file>
 
 <file path=ppt/slideLayouts/slideLayout9.xml><?xml version="1.0" encoding="utf-8"?>
-<p:sldLayout xmlns:a="http://schemas.openxmlformats.org/drawingml/2006/main" xmlns:r="http://schemas.openxmlformats.org/officeDocument/2006/relationships" xmlns:mc="http://schemas.openxmlformats.org/markup-compatibility/2006" xmlns:mv="urn:schemas-microsoft-com:mac:vml" xmlns:p="http://schemas.openxmlformats.org/presentationml/2006/main" xmlns:c="http://schemas.openxmlformats.org/drawingml/2006/chart" xmlns:dgm="http://schemas.openxmlformats.org/drawingml/2006/diagram" xmlns:o="urn:schemas-microsoft-com:office:office" xmlns:v="urn:schemas-microsoft-com:vml" xmlns:pvml="urn:schemas-microsoft-com:office:powerpoint" xmlns:com="http://schemas.openxmlformats.org/drawingml/2006/compatibility" xmlns:p14="http://schemas.microsoft.com/office/powerpoint/2010/main" xmlns:p15="http://schemas.microsoft.com/office/powerpoint/2012/main" xmlns:ahyp="http://schemas.microsoft.com/office/drawing/2018/hyperlinkcolor" matchingName="Caption">
+<p:sldLayout xmlns:a="http://schemas.openxmlformats.org/drawingml/2006/main" xmlns:r="http://schemas.openxmlformats.org/officeDocument/2006/relationships" xmlns:p="http://schemas.openxmlformats.org/presentationml/2006/main" matchingName="Caption">
   <p:cSld name="CAPTION_ONLY">
     <p:spTree>
       <p:nvGrpSpPr>
-        <p:cNvPr id="46" name="Shape 46"/>
+        <p:cNvPr id="1" name="Shape 46"/>
         <p:cNvGrpSpPr/>
         <p:nvPr/>
       </p:nvGrpSpPr>
@@ -5473,9 +5608,11 @@
       <p:sp>
         <p:nvSpPr>
           <p:cNvPr id="47" name="Google Shape;47;p10"/>
-          <p:cNvSpPr txBox="1"/>
+          <p:cNvSpPr txBox="1">
+            <a:spLocks noGrp="1"/>
+          </p:cNvSpPr>
           <p:nvPr>
-            <p:ph idx="1" type="body"/>
+            <p:ph type="body" idx="1"/>
           </p:nvPr>
         </p:nvSpPr>
         <p:spPr>
@@ -5488,11 +5625,11 @@
           </a:prstGeom>
         </p:spPr>
         <p:txBody>
-          <a:bodyPr anchorCtr="0" anchor="ctr" bIns="91425" lIns="91425" spcFirstLastPara="1" rIns="91425" wrap="square" tIns="91425">
+          <a:bodyPr spcFirstLastPara="1" wrap="square" lIns="91425" tIns="91425" rIns="91425" bIns="91425" anchor="ctr" anchorCtr="0">
             <a:normAutofit/>
           </a:bodyPr>
           <a:lstStyle>
-            <a:lvl1pPr indent="-228600" lvl="0" marL="457200">
+            <a:lvl1pPr marL="457200" lvl="0" indent="-228600">
               <a:lnSpc>
                 <a:spcPct val="100000"/>
               </a:lnSpc>
@@ -5507,15 +5644,19 @@
               <a:defRPr/>
             </a:lvl1pPr>
           </a:lstStyle>
-          <a:p/>
+          <a:p>
+            <a:endParaRPr/>
+          </a:p>
         </p:txBody>
       </p:sp>
       <p:sp>
         <p:nvSpPr>
           <p:cNvPr id="48" name="Google Shape;48;p10"/>
-          <p:cNvSpPr txBox="1"/>
+          <p:cNvSpPr txBox="1">
+            <a:spLocks noGrp="1"/>
+          </p:cNvSpPr>
           <p:nvPr>
-            <p:ph idx="12" type="sldNum"/>
+            <p:ph type="sldNum" idx="12"/>
           </p:nvPr>
         </p:nvSpPr>
         <p:spPr>
@@ -5528,7 +5669,7 @@
           </a:prstGeom>
         </p:spPr>
         <p:txBody>
-          <a:bodyPr anchorCtr="0" anchor="ctr" bIns="91425" lIns="91425" spcFirstLastPara="1" rIns="91425" wrap="square" tIns="91425">
+          <a:bodyPr spcFirstLastPara="1" wrap="square" lIns="91425" tIns="91425" rIns="91425" bIns="91425" anchor="ctr" anchorCtr="0">
             <a:normAutofit/>
           </a:bodyPr>
           <a:lstStyle>
@@ -5570,7 +5711,7 @@
             </a:lvl9pPr>
           </a:lstStyle>
           <a:p>
-            <a:pPr indent="0" lvl="0" marL="0" rtl="0" algn="r">
+            <a:pPr marL="0" lvl="0" indent="0" algn="r" rtl="0">
               <a:spcBef>
                 <a:spcPts val="0"/>
               </a:spcBef>
@@ -5596,18 +5737,19 @@
 </file>
 
 <file path=ppt/slideMasters/slideMaster1.xml><?xml version="1.0" encoding="utf-8"?>
-<p:sldMaster xmlns:a="http://schemas.openxmlformats.org/drawingml/2006/main" xmlns:r="http://schemas.openxmlformats.org/officeDocument/2006/relationships" xmlns:mc="http://schemas.openxmlformats.org/markup-compatibility/2006" xmlns:mv="urn:schemas-microsoft-com:mac:vml" xmlns:p="http://schemas.openxmlformats.org/presentationml/2006/main" xmlns:c="http://schemas.openxmlformats.org/drawingml/2006/chart" xmlns:dgm="http://schemas.openxmlformats.org/drawingml/2006/diagram" xmlns:o="urn:schemas-microsoft-com:office:office" xmlns:v="urn:schemas-microsoft-com:vml" xmlns:pvml="urn:schemas-microsoft-com:office:powerpoint" xmlns:com="http://schemas.openxmlformats.org/drawingml/2006/compatibility" xmlns:p14="http://schemas.microsoft.com/office/powerpoint/2010/main" xmlns:p15="http://schemas.microsoft.com/office/powerpoint/2012/main" xmlns:ahyp="http://schemas.microsoft.com/office/drawing/2018/hyperlinkcolor">
+<p:sldMaster xmlns:a="http://schemas.openxmlformats.org/drawingml/2006/main" xmlns:r="http://schemas.openxmlformats.org/officeDocument/2006/relationships" xmlns:p="http://schemas.openxmlformats.org/presentationml/2006/main">
   <p:cSld name="paperback">
     <p:bg>
       <p:bgPr>
         <a:solidFill>
           <a:schemeClr val="accent1"/>
         </a:solidFill>
+        <a:effectLst/>
       </p:bgPr>
     </p:bg>
     <p:spTree>
       <p:nvGrpSpPr>
-        <p:cNvPr id="5" name="Shape 5"/>
+        <p:cNvPr id="1" name="Shape 5"/>
         <p:cNvGrpSpPr/>
         <p:nvPr/>
       </p:nvGrpSpPr>
@@ -5622,7 +5764,9 @@
       <p:sp>
         <p:nvSpPr>
           <p:cNvPr id="6" name="Google Shape;6;p1"/>
-          <p:cNvSpPr txBox="1"/>
+          <p:cNvSpPr txBox="1">
+            <a:spLocks noGrp="1"/>
+          </p:cNvSpPr>
           <p:nvPr>
             <p:ph type="title"/>
           </p:nvPr>
@@ -5641,7 +5785,7 @@
           </a:ln>
         </p:spPr>
         <p:txBody>
-          <a:bodyPr anchorCtr="0" anchor="t" bIns="91425" lIns="91425" spcFirstLastPara="1" rIns="91425" wrap="square" tIns="91425">
+          <a:bodyPr spcFirstLastPara="1" wrap="square" lIns="91425" tIns="91425" rIns="91425" bIns="91425" anchor="t" anchorCtr="0">
             <a:normAutofit/>
           </a:bodyPr>
           <a:lstStyle>
@@ -5853,15 +5997,19 @@
               </a:defRPr>
             </a:lvl9pPr>
           </a:lstStyle>
-          <a:p/>
+          <a:p>
+            <a:endParaRPr/>
+          </a:p>
         </p:txBody>
       </p:sp>
       <p:sp>
         <p:nvSpPr>
           <p:cNvPr id="7" name="Google Shape;7;p1"/>
-          <p:cNvSpPr txBox="1"/>
+          <p:cNvSpPr txBox="1">
+            <a:spLocks noGrp="1"/>
+          </p:cNvSpPr>
           <p:nvPr>
-            <p:ph idx="1" type="body"/>
+            <p:ph type="body" idx="1"/>
           </p:nvPr>
         </p:nvSpPr>
         <p:spPr>
@@ -5878,11 +6026,11 @@
           </a:ln>
         </p:spPr>
         <p:txBody>
-          <a:bodyPr anchorCtr="0" anchor="t" bIns="91425" lIns="91425" spcFirstLastPara="1" rIns="91425" wrap="square" tIns="91425">
+          <a:bodyPr spcFirstLastPara="1" wrap="square" lIns="91425" tIns="91425" rIns="91425" bIns="91425" anchor="t" anchorCtr="0">
             <a:normAutofit/>
           </a:bodyPr>
           <a:lstStyle>
-            <a:lvl1pPr indent="-342900" lvl="0" marL="457200">
+            <a:lvl1pPr marL="457200" lvl="0" indent="-342900">
               <a:lnSpc>
                 <a:spcPct val="115000"/>
               </a:lnSpc>
@@ -5908,7 +6056,7 @@
                 <a:sym typeface="Old Standard TT"/>
               </a:defRPr>
             </a:lvl1pPr>
-            <a:lvl2pPr indent="-317500" lvl="1" marL="914400">
+            <a:lvl2pPr marL="914400" lvl="1" indent="-317500">
               <a:lnSpc>
                 <a:spcPct val="115000"/>
               </a:lnSpc>
@@ -5934,7 +6082,7 @@
                 <a:sym typeface="Old Standard TT"/>
               </a:defRPr>
             </a:lvl2pPr>
-            <a:lvl3pPr indent="-317500" lvl="2" marL="1371600">
+            <a:lvl3pPr marL="1371600" lvl="2" indent="-317500">
               <a:lnSpc>
                 <a:spcPct val="115000"/>
               </a:lnSpc>
@@ -5960,7 +6108,7 @@
                 <a:sym typeface="Old Standard TT"/>
               </a:defRPr>
             </a:lvl3pPr>
-            <a:lvl4pPr indent="-317500" lvl="3" marL="1828800">
+            <a:lvl4pPr marL="1828800" lvl="3" indent="-317500">
               <a:lnSpc>
                 <a:spcPct val="115000"/>
               </a:lnSpc>
@@ -5986,7 +6134,7 @@
                 <a:sym typeface="Old Standard TT"/>
               </a:defRPr>
             </a:lvl4pPr>
-            <a:lvl5pPr indent="-317500" lvl="4" marL="2286000">
+            <a:lvl5pPr marL="2286000" lvl="4" indent="-317500">
               <a:lnSpc>
                 <a:spcPct val="115000"/>
               </a:lnSpc>
@@ -6012,7 +6160,7 @@
                 <a:sym typeface="Old Standard TT"/>
               </a:defRPr>
             </a:lvl5pPr>
-            <a:lvl6pPr indent="-317500" lvl="5" marL="2743200">
+            <a:lvl6pPr marL="2743200" lvl="5" indent="-317500">
               <a:lnSpc>
                 <a:spcPct val="115000"/>
               </a:lnSpc>
@@ -6038,7 +6186,7 @@
                 <a:sym typeface="Old Standard TT"/>
               </a:defRPr>
             </a:lvl6pPr>
-            <a:lvl7pPr indent="-317500" lvl="6" marL="3200400">
+            <a:lvl7pPr marL="3200400" lvl="6" indent="-317500">
               <a:lnSpc>
                 <a:spcPct val="115000"/>
               </a:lnSpc>
@@ -6064,7 +6212,7 @@
                 <a:sym typeface="Old Standard TT"/>
               </a:defRPr>
             </a:lvl7pPr>
-            <a:lvl8pPr indent="-317500" lvl="7" marL="3657600">
+            <a:lvl8pPr marL="3657600" lvl="7" indent="-317500">
               <a:lnSpc>
                 <a:spcPct val="115000"/>
               </a:lnSpc>
@@ -6090,7 +6238,7 @@
                 <a:sym typeface="Old Standard TT"/>
               </a:defRPr>
             </a:lvl8pPr>
-            <a:lvl9pPr indent="-317500" lvl="8" marL="4114800">
+            <a:lvl9pPr marL="4114800" lvl="8" indent="-317500">
               <a:lnSpc>
                 <a:spcPct val="115000"/>
               </a:lnSpc>
@@ -6117,15 +6265,19 @@
               </a:defRPr>
             </a:lvl9pPr>
           </a:lstStyle>
-          <a:p/>
+          <a:p>
+            <a:endParaRPr/>
+          </a:p>
         </p:txBody>
       </p:sp>
       <p:sp>
         <p:nvSpPr>
           <p:cNvPr id="8" name="Google Shape;8;p1"/>
-          <p:cNvSpPr txBox="1"/>
+          <p:cNvSpPr txBox="1">
+            <a:spLocks noGrp="1"/>
+          </p:cNvSpPr>
           <p:nvPr>
-            <p:ph idx="12" type="sldNum"/>
+            <p:ph type="sldNum" idx="12"/>
           </p:nvPr>
         </p:nvSpPr>
         <p:spPr>
@@ -6142,7 +6294,7 @@
           </a:ln>
         </p:spPr>
         <p:txBody>
-          <a:bodyPr anchorCtr="0" anchor="ctr" bIns="91425" lIns="91425" spcFirstLastPara="1" rIns="91425" wrap="square" tIns="91425">
+          <a:bodyPr spcFirstLastPara="1" wrap="square" lIns="91425" tIns="91425" rIns="91425" bIns="91425" anchor="ctr" anchorCtr="0">
             <a:normAutofit/>
           </a:bodyPr>
           <a:lstStyle>
@@ -6256,7 +6408,7 @@
             </a:lvl9pPr>
           </a:lstStyle>
           <a:p>
-            <a:pPr indent="0" lvl="0" marL="0" rtl="0" algn="r">
+            <a:pPr marL="0" lvl="0" indent="0" algn="r" rtl="0">
               <a:spcBef>
                 <a:spcPts val="0"/>
               </a:spcBef>
@@ -6275,7 +6427,7 @@
       </p:sp>
     </p:spTree>
   </p:cSld>
-  <p:clrMap accent1="accent1" accent2="accent2" accent3="accent3" accent4="accent4" accent5="accent5" accent6="accent6" bg1="lt1" bg2="dk2" tx1="dk1" tx2="lt2" folHlink="folHlink" hlink="hlink"/>
+  <p:clrMap bg1="lt1" tx1="dk1" bg2="dk2" tx2="lt2" accent1="accent1" accent2="accent2" accent3="accent3" accent4="accent4" accent5="accent5" accent6="accent6" hlink="hlink" folHlink="folHlink"/>
   <p:sldLayoutIdLst>
     <p:sldLayoutId id="2147483648" r:id="rId1"/>
     <p:sldLayoutId id="2147483649" r:id="rId2"/>
@@ -6289,10 +6441,10 @@
     <p:sldLayoutId id="2147483657" r:id="rId10"/>
     <p:sldLayoutId id="2147483658" r:id="rId11"/>
   </p:sldLayoutIdLst>
-  <p:hf dt="0" ftr="0" hdr="0" sldNum="0"/>
+  <p:hf sldNum="0" hdr="0" ftr="0" dt="0"/>
   <p:txStyles>
     <p:titleStyle>
-      <a:defPPr lvl="0" marR="0" rtl="0" algn="l">
+      <a:defPPr marR="0" lvl="0" algn="l" rtl="0">
         <a:lnSpc>
           <a:spcPct val="100000"/>
         </a:lnSpc>
@@ -6303,7 +6455,7 @@
           <a:spcPts val="0"/>
         </a:spcAft>
       </a:defPPr>
-      <a:lvl1pPr lvl="0" marR="0" rtl="0" algn="l">
+      <a:lvl1pPr marR="0" lvl="0" algn="l" rtl="0">
         <a:lnSpc>
           <a:spcPct val="100000"/>
         </a:lnSpc>
@@ -6317,7 +6469,7 @@
           <a:srgbClr val="000000"/>
         </a:buClr>
         <a:buFont typeface="Arial"/>
-        <a:defRPr b="0" i="0" sz="1400" u="none" cap="none" strike="noStrike">
+        <a:defRPr sz="1400" b="0" i="0" u="none" strike="noStrike" cap="none">
           <a:solidFill>
             <a:srgbClr val="000000"/>
           </a:solidFill>
@@ -6327,7 +6479,7 @@
           <a:sym typeface="Arial"/>
         </a:defRPr>
       </a:lvl1pPr>
-      <a:lvl2pPr lvl="1" marR="0" rtl="0" algn="l">
+      <a:lvl2pPr marR="0" lvl="1" algn="l" rtl="0">
         <a:lnSpc>
           <a:spcPct val="100000"/>
         </a:lnSpc>
@@ -6341,7 +6493,7 @@
           <a:srgbClr val="000000"/>
         </a:buClr>
         <a:buFont typeface="Arial"/>
-        <a:defRPr b="0" i="0" sz="1400" u="none" cap="none" strike="noStrike">
+        <a:defRPr sz="1400" b="0" i="0" u="none" strike="noStrike" cap="none">
           <a:solidFill>
             <a:srgbClr val="000000"/>
           </a:solidFill>
@@ -6351,7 +6503,7 @@
           <a:sym typeface="Arial"/>
         </a:defRPr>
       </a:lvl2pPr>
-      <a:lvl3pPr lvl="2" marR="0" rtl="0" algn="l">
+      <a:lvl3pPr marR="0" lvl="2" algn="l" rtl="0">
         <a:lnSpc>
           <a:spcPct val="100000"/>
         </a:lnSpc>
@@ -6365,7 +6517,7 @@
           <a:srgbClr val="000000"/>
         </a:buClr>
         <a:buFont typeface="Arial"/>
-        <a:defRPr b="0" i="0" sz="1400" u="none" cap="none" strike="noStrike">
+        <a:defRPr sz="1400" b="0" i="0" u="none" strike="noStrike" cap="none">
           <a:solidFill>
             <a:srgbClr val="000000"/>
           </a:solidFill>
@@ -6375,7 +6527,7 @@
           <a:sym typeface="Arial"/>
         </a:defRPr>
       </a:lvl3pPr>
-      <a:lvl4pPr lvl="3" marR="0" rtl="0" algn="l">
+      <a:lvl4pPr marR="0" lvl="3" algn="l" rtl="0">
         <a:lnSpc>
           <a:spcPct val="100000"/>
         </a:lnSpc>
@@ -6389,7 +6541,7 @@
           <a:srgbClr val="000000"/>
         </a:buClr>
         <a:buFont typeface="Arial"/>
-        <a:defRPr b="0" i="0" sz="1400" u="none" cap="none" strike="noStrike">
+        <a:defRPr sz="1400" b="0" i="0" u="none" strike="noStrike" cap="none">
           <a:solidFill>
             <a:srgbClr val="000000"/>
           </a:solidFill>
@@ -6399,7 +6551,7 @@
           <a:sym typeface="Arial"/>
         </a:defRPr>
       </a:lvl4pPr>
-      <a:lvl5pPr lvl="4" marR="0" rtl="0" algn="l">
+      <a:lvl5pPr marR="0" lvl="4" algn="l" rtl="0">
         <a:lnSpc>
           <a:spcPct val="100000"/>
         </a:lnSpc>
@@ -6413,7 +6565,7 @@
           <a:srgbClr val="000000"/>
         </a:buClr>
         <a:buFont typeface="Arial"/>
-        <a:defRPr b="0" i="0" sz="1400" u="none" cap="none" strike="noStrike">
+        <a:defRPr sz="1400" b="0" i="0" u="none" strike="noStrike" cap="none">
           <a:solidFill>
             <a:srgbClr val="000000"/>
           </a:solidFill>
@@ -6423,7 +6575,7 @@
           <a:sym typeface="Arial"/>
         </a:defRPr>
       </a:lvl5pPr>
-      <a:lvl6pPr lvl="5" marR="0" rtl="0" algn="l">
+      <a:lvl6pPr marR="0" lvl="5" algn="l" rtl="0">
         <a:lnSpc>
           <a:spcPct val="100000"/>
         </a:lnSpc>
@@ -6437,7 +6589,7 @@
           <a:srgbClr val="000000"/>
         </a:buClr>
         <a:buFont typeface="Arial"/>
-        <a:defRPr b="0" i="0" sz="1400" u="none" cap="none" strike="noStrike">
+        <a:defRPr sz="1400" b="0" i="0" u="none" strike="noStrike" cap="none">
           <a:solidFill>
             <a:srgbClr val="000000"/>
           </a:solidFill>
@@ -6447,7 +6599,7 @@
           <a:sym typeface="Arial"/>
         </a:defRPr>
       </a:lvl6pPr>
-      <a:lvl7pPr lvl="6" marR="0" rtl="0" algn="l">
+      <a:lvl7pPr marR="0" lvl="6" algn="l" rtl="0">
         <a:lnSpc>
           <a:spcPct val="100000"/>
         </a:lnSpc>
@@ -6461,7 +6613,7 @@
           <a:srgbClr val="000000"/>
         </a:buClr>
         <a:buFont typeface="Arial"/>
-        <a:defRPr b="0" i="0" sz="1400" u="none" cap="none" strike="noStrike">
+        <a:defRPr sz="1400" b="0" i="0" u="none" strike="noStrike" cap="none">
           <a:solidFill>
             <a:srgbClr val="000000"/>
           </a:solidFill>
@@ -6471,7 +6623,7 @@
           <a:sym typeface="Arial"/>
         </a:defRPr>
       </a:lvl7pPr>
-      <a:lvl8pPr lvl="7" marR="0" rtl="0" algn="l">
+      <a:lvl8pPr marR="0" lvl="7" algn="l" rtl="0">
         <a:lnSpc>
           <a:spcPct val="100000"/>
         </a:lnSpc>
@@ -6485,7 +6637,7 @@
           <a:srgbClr val="000000"/>
         </a:buClr>
         <a:buFont typeface="Arial"/>
-        <a:defRPr b="0" i="0" sz="1400" u="none" cap="none" strike="noStrike">
+        <a:defRPr sz="1400" b="0" i="0" u="none" strike="noStrike" cap="none">
           <a:solidFill>
             <a:srgbClr val="000000"/>
           </a:solidFill>
@@ -6495,7 +6647,7 @@
           <a:sym typeface="Arial"/>
         </a:defRPr>
       </a:lvl8pPr>
-      <a:lvl9pPr lvl="8" marR="0" rtl="0" algn="l">
+      <a:lvl9pPr marR="0" lvl="8" algn="l" rtl="0">
         <a:lnSpc>
           <a:spcPct val="100000"/>
         </a:lnSpc>
@@ -6509,7 +6661,7 @@
           <a:srgbClr val="000000"/>
         </a:buClr>
         <a:buFont typeface="Arial"/>
-        <a:defRPr b="0" i="0" sz="1400" u="none" cap="none" strike="noStrike">
+        <a:defRPr sz="1400" b="0" i="0" u="none" strike="noStrike" cap="none">
           <a:solidFill>
             <a:srgbClr val="000000"/>
           </a:solidFill>
@@ -6521,7 +6673,7 @@
       </a:lvl9pPr>
     </p:titleStyle>
     <p:bodyStyle>
-      <a:defPPr lvl="0" marR="0" rtl="0" algn="l">
+      <a:defPPr marR="0" lvl="0" algn="l" rtl="0">
         <a:lnSpc>
           <a:spcPct val="100000"/>
         </a:lnSpc>
@@ -6532,7 +6684,7 @@
           <a:spcPts val="0"/>
         </a:spcAft>
       </a:defPPr>
-      <a:lvl1pPr lvl="0" marR="0" rtl="0" algn="l">
+      <a:lvl1pPr marR="0" lvl="0" algn="l" rtl="0">
         <a:lnSpc>
           <a:spcPct val="100000"/>
         </a:lnSpc>
@@ -6546,7 +6698,7 @@
           <a:srgbClr val="000000"/>
         </a:buClr>
         <a:buFont typeface="Arial"/>
-        <a:defRPr b="0" i="0" sz="1400" u="none" cap="none" strike="noStrike">
+        <a:defRPr sz="1400" b="0" i="0" u="none" strike="noStrike" cap="none">
           <a:solidFill>
             <a:srgbClr val="000000"/>
           </a:solidFill>
@@ -6556,7 +6708,7 @@
           <a:sym typeface="Arial"/>
         </a:defRPr>
       </a:lvl1pPr>
-      <a:lvl2pPr lvl="1" marR="0" rtl="0" algn="l">
+      <a:lvl2pPr marR="0" lvl="1" algn="l" rtl="0">
         <a:lnSpc>
           <a:spcPct val="100000"/>
         </a:lnSpc>
@@ -6570,7 +6722,7 @@
           <a:srgbClr val="000000"/>
         </a:buClr>
         <a:buFont typeface="Arial"/>
-        <a:defRPr b="0" i="0" sz="1400" u="none" cap="none" strike="noStrike">
+        <a:defRPr sz="1400" b="0" i="0" u="none" strike="noStrike" cap="none">
           <a:solidFill>
             <a:srgbClr val="000000"/>
           </a:solidFill>
@@ -6580,7 +6732,7 @@
           <a:sym typeface="Arial"/>
         </a:defRPr>
       </a:lvl2pPr>
-      <a:lvl3pPr lvl="2" marR="0" rtl="0" algn="l">
+      <a:lvl3pPr marR="0" lvl="2" algn="l" rtl="0">
         <a:lnSpc>
           <a:spcPct val="100000"/>
         </a:lnSpc>
@@ -6594,7 +6746,7 @@
           <a:srgbClr val="000000"/>
         </a:buClr>
         <a:buFont typeface="Arial"/>
-        <a:defRPr b="0" i="0" sz="1400" u="none" cap="none" strike="noStrike">
+        <a:defRPr sz="1400" b="0" i="0" u="none" strike="noStrike" cap="none">
           <a:solidFill>
             <a:srgbClr val="000000"/>
           </a:solidFill>
@@ -6604,7 +6756,7 @@
           <a:sym typeface="Arial"/>
         </a:defRPr>
       </a:lvl3pPr>
-      <a:lvl4pPr lvl="3" marR="0" rtl="0" algn="l">
+      <a:lvl4pPr marR="0" lvl="3" algn="l" rtl="0">
         <a:lnSpc>
           <a:spcPct val="100000"/>
         </a:lnSpc>
@@ -6618,7 +6770,7 @@
           <a:srgbClr val="000000"/>
         </a:buClr>
         <a:buFont typeface="Arial"/>
-        <a:defRPr b="0" i="0" sz="1400" u="none" cap="none" strike="noStrike">
+        <a:defRPr sz="1400" b="0" i="0" u="none" strike="noStrike" cap="none">
           <a:solidFill>
             <a:srgbClr val="000000"/>
           </a:solidFill>
@@ -6628,7 +6780,7 @@
           <a:sym typeface="Arial"/>
         </a:defRPr>
       </a:lvl4pPr>
-      <a:lvl5pPr lvl="4" marR="0" rtl="0" algn="l">
+      <a:lvl5pPr marR="0" lvl="4" algn="l" rtl="0">
         <a:lnSpc>
           <a:spcPct val="100000"/>
         </a:lnSpc>
@@ -6642,7 +6794,7 @@
           <a:srgbClr val="000000"/>
         </a:buClr>
         <a:buFont typeface="Arial"/>
-        <a:defRPr b="0" i="0" sz="1400" u="none" cap="none" strike="noStrike">
+        <a:defRPr sz="1400" b="0" i="0" u="none" strike="noStrike" cap="none">
           <a:solidFill>
             <a:srgbClr val="000000"/>
           </a:solidFill>
@@ -6652,7 +6804,7 @@
           <a:sym typeface="Arial"/>
         </a:defRPr>
       </a:lvl5pPr>
-      <a:lvl6pPr lvl="5" marR="0" rtl="0" algn="l">
+      <a:lvl6pPr marR="0" lvl="5" algn="l" rtl="0">
         <a:lnSpc>
           <a:spcPct val="100000"/>
         </a:lnSpc>
@@ -6666,7 +6818,7 @@
           <a:srgbClr val="000000"/>
         </a:buClr>
         <a:buFont typeface="Arial"/>
-        <a:defRPr b="0" i="0" sz="1400" u="none" cap="none" strike="noStrike">
+        <a:defRPr sz="1400" b="0" i="0" u="none" strike="noStrike" cap="none">
           <a:solidFill>
             <a:srgbClr val="000000"/>
           </a:solidFill>
@@ -6676,7 +6828,7 @@
           <a:sym typeface="Arial"/>
         </a:defRPr>
       </a:lvl6pPr>
-      <a:lvl7pPr lvl="6" marR="0" rtl="0" algn="l">
+      <a:lvl7pPr marR="0" lvl="6" algn="l" rtl="0">
         <a:lnSpc>
           <a:spcPct val="100000"/>
         </a:lnSpc>
@@ -6690,7 +6842,7 @@
           <a:srgbClr val="000000"/>
         </a:buClr>
         <a:buFont typeface="Arial"/>
-        <a:defRPr b="0" i="0" sz="1400" u="none" cap="none" strike="noStrike">
+        <a:defRPr sz="1400" b="0" i="0" u="none" strike="noStrike" cap="none">
           <a:solidFill>
             <a:srgbClr val="000000"/>
           </a:solidFill>
@@ -6700,7 +6852,7 @@
           <a:sym typeface="Arial"/>
         </a:defRPr>
       </a:lvl7pPr>
-      <a:lvl8pPr lvl="7" marR="0" rtl="0" algn="l">
+      <a:lvl8pPr marR="0" lvl="7" algn="l" rtl="0">
         <a:lnSpc>
           <a:spcPct val="100000"/>
         </a:lnSpc>
@@ -6714,7 +6866,7 @@
           <a:srgbClr val="000000"/>
         </a:buClr>
         <a:buFont typeface="Arial"/>
-        <a:defRPr b="0" i="0" sz="1400" u="none" cap="none" strike="noStrike">
+        <a:defRPr sz="1400" b="0" i="0" u="none" strike="noStrike" cap="none">
           <a:solidFill>
             <a:srgbClr val="000000"/>
           </a:solidFill>
@@ -6724,7 +6876,7 @@
           <a:sym typeface="Arial"/>
         </a:defRPr>
       </a:lvl8pPr>
-      <a:lvl9pPr lvl="8" marR="0" rtl="0" algn="l">
+      <a:lvl9pPr marR="0" lvl="8" algn="l" rtl="0">
         <a:lnSpc>
           <a:spcPct val="100000"/>
         </a:lnSpc>
@@ -6738,7 +6890,7 @@
           <a:srgbClr val="000000"/>
         </a:buClr>
         <a:buFont typeface="Arial"/>
-        <a:defRPr b="0" i="0" sz="1400" u="none" cap="none" strike="noStrike">
+        <a:defRPr sz="1400" b="0" i="0" u="none" strike="noStrike" cap="none">
           <a:solidFill>
             <a:srgbClr val="000000"/>
           </a:solidFill>
@@ -6750,7 +6902,7 @@
       </a:lvl9pPr>
     </p:bodyStyle>
     <p:otherStyle>
-      <a:defPPr lvl="0" marR="0" rtl="0" algn="l">
+      <a:defPPr marR="0" lvl="0" algn="l" rtl="0">
         <a:lnSpc>
           <a:spcPct val="100000"/>
         </a:lnSpc>
@@ -6761,7 +6913,7 @@
           <a:spcPts val="0"/>
         </a:spcAft>
       </a:defPPr>
-      <a:lvl1pPr lvl="0" marR="0" rtl="0" algn="l">
+      <a:lvl1pPr marR="0" lvl="0" algn="l" rtl="0">
         <a:lnSpc>
           <a:spcPct val="100000"/>
         </a:lnSpc>
@@ -6775,7 +6927,7 @@
           <a:srgbClr val="000000"/>
         </a:buClr>
         <a:buFont typeface="Arial"/>
-        <a:defRPr b="0" i="0" sz="1400" u="none" cap="none" strike="noStrike">
+        <a:defRPr sz="1400" b="0" i="0" u="none" strike="noStrike" cap="none">
           <a:solidFill>
             <a:srgbClr val="000000"/>
           </a:solidFill>
@@ -6785,7 +6937,7 @@
           <a:sym typeface="Arial"/>
         </a:defRPr>
       </a:lvl1pPr>
-      <a:lvl2pPr lvl="1" marR="0" rtl="0" algn="l">
+      <a:lvl2pPr marR="0" lvl="1" algn="l" rtl="0">
         <a:lnSpc>
           <a:spcPct val="100000"/>
         </a:lnSpc>
@@ -6799,7 +6951,7 @@
           <a:srgbClr val="000000"/>
         </a:buClr>
         <a:buFont typeface="Arial"/>
-        <a:defRPr b="0" i="0" sz="1400" u="none" cap="none" strike="noStrike">
+        <a:defRPr sz="1400" b="0" i="0" u="none" strike="noStrike" cap="none">
           <a:solidFill>
             <a:srgbClr val="000000"/>
           </a:solidFill>
@@ -6809,7 +6961,7 @@
           <a:sym typeface="Arial"/>
         </a:defRPr>
       </a:lvl2pPr>
-      <a:lvl3pPr lvl="2" marR="0" rtl="0" algn="l">
+      <a:lvl3pPr marR="0" lvl="2" algn="l" rtl="0">
         <a:lnSpc>
           <a:spcPct val="100000"/>
         </a:lnSpc>
@@ -6823,7 +6975,7 @@
           <a:srgbClr val="000000"/>
         </a:buClr>
         <a:buFont typeface="Arial"/>
-        <a:defRPr b="0" i="0" sz="1400" u="none" cap="none" strike="noStrike">
+        <a:defRPr sz="1400" b="0" i="0" u="none" strike="noStrike" cap="none">
           <a:solidFill>
             <a:srgbClr val="000000"/>
           </a:solidFill>
@@ -6833,7 +6985,7 @@
           <a:sym typeface="Arial"/>
         </a:defRPr>
       </a:lvl3pPr>
-      <a:lvl4pPr lvl="3" marR="0" rtl="0" algn="l">
+      <a:lvl4pPr marR="0" lvl="3" algn="l" rtl="0">
         <a:lnSpc>
           <a:spcPct val="100000"/>
         </a:lnSpc>
@@ -6847,7 +6999,7 @@
           <a:srgbClr val="000000"/>
         </a:buClr>
         <a:buFont typeface="Arial"/>
-        <a:defRPr b="0" i="0" sz="1400" u="none" cap="none" strike="noStrike">
+        <a:defRPr sz="1400" b="0" i="0" u="none" strike="noStrike" cap="none">
           <a:solidFill>
             <a:srgbClr val="000000"/>
           </a:solidFill>
@@ -6857,7 +7009,7 @@
           <a:sym typeface="Arial"/>
         </a:defRPr>
       </a:lvl4pPr>
-      <a:lvl5pPr lvl="4" marR="0" rtl="0" algn="l">
+      <a:lvl5pPr marR="0" lvl="4" algn="l" rtl="0">
         <a:lnSpc>
           <a:spcPct val="100000"/>
         </a:lnSpc>
@@ -6871,7 +7023,7 @@
           <a:srgbClr val="000000"/>
         </a:buClr>
         <a:buFont typeface="Arial"/>
-        <a:defRPr b="0" i="0" sz="1400" u="none" cap="none" strike="noStrike">
+        <a:defRPr sz="1400" b="0" i="0" u="none" strike="noStrike" cap="none">
           <a:solidFill>
             <a:srgbClr val="000000"/>
           </a:solidFill>
@@ -6881,7 +7033,7 @@
           <a:sym typeface="Arial"/>
         </a:defRPr>
       </a:lvl5pPr>
-      <a:lvl6pPr lvl="5" marR="0" rtl="0" algn="l">
+      <a:lvl6pPr marR="0" lvl="5" algn="l" rtl="0">
         <a:lnSpc>
           <a:spcPct val="100000"/>
         </a:lnSpc>
@@ -6895,7 +7047,7 @@
           <a:srgbClr val="000000"/>
         </a:buClr>
         <a:buFont typeface="Arial"/>
-        <a:defRPr b="0" i="0" sz="1400" u="none" cap="none" strike="noStrike">
+        <a:defRPr sz="1400" b="0" i="0" u="none" strike="noStrike" cap="none">
           <a:solidFill>
             <a:srgbClr val="000000"/>
           </a:solidFill>
@@ -6905,7 +7057,7 @@
           <a:sym typeface="Arial"/>
         </a:defRPr>
       </a:lvl6pPr>
-      <a:lvl7pPr lvl="6" marR="0" rtl="0" algn="l">
+      <a:lvl7pPr marR="0" lvl="6" algn="l" rtl="0">
         <a:lnSpc>
           <a:spcPct val="100000"/>
         </a:lnSpc>
@@ -6919,7 +7071,7 @@
           <a:srgbClr val="000000"/>
         </a:buClr>
         <a:buFont typeface="Arial"/>
-        <a:defRPr b="0" i="0" sz="1400" u="none" cap="none" strike="noStrike">
+        <a:defRPr sz="1400" b="0" i="0" u="none" strike="noStrike" cap="none">
           <a:solidFill>
             <a:srgbClr val="000000"/>
           </a:solidFill>
@@ -6929,7 +7081,7 @@
           <a:sym typeface="Arial"/>
         </a:defRPr>
       </a:lvl7pPr>
-      <a:lvl8pPr lvl="7" marR="0" rtl="0" algn="l">
+      <a:lvl8pPr marR="0" lvl="7" algn="l" rtl="0">
         <a:lnSpc>
           <a:spcPct val="100000"/>
         </a:lnSpc>
@@ -6943,7 +7095,7 @@
           <a:srgbClr val="000000"/>
         </a:buClr>
         <a:buFont typeface="Arial"/>
-        <a:defRPr b="0" i="0" sz="1400" u="none" cap="none" strike="noStrike">
+        <a:defRPr sz="1400" b="0" i="0" u="none" strike="noStrike" cap="none">
           <a:solidFill>
             <a:srgbClr val="000000"/>
           </a:solidFill>
@@ -6953,7 +7105,7 @@
           <a:sym typeface="Arial"/>
         </a:defRPr>
       </a:lvl8pPr>
-      <a:lvl9pPr lvl="8" marR="0" rtl="0" algn="l">
+      <a:lvl9pPr marR="0" lvl="8" algn="l" rtl="0">
         <a:lnSpc>
           <a:spcPct val="100000"/>
         </a:lnSpc>
@@ -6967,7 +7119,7 @@
           <a:srgbClr val="000000"/>
         </a:buClr>
         <a:buFont typeface="Arial"/>
-        <a:defRPr b="0" i="0" sz="1400" u="none" cap="none" strike="noStrike">
+        <a:defRPr sz="1400" b="0" i="0" u="none" strike="noStrike" cap="none">
           <a:solidFill>
             <a:srgbClr val="000000"/>
           </a:solidFill>
@@ -6983,11 +7135,11 @@
 </file>
 
 <file path=ppt/slides/slide1.xml><?xml version="1.0" encoding="utf-8"?>
-<p:sld xmlns:a="http://schemas.openxmlformats.org/drawingml/2006/main" xmlns:r="http://schemas.openxmlformats.org/officeDocument/2006/relationships" xmlns:mc="http://schemas.openxmlformats.org/markup-compatibility/2006" xmlns:mv="urn:schemas-microsoft-com:mac:vml" xmlns:p="http://schemas.openxmlformats.org/presentationml/2006/main" xmlns:c="http://schemas.openxmlformats.org/drawingml/2006/chart" xmlns:dgm="http://schemas.openxmlformats.org/drawingml/2006/diagram" xmlns:o="urn:schemas-microsoft-com:office:office" xmlns:v="urn:schemas-microsoft-com:vml" xmlns:pvml="urn:schemas-microsoft-com:office:powerpoint" xmlns:com="http://schemas.openxmlformats.org/drawingml/2006/compatibility" xmlns:p14="http://schemas.microsoft.com/office/powerpoint/2010/main" xmlns:p15="http://schemas.microsoft.com/office/powerpoint/2012/main" xmlns:ahyp="http://schemas.microsoft.com/office/drawing/2018/hyperlinkcolor">
+<p:sld xmlns:a="http://schemas.openxmlformats.org/drawingml/2006/main" xmlns:r="http://schemas.openxmlformats.org/officeDocument/2006/relationships" xmlns:p="http://schemas.openxmlformats.org/presentationml/2006/main">
   <p:cSld>
     <p:spTree>
       <p:nvGrpSpPr>
-        <p:cNvPr id="58" name="Shape 58"/>
+        <p:cNvPr id="1" name="Shape 58"/>
         <p:cNvGrpSpPr/>
         <p:nvPr/>
       </p:nvGrpSpPr>
@@ -7002,7 +7154,9 @@
       <p:sp>
         <p:nvSpPr>
           <p:cNvPr id="59" name="Google Shape;59;p13"/>
-          <p:cNvSpPr txBox="1"/>
+          <p:cNvSpPr txBox="1">
+            <a:spLocks noGrp="1"/>
+          </p:cNvSpPr>
           <p:nvPr>
             <p:ph type="ctrTitle"/>
           </p:nvPr>
@@ -7017,12 +7171,12 @@
           </a:prstGeom>
         </p:spPr>
         <p:txBody>
-          <a:bodyPr anchorCtr="0" anchor="b" bIns="91425" lIns="91425" spcFirstLastPara="1" rIns="91425" wrap="square" tIns="91425">
+          <a:bodyPr spcFirstLastPara="1" wrap="square" lIns="91425" tIns="91425" rIns="91425" bIns="91425" anchor="b" anchorCtr="0">
             <a:noAutofit/>
           </a:bodyPr>
           <a:lstStyle/>
           <a:p>
-            <a:pPr indent="0" lvl="0" marL="0" rtl="0" algn="ctr">
+            <a:pPr marL="0" lvl="0" indent="0" algn="ctr" rtl="0">
               <a:spcBef>
                 <a:spcPts val="0"/>
               </a:spcBef>
@@ -7053,9 +7207,11 @@
       <p:sp>
         <p:nvSpPr>
           <p:cNvPr id="60" name="Google Shape;60;p13"/>
-          <p:cNvSpPr txBox="1"/>
+          <p:cNvSpPr txBox="1">
+            <a:spLocks noGrp="1"/>
+          </p:cNvSpPr>
           <p:nvPr>
-            <p:ph idx="1" type="subTitle"/>
+            <p:ph type="subTitle" idx="1"/>
           </p:nvPr>
         </p:nvSpPr>
         <p:spPr>
@@ -7068,12 +7224,12 @@
           </a:prstGeom>
         </p:spPr>
         <p:txBody>
-          <a:bodyPr anchorCtr="0" anchor="t" bIns="91425" lIns="91425" spcFirstLastPara="1" rIns="91425" wrap="square" tIns="91425">
-            <a:normAutofit lnSpcReduction="20000"/>
+          <a:bodyPr spcFirstLastPara="1" wrap="square" lIns="91425" tIns="91425" rIns="91425" bIns="91425" anchor="t" anchorCtr="0">
+            <a:normAutofit fontScale="92500" lnSpcReduction="10000"/>
           </a:bodyPr>
           <a:lstStyle/>
           <a:p>
-            <a:pPr indent="0" lvl="0" marL="0" rtl="0" algn="l">
+            <a:pPr marL="0" lvl="0" indent="0" algn="l" rtl="0">
               <a:spcBef>
                 <a:spcPts val="0"/>
               </a:spcBef>
@@ -7083,32 +7239,35 @@
               <a:buNone/>
             </a:pPr>
             <a:r>
-              <a:rPr b="1" lang="en">
+              <a:rPr lang="en" dirty="0">
                 <a:latin typeface="Roboto"/>
                 <a:ea typeface="Roboto"/>
                 <a:cs typeface="Roboto"/>
                 <a:sym typeface="Roboto"/>
               </a:rPr>
-              <a:t>Team </a:t>
+              <a:t>Team - </a:t>
             </a:r>
             <a:r>
-              <a:rPr lang="en">
+              <a:rPr lang="en" b="1" dirty="0">
+                <a:solidFill>
+                  <a:srgbClr val="FF0000"/>
+                </a:solidFill>
                 <a:latin typeface="Roboto"/>
                 <a:ea typeface="Roboto"/>
                 <a:cs typeface="Roboto"/>
                 <a:sym typeface="Roboto"/>
               </a:rPr>
-              <a:t>- FourAngryGuyz</a:t>
+              <a:t>FourAngryGuyz</a:t>
             </a:r>
             <a:br>
-              <a:rPr lang="en">
+              <a:rPr lang="en" dirty="0">
                 <a:latin typeface="Roboto"/>
                 <a:ea typeface="Roboto"/>
                 <a:cs typeface="Roboto"/>
                 <a:sym typeface="Roboto"/>
               </a:rPr>
             </a:br>
-            <a:endParaRPr>
+            <a:endParaRPr dirty="0">
               <a:latin typeface="Roboto"/>
               <a:ea typeface="Roboto"/>
               <a:cs typeface="Roboto"/>
@@ -7137,12 +7296,12 @@
           </a:ln>
         </p:spPr>
         <p:txBody>
-          <a:bodyPr anchorCtr="0" anchor="t" bIns="91425" lIns="91425" spcFirstLastPara="1" rIns="91425" wrap="square" tIns="91425">
+          <a:bodyPr spcFirstLastPara="1" wrap="square" lIns="91425" tIns="91425" rIns="91425" bIns="91425" anchor="t" anchorCtr="0">
             <a:noAutofit/>
           </a:bodyPr>
           <a:lstStyle/>
           <a:p>
-            <a:pPr indent="0" lvl="0" marL="0" rtl="0" algn="ctr">
+            <a:pPr marL="0" lvl="0" indent="0" algn="ctr" rtl="0">
               <a:spcBef>
                 <a:spcPts val="0"/>
               </a:spcBef>
@@ -7157,9 +7316,9 @@
               <a:buNone/>
             </a:pPr>
             <a:r>
-              <a:rPr lang="en" sz="1300">
-                <a:solidFill>
-                  <a:schemeClr val="dk2"/>
+              <a:rPr lang="en" sz="1300" b="1" dirty="0">
+                <a:solidFill>
+                  <a:schemeClr val="accent3"/>
                 </a:solidFill>
                 <a:latin typeface="Roboto"/>
                 <a:ea typeface="Roboto"/>
@@ -7168,7 +7327,10 @@
               </a:rPr>
               <a:t>Members - Akshat Srivastava, Avishek Golder, Anubhav Pandey, Vaibhav Lucktoo</a:t>
             </a:r>
-            <a:endParaRPr sz="100">
+            <a:endParaRPr sz="100" b="1" dirty="0">
+              <a:solidFill>
+                <a:schemeClr val="accent3"/>
+              </a:solidFill>
               <a:latin typeface="Roboto"/>
               <a:ea typeface="Roboto"/>
               <a:cs typeface="Roboto"/>
@@ -7197,12 +7359,12 @@
           </a:ln>
         </p:spPr>
         <p:txBody>
-          <a:bodyPr anchorCtr="0" anchor="t" bIns="91425" lIns="91425" spcFirstLastPara="1" rIns="91425" wrap="square" tIns="91425">
+          <a:bodyPr spcFirstLastPara="1" wrap="square" lIns="91425" tIns="91425" rIns="91425" bIns="91425" anchor="t" anchorCtr="0">
             <a:noAutofit/>
           </a:bodyPr>
           <a:lstStyle/>
           <a:p>
-            <a:pPr indent="0" lvl="0" marL="0" rtl="0" algn="l">
+            <a:pPr marL="0" lvl="0" indent="0" algn="l" rtl="0">
               <a:spcBef>
                 <a:spcPts val="0"/>
               </a:spcBef>
@@ -7272,11 +7434,11 @@
 </file>
 
 <file path=ppt/slides/slide2.xml><?xml version="1.0" encoding="utf-8"?>
-<p:sld xmlns:a="http://schemas.openxmlformats.org/drawingml/2006/main" xmlns:r="http://schemas.openxmlformats.org/officeDocument/2006/relationships" xmlns:mc="http://schemas.openxmlformats.org/markup-compatibility/2006" xmlns:mv="urn:schemas-microsoft-com:mac:vml" xmlns:p="http://schemas.openxmlformats.org/presentationml/2006/main" xmlns:c="http://schemas.openxmlformats.org/drawingml/2006/chart" xmlns:dgm="http://schemas.openxmlformats.org/drawingml/2006/diagram" xmlns:o="urn:schemas-microsoft-com:office:office" xmlns:v="urn:schemas-microsoft-com:vml" xmlns:pvml="urn:schemas-microsoft-com:office:powerpoint" xmlns:com="http://schemas.openxmlformats.org/drawingml/2006/compatibility" xmlns:p14="http://schemas.microsoft.com/office/powerpoint/2010/main" xmlns:p15="http://schemas.microsoft.com/office/powerpoint/2012/main" xmlns:ahyp="http://schemas.microsoft.com/office/drawing/2018/hyperlinkcolor">
+<p:sld xmlns:a="http://schemas.openxmlformats.org/drawingml/2006/main" xmlns:r="http://schemas.openxmlformats.org/officeDocument/2006/relationships" xmlns:p="http://schemas.openxmlformats.org/presentationml/2006/main">
   <p:cSld>
     <p:spTree>
       <p:nvGrpSpPr>
-        <p:cNvPr id="67" name="Shape 67"/>
+        <p:cNvPr id="1" name="Shape 67"/>
         <p:cNvGrpSpPr/>
         <p:nvPr/>
       </p:nvGrpSpPr>
@@ -7291,7 +7453,9 @@
       <p:sp>
         <p:nvSpPr>
           <p:cNvPr id="68" name="Google Shape;68;p14"/>
-          <p:cNvSpPr txBox="1"/>
+          <p:cNvSpPr txBox="1">
+            <a:spLocks noGrp="1"/>
+          </p:cNvSpPr>
           <p:nvPr>
             <p:ph type="title"/>
           </p:nvPr>
@@ -7306,12 +7470,12 @@
           </a:prstGeom>
         </p:spPr>
         <p:txBody>
-          <a:bodyPr anchorCtr="0" anchor="t" bIns="91425" lIns="91425" spcFirstLastPara="1" rIns="91425" wrap="square" tIns="91425">
+          <a:bodyPr spcFirstLastPara="1" wrap="square" lIns="91425" tIns="91425" rIns="91425" bIns="91425" anchor="t" anchorCtr="0">
             <a:noAutofit/>
           </a:bodyPr>
           <a:lstStyle/>
           <a:p>
-            <a:pPr indent="0" lvl="0" marL="0" rtl="0" algn="ctr">
+            <a:pPr marL="0" lvl="0" indent="0" algn="ctr" rtl="0">
               <a:spcBef>
                 <a:spcPts val="0"/>
               </a:spcBef>
@@ -7321,7 +7485,7 @@
               <a:buNone/>
             </a:pPr>
             <a:r>
-              <a:rPr b="1" lang="en" sz="1500" u="sng">
+              <a:rPr lang="en" sz="1500" b="1" u="sng">
                 <a:highlight>
                   <a:schemeClr val="lt1"/>
                 </a:highlight>
@@ -7347,9 +7511,11 @@
       <p:sp>
         <p:nvSpPr>
           <p:cNvPr id="69" name="Google Shape;69;p14"/>
-          <p:cNvSpPr txBox="1"/>
+          <p:cNvSpPr txBox="1">
+            <a:spLocks noGrp="1"/>
+          </p:cNvSpPr>
           <p:nvPr>
-            <p:ph idx="1" type="body"/>
+            <p:ph type="body" idx="1"/>
           </p:nvPr>
         </p:nvSpPr>
         <p:spPr>
@@ -7362,12 +7528,12 @@
           </a:prstGeom>
         </p:spPr>
         <p:txBody>
-          <a:bodyPr anchorCtr="0" anchor="t" bIns="91425" lIns="91425" spcFirstLastPara="1" rIns="91425" wrap="square" tIns="91425">
+          <a:bodyPr spcFirstLastPara="1" wrap="square" lIns="91425" tIns="91425" rIns="91425" bIns="91425" anchor="t" anchorCtr="0">
             <a:noAutofit/>
           </a:bodyPr>
           <a:lstStyle/>
           <a:p>
-            <a:pPr indent="0" lvl="0" marL="0" marR="0" rtl="0" algn="l">
+            <a:pPr marL="0" marR="0" lvl="0" indent="0" algn="l" rtl="0">
               <a:lnSpc>
                 <a:spcPct val="115000"/>
               </a:lnSpc>
@@ -7401,7 +7567,7 @@
             </a:endParaRPr>
           </a:p>
           <a:p>
-            <a:pPr indent="0" lvl="0" marL="0" marR="0" rtl="0" algn="l">
+            <a:pPr marL="0" marR="0" lvl="0" indent="0" algn="l" rtl="0">
               <a:lnSpc>
                 <a:spcPct val="115000"/>
               </a:lnSpc>
@@ -7418,9 +7584,6 @@
               <a:buFont typeface="Arial"/>
               <a:buNone/>
             </a:pPr>
-            <a:r>
-              <a:t/>
-            </a:r>
             <a:endParaRPr sz="1300">
               <a:latin typeface="Roboto"/>
               <a:ea typeface="Roboto"/>
@@ -7429,7 +7592,7 @@
             </a:endParaRPr>
           </a:p>
           <a:p>
-            <a:pPr indent="0" lvl="0" marL="0" marR="0" rtl="0" algn="l">
+            <a:pPr marL="0" marR="0" lvl="0" indent="0" algn="l" rtl="0">
               <a:lnSpc>
                 <a:spcPct val="115000"/>
               </a:lnSpc>
@@ -7463,7 +7626,7 @@
             </a:endParaRPr>
           </a:p>
           <a:p>
-            <a:pPr indent="0" lvl="0" marL="0" marR="0" rtl="0" algn="l">
+            <a:pPr marL="0" marR="0" lvl="0" indent="0" algn="l" rtl="0">
               <a:lnSpc>
                 <a:spcPct val="115000"/>
               </a:lnSpc>
@@ -7480,9 +7643,6 @@
               <a:buFont typeface="Arial"/>
               <a:buNone/>
             </a:pPr>
-            <a:r>
-              <a:t/>
-            </a:r>
             <a:endParaRPr sz="1300">
               <a:latin typeface="Roboto"/>
               <a:ea typeface="Roboto"/>
@@ -7491,7 +7651,7 @@
             </a:endParaRPr>
           </a:p>
           <a:p>
-            <a:pPr indent="0" lvl="0" marL="0" marR="0" rtl="0" algn="l">
+            <a:pPr marL="0" marR="0" lvl="0" indent="0" algn="l" rtl="0">
               <a:lnSpc>
                 <a:spcPct val="115000"/>
               </a:lnSpc>
@@ -7525,7 +7685,7 @@
             </a:endParaRPr>
           </a:p>
           <a:p>
-            <a:pPr indent="0" lvl="0" marL="0" marR="0" rtl="0" algn="l">
+            <a:pPr marL="0" marR="0" lvl="0" indent="0" algn="l" rtl="0">
               <a:lnSpc>
                 <a:spcPct val="115000"/>
               </a:lnSpc>
@@ -7542,9 +7702,6 @@
               <a:buFont typeface="Arial"/>
               <a:buNone/>
             </a:pPr>
-            <a:r>
-              <a:t/>
-            </a:r>
             <a:endParaRPr sz="1300">
               <a:latin typeface="Roboto"/>
               <a:ea typeface="Roboto"/>
@@ -7553,7 +7710,7 @@
             </a:endParaRPr>
           </a:p>
           <a:p>
-            <a:pPr indent="0" lvl="0" marL="0" marR="0" rtl="0" algn="l">
+            <a:pPr marL="0" marR="0" lvl="0" indent="0" algn="l" rtl="0">
               <a:lnSpc>
                 <a:spcPct val="115000"/>
               </a:lnSpc>
@@ -7587,7 +7744,7 @@
             </a:endParaRPr>
           </a:p>
           <a:p>
-            <a:pPr indent="0" lvl="0" marL="0" marR="0" rtl="0" algn="l">
+            <a:pPr marL="0" marR="0" lvl="0" indent="0" algn="l" rtl="0">
               <a:lnSpc>
                 <a:spcPct val="115000"/>
               </a:lnSpc>
@@ -7599,9 +7756,6 @@
               </a:spcAft>
               <a:buNone/>
             </a:pPr>
-            <a:r>
-              <a:t/>
-            </a:r>
             <a:endParaRPr sz="1300">
               <a:latin typeface="Roboto"/>
               <a:ea typeface="Roboto"/>
@@ -7610,7 +7764,7 @@
             </a:endParaRPr>
           </a:p>
           <a:p>
-            <a:pPr indent="0" lvl="0" marL="0" rtl="0" algn="l">
+            <a:pPr marL="0" lvl="0" indent="0" algn="l" rtl="0">
               <a:spcBef>
                 <a:spcPts val="0"/>
               </a:spcBef>
@@ -7619,9 +7773,6 @@
               </a:spcAft>
               <a:buNone/>
             </a:pPr>
-            <a:r>
-              <a:t/>
-            </a:r>
             <a:endParaRPr sz="1300">
               <a:latin typeface="Roboto"/>
               <a:ea typeface="Roboto"/>
@@ -7630,7 +7781,7 @@
             </a:endParaRPr>
           </a:p>
           <a:p>
-            <a:pPr indent="0" lvl="0" marL="0" rtl="0" algn="l">
+            <a:pPr marL="0" lvl="0" indent="0" algn="l" rtl="0">
               <a:spcBef>
                 <a:spcPts val="1200"/>
               </a:spcBef>
@@ -7644,9 +7795,6 @@
               <a:buFont typeface="Arial"/>
               <a:buNone/>
             </a:pPr>
-            <a:r>
-              <a:t/>
-            </a:r>
             <a:endParaRPr sz="1300">
               <a:latin typeface="Roboto"/>
               <a:ea typeface="Roboto"/>
@@ -7665,11 +7813,11 @@
 </file>
 
 <file path=ppt/slides/slide3.xml><?xml version="1.0" encoding="utf-8"?>
-<p:sld xmlns:a="http://schemas.openxmlformats.org/drawingml/2006/main" xmlns:r="http://schemas.openxmlformats.org/officeDocument/2006/relationships" xmlns:mc="http://schemas.openxmlformats.org/markup-compatibility/2006" xmlns:mv="urn:schemas-microsoft-com:mac:vml" xmlns:p="http://schemas.openxmlformats.org/presentationml/2006/main" xmlns:c="http://schemas.openxmlformats.org/drawingml/2006/chart" xmlns:dgm="http://schemas.openxmlformats.org/drawingml/2006/diagram" xmlns:o="urn:schemas-microsoft-com:office:office" xmlns:v="urn:schemas-microsoft-com:vml" xmlns:pvml="urn:schemas-microsoft-com:office:powerpoint" xmlns:com="http://schemas.openxmlformats.org/drawingml/2006/compatibility" xmlns:p14="http://schemas.microsoft.com/office/powerpoint/2010/main" xmlns:p15="http://schemas.microsoft.com/office/powerpoint/2012/main" xmlns:ahyp="http://schemas.microsoft.com/office/drawing/2018/hyperlinkcolor">
+<p:sld xmlns:a="http://schemas.openxmlformats.org/drawingml/2006/main" xmlns:r="http://schemas.openxmlformats.org/officeDocument/2006/relationships" xmlns:p="http://schemas.openxmlformats.org/presentationml/2006/main">
   <p:cSld>
     <p:spTree>
       <p:nvGrpSpPr>
-        <p:cNvPr id="73" name="Shape 73"/>
+        <p:cNvPr id="1" name="Shape 73"/>
         <p:cNvGrpSpPr/>
         <p:nvPr/>
       </p:nvGrpSpPr>
@@ -7684,7 +7832,9 @@
       <p:sp>
         <p:nvSpPr>
           <p:cNvPr id="74" name="Google Shape;74;p15"/>
-          <p:cNvSpPr txBox="1"/>
+          <p:cNvSpPr txBox="1">
+            <a:spLocks noGrp="1"/>
+          </p:cNvSpPr>
           <p:nvPr>
             <p:ph type="title"/>
           </p:nvPr>
@@ -7699,12 +7849,12 @@
           </a:prstGeom>
         </p:spPr>
         <p:txBody>
-          <a:bodyPr anchorCtr="0" anchor="t" bIns="91425" lIns="91425" spcFirstLastPara="1" rIns="91425" wrap="square" tIns="91425">
+          <a:bodyPr spcFirstLastPara="1" wrap="square" lIns="91425" tIns="91425" rIns="91425" bIns="91425" anchor="t" anchorCtr="0">
             <a:noAutofit/>
           </a:bodyPr>
           <a:lstStyle/>
           <a:p>
-            <a:pPr indent="0" lvl="0" marL="0" rtl="0" algn="ctr">
+            <a:pPr marL="0" lvl="0" indent="0" algn="ctr" rtl="0">
               <a:spcBef>
                 <a:spcPts val="0"/>
               </a:spcBef>
@@ -7715,7 +7865,7 @@
               <a:buNone/>
             </a:pPr>
             <a:r>
-              <a:rPr b="1" lang="en" sz="1500" u="sng">
+              <a:rPr lang="en" sz="1500" b="1" u="sng">
                 <a:latin typeface="Roboto"/>
                 <a:ea typeface="Roboto"/>
                 <a:cs typeface="Roboto"/>
@@ -7723,7 +7873,7 @@
               </a:rPr>
               <a:t>Key Features</a:t>
             </a:r>
-            <a:endParaRPr b="1" sz="1500" u="sng">
+            <a:endParaRPr sz="1500" b="1" u="sng">
               <a:latin typeface="Roboto"/>
               <a:ea typeface="Roboto"/>
               <a:cs typeface="Roboto"/>
@@ -7735,9 +7885,11 @@
       <p:sp>
         <p:nvSpPr>
           <p:cNvPr id="75" name="Google Shape;75;p15"/>
-          <p:cNvSpPr txBox="1"/>
+          <p:cNvSpPr txBox="1">
+            <a:spLocks noGrp="1"/>
+          </p:cNvSpPr>
           <p:nvPr>
-            <p:ph idx="1" type="body"/>
+            <p:ph type="body" idx="1"/>
           </p:nvPr>
         </p:nvSpPr>
         <p:spPr>
@@ -7750,12 +7902,12 @@
           </a:prstGeom>
         </p:spPr>
         <p:txBody>
-          <a:bodyPr anchorCtr="0" anchor="t" bIns="91425" lIns="91425" spcFirstLastPara="1" rIns="91425" wrap="square" tIns="91425">
+          <a:bodyPr spcFirstLastPara="1" wrap="square" lIns="91425" tIns="91425" rIns="91425" bIns="91425" anchor="t" anchorCtr="0">
             <a:normAutofit/>
           </a:bodyPr>
           <a:lstStyle/>
           <a:p>
-            <a:pPr indent="0" lvl="0" marL="0" rtl="0" algn="l">
+            <a:pPr marL="0" lvl="0" indent="0" algn="l" rtl="0">
               <a:spcBef>
                 <a:spcPts val="0"/>
               </a:spcBef>
@@ -7770,7 +7922,7 @@
               <a:buNone/>
             </a:pPr>
             <a:r>
-              <a:rPr b="1" lang="en" sz="1300">
+              <a:rPr lang="en" sz="1300" b="1">
                 <a:latin typeface="Roboto"/>
                 <a:ea typeface="Roboto"/>
                 <a:cs typeface="Roboto"/>
@@ -7795,7 +7947,7 @@
             </a:endParaRPr>
           </a:p>
           <a:p>
-            <a:pPr indent="0" lvl="0" marL="0" rtl="0" algn="l">
+            <a:pPr marL="0" lvl="0" indent="0" algn="l" rtl="0">
               <a:spcBef>
                 <a:spcPts val="1200"/>
               </a:spcBef>
@@ -7810,7 +7962,7 @@
               <a:buNone/>
             </a:pPr>
             <a:r>
-              <a:rPr b="1" lang="en" sz="1300">
+              <a:rPr lang="en" sz="1300" b="1">
                 <a:latin typeface="Roboto"/>
                 <a:ea typeface="Roboto"/>
                 <a:cs typeface="Roboto"/>
@@ -7835,7 +7987,7 @@
             </a:endParaRPr>
           </a:p>
           <a:p>
-            <a:pPr indent="0" lvl="0" marL="0" rtl="0" algn="l">
+            <a:pPr marL="0" lvl="0" indent="0" algn="l" rtl="0">
               <a:spcBef>
                 <a:spcPts val="1200"/>
               </a:spcBef>
@@ -7850,7 +8002,7 @@
               <a:buNone/>
             </a:pPr>
             <a:r>
-              <a:rPr b="1" lang="en" sz="1300">
+              <a:rPr lang="en" sz="1300" b="1">
                 <a:latin typeface="Roboto"/>
                 <a:ea typeface="Roboto"/>
                 <a:cs typeface="Roboto"/>
@@ -7875,7 +8027,7 @@
             </a:endParaRPr>
           </a:p>
           <a:p>
-            <a:pPr indent="0" lvl="0" marL="0" rtl="0" algn="l">
+            <a:pPr marL="0" lvl="0" indent="0" algn="l" rtl="0">
               <a:spcBef>
                 <a:spcPts val="1200"/>
               </a:spcBef>
@@ -7890,7 +8042,7 @@
               <a:buNone/>
             </a:pPr>
             <a:r>
-              <a:rPr b="1" lang="en" sz="1300">
+              <a:rPr lang="en" sz="1300" b="1">
                 <a:latin typeface="Roboto"/>
                 <a:ea typeface="Roboto"/>
                 <a:cs typeface="Roboto"/>
@@ -7915,7 +8067,7 @@
             </a:endParaRPr>
           </a:p>
           <a:p>
-            <a:pPr indent="0" lvl="0" marL="0" rtl="0" algn="l">
+            <a:pPr marL="0" lvl="0" indent="0" algn="l" rtl="0">
               <a:spcBef>
                 <a:spcPts val="1200"/>
               </a:spcBef>
@@ -7930,7 +8082,7 @@
               <a:buNone/>
             </a:pPr>
             <a:r>
-              <a:rPr b="1" lang="en" sz="1300">
+              <a:rPr lang="en" sz="1300" b="1">
                 <a:latin typeface="Roboto"/>
                 <a:ea typeface="Roboto"/>
                 <a:cs typeface="Roboto"/>
@@ -7955,7 +8107,7 @@
             </a:endParaRPr>
           </a:p>
           <a:p>
-            <a:pPr indent="0" lvl="0" marL="0" rtl="0" algn="l">
+            <a:pPr marL="0" lvl="0" indent="0" algn="l" rtl="0">
               <a:spcBef>
                 <a:spcPts val="1200"/>
               </a:spcBef>
@@ -7965,7 +8117,7 @@
               <a:buNone/>
             </a:pPr>
             <a:r>
-              <a:rPr b="1" lang="en" sz="1300">
+              <a:rPr lang="en" sz="1300" b="1">
                 <a:latin typeface="Roboto"/>
                 <a:ea typeface="Roboto"/>
                 <a:cs typeface="Roboto"/>
@@ -8000,11 +8152,11 @@
 </file>
 
 <file path=ppt/slides/slide4.xml><?xml version="1.0" encoding="utf-8"?>
-<p:sld xmlns:a="http://schemas.openxmlformats.org/drawingml/2006/main" xmlns:r="http://schemas.openxmlformats.org/officeDocument/2006/relationships" xmlns:mc="http://schemas.openxmlformats.org/markup-compatibility/2006" xmlns:mv="urn:schemas-microsoft-com:mac:vml" xmlns:p="http://schemas.openxmlformats.org/presentationml/2006/main" xmlns:c="http://schemas.openxmlformats.org/drawingml/2006/chart" xmlns:dgm="http://schemas.openxmlformats.org/drawingml/2006/diagram" xmlns:o="urn:schemas-microsoft-com:office:office" xmlns:v="urn:schemas-microsoft-com:vml" xmlns:pvml="urn:schemas-microsoft-com:office:powerpoint" xmlns:com="http://schemas.openxmlformats.org/drawingml/2006/compatibility" xmlns:p14="http://schemas.microsoft.com/office/powerpoint/2010/main" xmlns:p15="http://schemas.microsoft.com/office/powerpoint/2012/main" xmlns:ahyp="http://schemas.microsoft.com/office/drawing/2018/hyperlinkcolor">
+<p:sld xmlns:a="http://schemas.openxmlformats.org/drawingml/2006/main" xmlns:r="http://schemas.openxmlformats.org/officeDocument/2006/relationships" xmlns:p="http://schemas.openxmlformats.org/presentationml/2006/main">
   <p:cSld>
     <p:spTree>
       <p:nvGrpSpPr>
-        <p:cNvPr id="79" name="Shape 79"/>
+        <p:cNvPr id="1" name="Shape 79"/>
         <p:cNvGrpSpPr/>
         <p:nvPr/>
       </p:nvGrpSpPr>
@@ -8019,7 +8171,9 @@
       <p:sp>
         <p:nvSpPr>
           <p:cNvPr id="80" name="Google Shape;80;p16"/>
-          <p:cNvSpPr txBox="1"/>
+          <p:cNvSpPr txBox="1">
+            <a:spLocks noGrp="1"/>
+          </p:cNvSpPr>
           <p:nvPr>
             <p:ph type="title"/>
           </p:nvPr>
@@ -8034,12 +8188,12 @@
           </a:prstGeom>
         </p:spPr>
         <p:txBody>
-          <a:bodyPr anchorCtr="0" anchor="t" bIns="91425" lIns="91425" spcFirstLastPara="1" rIns="91425" wrap="square" tIns="91425">
+          <a:bodyPr spcFirstLastPara="1" wrap="square" lIns="91425" tIns="91425" rIns="91425" bIns="91425" anchor="t" anchorCtr="0">
             <a:noAutofit/>
           </a:bodyPr>
           <a:lstStyle/>
           <a:p>
-            <a:pPr indent="0" lvl="0" marL="0" rtl="0" algn="ctr">
+            <a:pPr marL="0" lvl="0" indent="0" algn="ctr" rtl="0">
               <a:spcBef>
                 <a:spcPts val="0"/>
               </a:spcBef>
@@ -8050,7 +8204,7 @@
               <a:buNone/>
             </a:pPr>
             <a:r>
-              <a:rPr b="1" lang="en" sz="1500" u="sng">
+              <a:rPr lang="en" sz="1500" b="1" u="sng">
                 <a:latin typeface="Roboto"/>
                 <a:ea typeface="Roboto"/>
                 <a:cs typeface="Roboto"/>
@@ -8058,7 +8212,7 @@
               </a:rPr>
               <a:t>Market Prospects</a:t>
             </a:r>
-            <a:endParaRPr b="1" sz="1500" u="sng">
+            <a:endParaRPr sz="1500" b="1" u="sng">
               <a:latin typeface="Roboto"/>
               <a:ea typeface="Roboto"/>
               <a:cs typeface="Roboto"/>
@@ -8070,9 +8224,11 @@
       <p:sp>
         <p:nvSpPr>
           <p:cNvPr id="81" name="Google Shape;81;p16"/>
-          <p:cNvSpPr txBox="1"/>
+          <p:cNvSpPr txBox="1">
+            <a:spLocks noGrp="1"/>
+          </p:cNvSpPr>
           <p:nvPr>
-            <p:ph idx="1" type="body"/>
+            <p:ph type="body" idx="1"/>
           </p:nvPr>
         </p:nvSpPr>
         <p:spPr>
@@ -8085,12 +8241,12 @@
           </a:prstGeom>
         </p:spPr>
         <p:txBody>
-          <a:bodyPr anchorCtr="0" anchor="t" bIns="91425" lIns="91425" spcFirstLastPara="1" rIns="91425" wrap="square" tIns="91425">
+          <a:bodyPr spcFirstLastPara="1" wrap="square" lIns="91425" tIns="91425" rIns="91425" bIns="91425" anchor="t" anchorCtr="0">
             <a:noAutofit/>
           </a:bodyPr>
           <a:lstStyle/>
           <a:p>
-            <a:pPr indent="0" lvl="0" marL="0" rtl="0" algn="l">
+            <a:pPr marL="0" lvl="0" indent="0" algn="l" rtl="0">
               <a:spcBef>
                 <a:spcPts val="0"/>
               </a:spcBef>
@@ -8100,7 +8256,7 @@
               <a:buNone/>
             </a:pPr>
             <a:r>
-              <a:rPr b="1" lang="en" sz="1100">
+              <a:rPr lang="en" sz="1100" b="1">
                 <a:latin typeface="Roboto"/>
                 <a:ea typeface="Roboto"/>
                 <a:cs typeface="Roboto"/>
@@ -8108,7 +8264,7 @@
               </a:rPr>
               <a:t>Revenue model:</a:t>
             </a:r>
-            <a:endParaRPr b="1" sz="1100">
+            <a:endParaRPr sz="1100" b="1">
               <a:latin typeface="Roboto"/>
               <a:ea typeface="Roboto"/>
               <a:cs typeface="Roboto"/>
@@ -8116,7 +8272,7 @@
             </a:endParaRPr>
           </a:p>
           <a:p>
-            <a:pPr indent="0" lvl="0" marL="0" rtl="0" algn="l">
+            <a:pPr marL="0" lvl="0" indent="0" algn="l" rtl="0">
               <a:spcBef>
                 <a:spcPts val="1200"/>
               </a:spcBef>
@@ -8131,7 +8287,7 @@
               <a:buNone/>
             </a:pPr>
             <a:r>
-              <a:rPr i="1" lang="en" sz="1100">
+              <a:rPr lang="en" sz="1100" i="1">
                 <a:latin typeface="Roboto"/>
                 <a:ea typeface="Roboto"/>
                 <a:cs typeface="Roboto"/>
@@ -8156,7 +8312,7 @@
             </a:endParaRPr>
           </a:p>
           <a:p>
-            <a:pPr indent="0" lvl="0" marL="0" rtl="0" algn="l">
+            <a:pPr marL="0" lvl="0" indent="0" algn="l" rtl="0">
               <a:spcBef>
                 <a:spcPts val="1200"/>
               </a:spcBef>
@@ -8171,7 +8327,7 @@
               <a:buNone/>
             </a:pPr>
             <a:r>
-              <a:rPr i="1" lang="en" sz="1100">
+              <a:rPr lang="en" sz="1100" i="1">
                 <a:latin typeface="Roboto"/>
                 <a:ea typeface="Roboto"/>
                 <a:cs typeface="Roboto"/>
@@ -8196,7 +8352,7 @@
             </a:endParaRPr>
           </a:p>
           <a:p>
-            <a:pPr indent="0" lvl="0" marL="0" rtl="0" algn="l">
+            <a:pPr marL="0" lvl="0" indent="0" algn="l" rtl="0">
               <a:spcBef>
                 <a:spcPts val="1200"/>
               </a:spcBef>
@@ -8211,7 +8367,7 @@
               <a:buNone/>
             </a:pPr>
             <a:r>
-              <a:rPr i="1" lang="en" sz="1100">
+              <a:rPr lang="en" sz="1100" i="1">
                 <a:latin typeface="Roboto"/>
                 <a:ea typeface="Roboto"/>
                 <a:cs typeface="Roboto"/>
@@ -8236,7 +8392,7 @@
             </a:endParaRPr>
           </a:p>
           <a:p>
-            <a:pPr indent="0" lvl="0" marL="0" rtl="0" algn="l">
+            <a:pPr marL="0" lvl="0" indent="0" algn="l" rtl="0">
               <a:spcBef>
                 <a:spcPts val="1200"/>
               </a:spcBef>
@@ -8251,7 +8407,7 @@
               <a:buNone/>
             </a:pPr>
             <a:r>
-              <a:rPr b="1" lang="en" sz="1100">
+              <a:rPr lang="en" sz="1100" b="1">
                 <a:latin typeface="Roboto"/>
                 <a:ea typeface="Roboto"/>
                 <a:cs typeface="Roboto"/>
@@ -8259,7 +8415,7 @@
               </a:rPr>
               <a:t>Scalability and Adaptability:</a:t>
             </a:r>
-            <a:endParaRPr b="1" sz="1100">
+            <a:endParaRPr sz="1100" b="1">
               <a:latin typeface="Roboto"/>
               <a:ea typeface="Roboto"/>
               <a:cs typeface="Roboto"/>
@@ -8267,7 +8423,7 @@
             </a:endParaRPr>
           </a:p>
           <a:p>
-            <a:pPr indent="0" lvl="0" marL="0" rtl="0" algn="l">
+            <a:pPr marL="0" lvl="0" indent="0" algn="l" rtl="0">
               <a:spcBef>
                 <a:spcPts val="1200"/>
               </a:spcBef>
@@ -8298,7 +8454,7 @@
             </a:endParaRPr>
           </a:p>
           <a:p>
-            <a:pPr indent="0" lvl="0" marL="0" rtl="0" algn="l">
+            <a:pPr marL="0" lvl="0" indent="0" algn="l" rtl="0">
               <a:spcBef>
                 <a:spcPts val="1200"/>
               </a:spcBef>
@@ -8313,7 +8469,7 @@
               <a:buNone/>
             </a:pPr>
             <a:r>
-              <a:rPr b="1" lang="en" sz="1100">
+              <a:rPr lang="en" sz="1100" b="1">
                 <a:latin typeface="Roboto"/>
                 <a:ea typeface="Roboto"/>
                 <a:cs typeface="Roboto"/>
@@ -8329,7 +8485,7 @@
             </a:endParaRPr>
           </a:p>
           <a:p>
-            <a:pPr indent="0" lvl="0" marL="0" rtl="0" algn="l">
+            <a:pPr marL="0" lvl="0" indent="0" algn="l" rtl="0">
               <a:spcBef>
                 <a:spcPts val="1200"/>
               </a:spcBef>
@@ -8360,7 +8516,7 @@
             </a:endParaRPr>
           </a:p>
           <a:p>
-            <a:pPr indent="0" lvl="0" marL="0" rtl="0" algn="l">
+            <a:pPr marL="0" lvl="0" indent="0" algn="l" rtl="0">
               <a:spcBef>
                 <a:spcPts val="1200"/>
               </a:spcBef>
@@ -8391,7 +8547,7 @@
             </a:endParaRPr>
           </a:p>
           <a:p>
-            <a:pPr indent="0" lvl="0" marL="0" rtl="0" algn="l">
+            <a:pPr marL="0" lvl="0" indent="0" algn="l" rtl="0">
               <a:spcBef>
                 <a:spcPts val="1200"/>
               </a:spcBef>
@@ -8422,7 +8578,7 @@
             </a:endParaRPr>
           </a:p>
           <a:p>
-            <a:pPr indent="0" lvl="0" marL="0" rtl="0" algn="l">
+            <a:pPr marL="0" lvl="0" indent="0" algn="l" rtl="0">
               <a:spcBef>
                 <a:spcPts val="1200"/>
               </a:spcBef>
@@ -8453,7 +8609,7 @@
             </a:endParaRPr>
           </a:p>
           <a:p>
-            <a:pPr indent="0" lvl="0" marL="0" rtl="0" algn="l">
+            <a:pPr marL="0" lvl="0" indent="0" algn="l" rtl="0">
               <a:spcBef>
                 <a:spcPts val="1200"/>
               </a:spcBef>
@@ -8462,9 +8618,6 @@
               </a:spcAft>
               <a:buNone/>
             </a:pPr>
-            <a:r>
-              <a:t/>
-            </a:r>
             <a:endParaRPr sz="1100">
               <a:latin typeface="Roboto"/>
               <a:ea typeface="Roboto"/>
@@ -8483,11 +8636,11 @@
 </file>
 
 <file path=ppt/slides/slide5.xml><?xml version="1.0" encoding="utf-8"?>
-<p:sld xmlns:a="http://schemas.openxmlformats.org/drawingml/2006/main" xmlns:r="http://schemas.openxmlformats.org/officeDocument/2006/relationships" xmlns:mc="http://schemas.openxmlformats.org/markup-compatibility/2006" xmlns:mv="urn:schemas-microsoft-com:mac:vml" xmlns:p="http://schemas.openxmlformats.org/presentationml/2006/main" xmlns:c="http://schemas.openxmlformats.org/drawingml/2006/chart" xmlns:dgm="http://schemas.openxmlformats.org/drawingml/2006/diagram" xmlns:o="urn:schemas-microsoft-com:office:office" xmlns:v="urn:schemas-microsoft-com:vml" xmlns:pvml="urn:schemas-microsoft-com:office:powerpoint" xmlns:com="http://schemas.openxmlformats.org/drawingml/2006/compatibility" xmlns:p14="http://schemas.microsoft.com/office/powerpoint/2010/main" xmlns:p15="http://schemas.microsoft.com/office/powerpoint/2012/main" xmlns:ahyp="http://schemas.microsoft.com/office/drawing/2018/hyperlinkcolor">
+<p:sld xmlns:a="http://schemas.openxmlformats.org/drawingml/2006/main" xmlns:r="http://schemas.openxmlformats.org/officeDocument/2006/relationships" xmlns:p="http://schemas.openxmlformats.org/presentationml/2006/main">
   <p:cSld>
     <p:spTree>
       <p:nvGrpSpPr>
-        <p:cNvPr id="85" name="Shape 85"/>
+        <p:cNvPr id="1" name="Shape 85"/>
         <p:cNvGrpSpPr/>
         <p:nvPr/>
       </p:nvGrpSpPr>
@@ -8502,7 +8655,9 @@
       <p:sp>
         <p:nvSpPr>
           <p:cNvPr id="86" name="Google Shape;86;p17"/>
-          <p:cNvSpPr txBox="1"/>
+          <p:cNvSpPr txBox="1">
+            <a:spLocks noGrp="1"/>
+          </p:cNvSpPr>
           <p:nvPr>
             <p:ph type="title"/>
           </p:nvPr>
@@ -8517,12 +8672,12 @@
           </a:prstGeom>
         </p:spPr>
         <p:txBody>
-          <a:bodyPr anchorCtr="0" anchor="t" bIns="91425" lIns="91425" spcFirstLastPara="1" rIns="91425" wrap="square" tIns="91425">
+          <a:bodyPr spcFirstLastPara="1" wrap="square" lIns="91425" tIns="91425" rIns="91425" bIns="91425" anchor="t" anchorCtr="0">
             <a:noAutofit/>
           </a:bodyPr>
           <a:lstStyle/>
           <a:p>
-            <a:pPr indent="0" lvl="0" marL="0" rtl="0" algn="ctr">
+            <a:pPr marL="0" lvl="0" indent="0" algn="ctr" rtl="0">
               <a:spcBef>
                 <a:spcPts val="0"/>
               </a:spcBef>
@@ -8533,7 +8688,7 @@
               <a:buNone/>
             </a:pPr>
             <a:r>
-              <a:rPr b="1" lang="en" sz="1500" u="sng">
+              <a:rPr lang="en" sz="1500" b="1" u="sng">
                 <a:latin typeface="Roboto"/>
                 <a:ea typeface="Roboto"/>
                 <a:cs typeface="Roboto"/>
@@ -8541,7 +8696,7 @@
               </a:rPr>
               <a:t>Future Scope </a:t>
             </a:r>
-            <a:endParaRPr b="1" sz="1500" u="sng">
+            <a:endParaRPr sz="1500" b="1" u="sng">
               <a:latin typeface="Roboto"/>
               <a:ea typeface="Roboto"/>
               <a:cs typeface="Roboto"/>
@@ -8553,9 +8708,11 @@
       <p:sp>
         <p:nvSpPr>
           <p:cNvPr id="87" name="Google Shape;87;p17"/>
-          <p:cNvSpPr txBox="1"/>
+          <p:cNvSpPr txBox="1">
+            <a:spLocks noGrp="1"/>
+          </p:cNvSpPr>
           <p:nvPr>
-            <p:ph idx="1" type="body"/>
+            <p:ph type="body" idx="1"/>
           </p:nvPr>
         </p:nvSpPr>
         <p:spPr>
@@ -8568,12 +8725,12 @@
           </a:prstGeom>
         </p:spPr>
         <p:txBody>
-          <a:bodyPr anchorCtr="0" anchor="t" bIns="91425" lIns="91425" spcFirstLastPara="1" rIns="91425" wrap="square" tIns="91425">
+          <a:bodyPr spcFirstLastPara="1" wrap="square" lIns="91425" tIns="91425" rIns="91425" bIns="91425" anchor="t" anchorCtr="0">
             <a:noAutofit/>
           </a:bodyPr>
           <a:lstStyle/>
           <a:p>
-            <a:pPr indent="0" lvl="0" marL="0" rtl="0" algn="l">
+            <a:pPr marL="0" lvl="0" indent="0" algn="l" rtl="0">
               <a:lnSpc>
                 <a:spcPct val="105000"/>
               </a:lnSpc>
@@ -8591,7 +8748,7 @@
               <a:buNone/>
             </a:pPr>
             <a:r>
-              <a:rPr b="1" lang="en" sz="1200">
+              <a:rPr lang="en" sz="1200" b="1">
                 <a:latin typeface="Roboto"/>
                 <a:ea typeface="Roboto"/>
                 <a:cs typeface="Roboto"/>
@@ -8616,7 +8773,7 @@
             </a:endParaRPr>
           </a:p>
           <a:p>
-            <a:pPr indent="0" lvl="0" marL="0" rtl="0" algn="l">
+            <a:pPr marL="0" lvl="0" indent="0" algn="l" rtl="0">
               <a:lnSpc>
                 <a:spcPct val="105000"/>
               </a:lnSpc>
@@ -8634,7 +8791,7 @@
               <a:buNone/>
             </a:pPr>
             <a:r>
-              <a:rPr b="1" lang="en" sz="1200">
+              <a:rPr lang="en" sz="1200" b="1">
                 <a:latin typeface="Roboto"/>
                 <a:ea typeface="Roboto"/>
                 <a:cs typeface="Roboto"/>
@@ -8659,7 +8816,7 @@
             </a:endParaRPr>
           </a:p>
           <a:p>
-            <a:pPr indent="0" lvl="0" marL="0" rtl="0" algn="l">
+            <a:pPr marL="0" lvl="0" indent="0" algn="l" rtl="0">
               <a:lnSpc>
                 <a:spcPct val="105000"/>
               </a:lnSpc>
@@ -8677,7 +8834,7 @@
               <a:buNone/>
             </a:pPr>
             <a:r>
-              <a:rPr b="1" lang="en" sz="1200">
+              <a:rPr lang="en" sz="1200" b="1">
                 <a:latin typeface="Roboto"/>
                 <a:ea typeface="Roboto"/>
                 <a:cs typeface="Roboto"/>
@@ -8702,7 +8859,7 @@
             </a:endParaRPr>
           </a:p>
           <a:p>
-            <a:pPr indent="0" lvl="0" marL="0" rtl="0" algn="l">
+            <a:pPr marL="0" lvl="0" indent="0" algn="l" rtl="0">
               <a:lnSpc>
                 <a:spcPct val="105000"/>
               </a:lnSpc>
@@ -8720,7 +8877,7 @@
               <a:buNone/>
             </a:pPr>
             <a:r>
-              <a:rPr b="1" lang="en" sz="1200">
+              <a:rPr lang="en" sz="1200" b="1">
                 <a:latin typeface="Roboto"/>
                 <a:ea typeface="Roboto"/>
                 <a:cs typeface="Roboto"/>
@@ -8745,7 +8902,7 @@
             </a:endParaRPr>
           </a:p>
           <a:p>
-            <a:pPr indent="0" lvl="0" marL="0" rtl="0" algn="l">
+            <a:pPr marL="0" lvl="0" indent="0" algn="l" rtl="0">
               <a:lnSpc>
                 <a:spcPct val="105000"/>
               </a:lnSpc>
@@ -8763,7 +8920,7 @@
               <a:buNone/>
             </a:pPr>
             <a:r>
-              <a:rPr b="1" lang="en" sz="1200">
+              <a:rPr lang="en" sz="1200" b="1">
                 <a:latin typeface="Roboto"/>
                 <a:ea typeface="Roboto"/>
                 <a:cs typeface="Roboto"/>
@@ -8788,7 +8945,7 @@
             </a:endParaRPr>
           </a:p>
           <a:p>
-            <a:pPr indent="0" lvl="0" marL="0" rtl="0" algn="l">
+            <a:pPr marL="0" lvl="0" indent="0" algn="l" rtl="0">
               <a:lnSpc>
                 <a:spcPct val="105000"/>
               </a:lnSpc>
@@ -8806,7 +8963,7 @@
               <a:buNone/>
             </a:pPr>
             <a:r>
-              <a:rPr b="1" lang="en" sz="1200">
+              <a:rPr lang="en" sz="1200" b="1">
                 <a:latin typeface="Roboto"/>
                 <a:ea typeface="Roboto"/>
                 <a:cs typeface="Roboto"/>
@@ -8831,7 +8988,7 @@
             </a:endParaRPr>
           </a:p>
           <a:p>
-            <a:pPr indent="0" lvl="0" marL="0" rtl="0" algn="l">
+            <a:pPr marL="0" lvl="0" indent="0" algn="l" rtl="0">
               <a:lnSpc>
                 <a:spcPct val="105000"/>
               </a:lnSpc>
@@ -8849,7 +9006,7 @@
               <a:buNone/>
             </a:pPr>
             <a:r>
-              <a:rPr b="1" lang="en" sz="1200">
+              <a:rPr lang="en" sz="1200" b="1">
                 <a:latin typeface="Roboto"/>
                 <a:ea typeface="Roboto"/>
                 <a:cs typeface="Roboto"/>
@@ -8874,7 +9031,7 @@
             </a:endParaRPr>
           </a:p>
           <a:p>
-            <a:pPr indent="0" lvl="0" marL="0" rtl="0" algn="l">
+            <a:pPr marL="0" lvl="0" indent="0" algn="l" rtl="0">
               <a:lnSpc>
                 <a:spcPct val="105000"/>
               </a:lnSpc>
@@ -8886,9 +9043,6 @@
               </a:spcAft>
               <a:buNone/>
             </a:pPr>
-            <a:r>
-              <a:t/>
-            </a:r>
             <a:endParaRPr sz="1200">
               <a:latin typeface="Roboto"/>
               <a:ea typeface="Roboto"/>
@@ -8907,11 +9061,11 @@
 </file>
 
 <file path=ppt/slides/slide6.xml><?xml version="1.0" encoding="utf-8"?>
-<p:sld xmlns:a="http://schemas.openxmlformats.org/drawingml/2006/main" xmlns:r="http://schemas.openxmlformats.org/officeDocument/2006/relationships" xmlns:mc="http://schemas.openxmlformats.org/markup-compatibility/2006" xmlns:mv="urn:schemas-microsoft-com:mac:vml" xmlns:p="http://schemas.openxmlformats.org/presentationml/2006/main" xmlns:c="http://schemas.openxmlformats.org/drawingml/2006/chart" xmlns:dgm="http://schemas.openxmlformats.org/drawingml/2006/diagram" xmlns:o="urn:schemas-microsoft-com:office:office" xmlns:v="urn:schemas-microsoft-com:vml" xmlns:pvml="urn:schemas-microsoft-com:office:powerpoint" xmlns:com="http://schemas.openxmlformats.org/drawingml/2006/compatibility" xmlns:p14="http://schemas.microsoft.com/office/powerpoint/2010/main" xmlns:p15="http://schemas.microsoft.com/office/powerpoint/2012/main" xmlns:ahyp="http://schemas.microsoft.com/office/drawing/2018/hyperlinkcolor">
+<p:sld xmlns:a="http://schemas.openxmlformats.org/drawingml/2006/main" xmlns:r="http://schemas.openxmlformats.org/officeDocument/2006/relationships" xmlns:p="http://schemas.openxmlformats.org/presentationml/2006/main">
   <p:cSld>
     <p:spTree>
       <p:nvGrpSpPr>
-        <p:cNvPr id="91" name="Shape 91"/>
+        <p:cNvPr id="1" name="Shape 91"/>
         <p:cNvGrpSpPr/>
         <p:nvPr/>
       </p:nvGrpSpPr>
@@ -8926,7 +9080,9 @@
       <p:sp>
         <p:nvSpPr>
           <p:cNvPr id="92" name="Google Shape;92;p18"/>
-          <p:cNvSpPr txBox="1"/>
+          <p:cNvSpPr txBox="1">
+            <a:spLocks noGrp="1"/>
+          </p:cNvSpPr>
           <p:nvPr>
             <p:ph type="title"/>
           </p:nvPr>
@@ -8941,12 +9097,12 @@
           </a:prstGeom>
         </p:spPr>
         <p:txBody>
-          <a:bodyPr anchorCtr="0" anchor="t" bIns="91425" lIns="91425" spcFirstLastPara="1" rIns="91425" wrap="square" tIns="91425">
+          <a:bodyPr spcFirstLastPara="1" wrap="square" lIns="91425" tIns="91425" rIns="91425" bIns="91425" anchor="t" anchorCtr="0">
             <a:noAutofit/>
           </a:bodyPr>
           <a:lstStyle/>
           <a:p>
-            <a:pPr indent="0" lvl="0" marL="0" rtl="0" algn="ctr">
+            <a:pPr marL="0" lvl="0" indent="0" algn="ctr" rtl="0">
               <a:spcBef>
                 <a:spcPts val="0"/>
               </a:spcBef>
@@ -8957,7 +9113,7 @@
               <a:buNone/>
             </a:pPr>
             <a:r>
-              <a:rPr b="1" lang="en" sz="1500" u="sng">
+              <a:rPr lang="en" sz="1500" b="1" u="sng">
                 <a:latin typeface="Roboto"/>
                 <a:ea typeface="Roboto"/>
                 <a:cs typeface="Roboto"/>
@@ -8965,7 +9121,7 @@
               </a:rPr>
               <a:t>Technical Overview </a:t>
             </a:r>
-            <a:endParaRPr b="1" sz="1500" u="sng">
+            <a:endParaRPr sz="1500" b="1" u="sng">
               <a:latin typeface="Roboto"/>
               <a:ea typeface="Roboto"/>
               <a:cs typeface="Roboto"/>
@@ -8977,9 +9133,11 @@
       <p:sp>
         <p:nvSpPr>
           <p:cNvPr id="93" name="Google Shape;93;p18"/>
-          <p:cNvSpPr txBox="1"/>
+          <p:cNvSpPr txBox="1">
+            <a:spLocks noGrp="1"/>
+          </p:cNvSpPr>
           <p:nvPr>
-            <p:ph idx="1" type="body"/>
+            <p:ph type="body" idx="1"/>
           </p:nvPr>
         </p:nvSpPr>
         <p:spPr>
@@ -8992,12 +9150,12 @@
           </a:prstGeom>
         </p:spPr>
         <p:txBody>
-          <a:bodyPr anchorCtr="0" anchor="t" bIns="91425" lIns="91425" spcFirstLastPara="1" rIns="91425" wrap="square" tIns="91425">
+          <a:bodyPr spcFirstLastPara="1" wrap="square" lIns="91425" tIns="91425" rIns="91425" bIns="91425" anchor="t" anchorCtr="0">
             <a:noAutofit/>
           </a:bodyPr>
           <a:lstStyle/>
           <a:p>
-            <a:pPr indent="0" lvl="0" marL="0" rtl="0" algn="l">
+            <a:pPr marL="0" lvl="0" indent="0" algn="l" rtl="0">
               <a:lnSpc>
                 <a:spcPct val="105000"/>
               </a:lnSpc>
@@ -9015,7 +9173,7 @@
               <a:buNone/>
             </a:pPr>
             <a:r>
-              <a:rPr b="1" lang="en" sz="1200">
+              <a:rPr lang="en" sz="1200" b="1">
                 <a:latin typeface="Roboto"/>
                 <a:ea typeface="Roboto"/>
                 <a:cs typeface="Roboto"/>
@@ -9040,7 +9198,7 @@
             </a:endParaRPr>
           </a:p>
           <a:p>
-            <a:pPr indent="0" lvl="0" marL="0" rtl="0" algn="l">
+            <a:pPr marL="0" lvl="0" indent="0" algn="l" rtl="0">
               <a:lnSpc>
                 <a:spcPct val="105000"/>
               </a:lnSpc>
@@ -9058,7 +9216,7 @@
               <a:buNone/>
             </a:pPr>
             <a:r>
-              <a:rPr b="1" lang="en" sz="1200">
+              <a:rPr lang="en" sz="1200" b="1">
                 <a:latin typeface="Roboto"/>
                 <a:ea typeface="Roboto"/>
                 <a:cs typeface="Roboto"/>
@@ -9083,7 +9241,7 @@
             </a:endParaRPr>
           </a:p>
           <a:p>
-            <a:pPr indent="0" lvl="0" marL="0" rtl="0" algn="l">
+            <a:pPr marL="0" lvl="0" indent="0" algn="l" rtl="0">
               <a:lnSpc>
                 <a:spcPct val="105000"/>
               </a:lnSpc>
@@ -9101,7 +9259,7 @@
               <a:buNone/>
             </a:pPr>
             <a:r>
-              <a:rPr b="1" lang="en" sz="1200">
+              <a:rPr lang="en" sz="1200" b="1">
                 <a:latin typeface="Roboto"/>
                 <a:ea typeface="Roboto"/>
                 <a:cs typeface="Roboto"/>
@@ -9126,7 +9284,7 @@
             </a:endParaRPr>
           </a:p>
           <a:p>
-            <a:pPr indent="0" lvl="0" marL="0" rtl="0" algn="l">
+            <a:pPr marL="0" lvl="0" indent="0" algn="l" rtl="0">
               <a:lnSpc>
                 <a:spcPct val="105000"/>
               </a:lnSpc>
@@ -9144,7 +9302,7 @@
               <a:buNone/>
             </a:pPr>
             <a:r>
-              <a:rPr b="1" lang="en" sz="1200">
+              <a:rPr lang="en" sz="1200" b="1">
                 <a:latin typeface="Roboto"/>
                 <a:ea typeface="Roboto"/>
                 <a:cs typeface="Roboto"/>
@@ -9169,7 +9327,7 @@
             </a:endParaRPr>
           </a:p>
           <a:p>
-            <a:pPr indent="0" lvl="0" marL="0" rtl="0" algn="l">
+            <a:pPr marL="0" lvl="0" indent="0" algn="l" rtl="0">
               <a:lnSpc>
                 <a:spcPct val="105000"/>
               </a:lnSpc>
@@ -9187,7 +9345,7 @@
               <a:buNone/>
             </a:pPr>
             <a:r>
-              <a:rPr b="1" lang="en" sz="1200">
+              <a:rPr lang="en" sz="1200" b="1">
                 <a:latin typeface="Roboto"/>
                 <a:ea typeface="Roboto"/>
                 <a:cs typeface="Roboto"/>
@@ -9212,7 +9370,7 @@
             </a:endParaRPr>
           </a:p>
           <a:p>
-            <a:pPr indent="0" lvl="0" marL="0" rtl="0" algn="l">
+            <a:pPr marL="0" lvl="0" indent="0" algn="l" rtl="0">
               <a:lnSpc>
                 <a:spcPct val="105000"/>
               </a:lnSpc>
@@ -9230,7 +9388,7 @@
               <a:buNone/>
             </a:pPr>
             <a:r>
-              <a:rPr b="1" lang="en" sz="1200">
+              <a:rPr lang="en" sz="1200" b="1">
                 <a:latin typeface="Roboto"/>
                 <a:ea typeface="Roboto"/>
                 <a:cs typeface="Roboto"/>
@@ -9255,7 +9413,7 @@
             </a:endParaRPr>
           </a:p>
           <a:p>
-            <a:pPr indent="0" lvl="0" marL="0" rtl="0" algn="l">
+            <a:pPr marL="0" lvl="0" indent="0" algn="l" rtl="0">
               <a:lnSpc>
                 <a:spcPct val="105000"/>
               </a:lnSpc>
@@ -9273,7 +9431,7 @@
               <a:buNone/>
             </a:pPr>
             <a:r>
-              <a:rPr b="1" lang="en" sz="1200">
+              <a:rPr lang="en" sz="1200" b="1">
                 <a:latin typeface="Roboto"/>
                 <a:ea typeface="Roboto"/>
                 <a:cs typeface="Roboto"/>
@@ -9298,7 +9456,7 @@
             </a:endParaRPr>
           </a:p>
           <a:p>
-            <a:pPr indent="0" lvl="0" marL="0" rtl="0" algn="l">
+            <a:pPr marL="0" lvl="0" indent="0" algn="l" rtl="0">
               <a:lnSpc>
                 <a:spcPct val="105000"/>
               </a:lnSpc>
@@ -9316,7 +9474,7 @@
               <a:buNone/>
             </a:pPr>
             <a:r>
-              <a:rPr b="1" lang="en" sz="1200">
+              <a:rPr lang="en" sz="1200" b="1">
                 <a:latin typeface="Roboto"/>
                 <a:ea typeface="Roboto"/>
                 <a:cs typeface="Roboto"/>
@@ -9341,7 +9499,7 @@
             </a:endParaRPr>
           </a:p>
           <a:p>
-            <a:pPr indent="0" lvl="0" marL="0" rtl="0" algn="l">
+            <a:pPr marL="0" lvl="0" indent="0" algn="l" rtl="0">
               <a:lnSpc>
                 <a:spcPct val="105000"/>
               </a:lnSpc>
@@ -9359,7 +9517,7 @@
               <a:buNone/>
             </a:pPr>
             <a:r>
-              <a:rPr b="1" lang="en" sz="1200">
+              <a:rPr lang="en" sz="1200" b="1">
                 <a:latin typeface="Roboto"/>
                 <a:ea typeface="Roboto"/>
                 <a:cs typeface="Roboto"/>
@@ -9384,7 +9542,7 @@
             </a:endParaRPr>
           </a:p>
           <a:p>
-            <a:pPr indent="0" lvl="0" marL="0" rtl="0" algn="l">
+            <a:pPr marL="0" lvl="0" indent="0" algn="l" rtl="0">
               <a:lnSpc>
                 <a:spcPct val="105000"/>
               </a:lnSpc>
@@ -9396,9 +9554,6 @@
               </a:spcAft>
               <a:buNone/>
             </a:pPr>
-            <a:r>
-              <a:t/>
-            </a:r>
             <a:endParaRPr sz="1200">
               <a:latin typeface="Roboto"/>
               <a:ea typeface="Roboto"/>
@@ -9417,11 +9572,11 @@
 </file>
 
 <file path=ppt/slides/slide7.xml><?xml version="1.0" encoding="utf-8"?>
-<p:sld xmlns:a="http://schemas.openxmlformats.org/drawingml/2006/main" xmlns:r="http://schemas.openxmlformats.org/officeDocument/2006/relationships" xmlns:mc="http://schemas.openxmlformats.org/markup-compatibility/2006" xmlns:mv="urn:schemas-microsoft-com:mac:vml" xmlns:p="http://schemas.openxmlformats.org/presentationml/2006/main" xmlns:c="http://schemas.openxmlformats.org/drawingml/2006/chart" xmlns:dgm="http://schemas.openxmlformats.org/drawingml/2006/diagram" xmlns:o="urn:schemas-microsoft-com:office:office" xmlns:v="urn:schemas-microsoft-com:vml" xmlns:pvml="urn:schemas-microsoft-com:office:powerpoint" xmlns:com="http://schemas.openxmlformats.org/drawingml/2006/compatibility" xmlns:p14="http://schemas.microsoft.com/office/powerpoint/2010/main" xmlns:p15="http://schemas.microsoft.com/office/powerpoint/2012/main" xmlns:ahyp="http://schemas.microsoft.com/office/drawing/2018/hyperlinkcolor">
+<p:sld xmlns:a="http://schemas.openxmlformats.org/drawingml/2006/main" xmlns:r="http://schemas.openxmlformats.org/officeDocument/2006/relationships" xmlns:p="http://schemas.openxmlformats.org/presentationml/2006/main">
   <p:cSld>
     <p:spTree>
       <p:nvGrpSpPr>
-        <p:cNvPr id="97" name="Shape 97"/>
+        <p:cNvPr id="1" name="Shape 97"/>
         <p:cNvGrpSpPr/>
         <p:nvPr/>
       </p:nvGrpSpPr>
@@ -9436,7 +9591,9 @@
       <p:sp>
         <p:nvSpPr>
           <p:cNvPr id="98" name="Google Shape;98;p19"/>
-          <p:cNvSpPr txBox="1"/>
+          <p:cNvSpPr txBox="1">
+            <a:spLocks noGrp="1"/>
+          </p:cNvSpPr>
           <p:nvPr>
             <p:ph type="title"/>
           </p:nvPr>
@@ -9451,12 +9608,12 @@
           </a:prstGeom>
         </p:spPr>
         <p:txBody>
-          <a:bodyPr anchorCtr="0" anchor="t" bIns="91425" lIns="91425" spcFirstLastPara="1" rIns="91425" wrap="square" tIns="91425">
+          <a:bodyPr spcFirstLastPara="1" wrap="square" lIns="91425" tIns="91425" rIns="91425" bIns="91425" anchor="t" anchorCtr="0">
             <a:noAutofit/>
           </a:bodyPr>
           <a:lstStyle/>
           <a:p>
-            <a:pPr indent="0" lvl="0" marL="0" rtl="0" algn="ctr">
+            <a:pPr marL="0" lvl="0" indent="0" algn="ctr" rtl="0">
               <a:spcBef>
                 <a:spcPts val="0"/>
               </a:spcBef>
@@ -9467,7 +9624,7 @@
               <a:buNone/>
             </a:pPr>
             <a:r>
-              <a:rPr b="1" lang="en" sz="1500" u="sng">
+              <a:rPr lang="en" sz="1500" b="1" u="sng">
                 <a:latin typeface="Roboto"/>
                 <a:ea typeface="Roboto"/>
                 <a:cs typeface="Roboto"/>
@@ -9475,7 +9632,7 @@
               </a:rPr>
               <a:t>Execution</a:t>
             </a:r>
-            <a:endParaRPr b="1" sz="1500" u="sng">
+            <a:endParaRPr sz="1500" b="1" u="sng">
               <a:latin typeface="Roboto"/>
               <a:ea typeface="Roboto"/>
               <a:cs typeface="Roboto"/>
@@ -9487,9 +9644,11 @@
       <p:sp>
         <p:nvSpPr>
           <p:cNvPr id="99" name="Google Shape;99;p19"/>
-          <p:cNvSpPr txBox="1"/>
+          <p:cNvSpPr txBox="1">
+            <a:spLocks noGrp="1"/>
+          </p:cNvSpPr>
           <p:nvPr>
-            <p:ph idx="1" type="body"/>
+            <p:ph type="body" idx="1"/>
           </p:nvPr>
         </p:nvSpPr>
         <p:spPr>
@@ -9502,12 +9661,12 @@
           </a:prstGeom>
         </p:spPr>
         <p:txBody>
-          <a:bodyPr anchorCtr="0" anchor="t" bIns="91425" lIns="91425" spcFirstLastPara="1" rIns="91425" wrap="square" tIns="91425">
+          <a:bodyPr spcFirstLastPara="1" wrap="square" lIns="91425" tIns="91425" rIns="91425" bIns="91425" anchor="t" anchorCtr="0">
             <a:noAutofit/>
           </a:bodyPr>
           <a:lstStyle/>
           <a:p>
-            <a:pPr indent="0" lvl="0" marL="0" rtl="0" algn="l">
+            <a:pPr marL="0" lvl="0" indent="0" algn="l" rtl="0">
               <a:lnSpc>
                 <a:spcPct val="95000"/>
               </a:lnSpc>
@@ -9525,7 +9684,7 @@
               <a:buNone/>
             </a:pPr>
             <a:r>
-              <a:rPr b="1" lang="en" sz="1200">
+              <a:rPr lang="en" sz="1200" b="1">
                 <a:latin typeface="Roboto"/>
                 <a:ea typeface="Roboto"/>
                 <a:cs typeface="Roboto"/>
@@ -9550,7 +9709,7 @@
             </a:endParaRPr>
           </a:p>
           <a:p>
-            <a:pPr indent="0" lvl="0" marL="0" rtl="0" algn="l">
+            <a:pPr marL="0" lvl="0" indent="0" algn="l" rtl="0">
               <a:lnSpc>
                 <a:spcPct val="95000"/>
               </a:lnSpc>
@@ -9568,7 +9727,7 @@
               <a:buNone/>
             </a:pPr>
             <a:r>
-              <a:rPr b="1" lang="en" sz="1200">
+              <a:rPr lang="en" sz="1200" b="1">
                 <a:latin typeface="Roboto"/>
                 <a:ea typeface="Roboto"/>
                 <a:cs typeface="Roboto"/>
@@ -9593,7 +9752,7 @@
             </a:endParaRPr>
           </a:p>
           <a:p>
-            <a:pPr indent="0" lvl="0" marL="0" rtl="0" algn="l">
+            <a:pPr marL="0" lvl="0" indent="0" algn="l" rtl="0">
               <a:lnSpc>
                 <a:spcPct val="95000"/>
               </a:lnSpc>
@@ -9611,7 +9770,7 @@
               <a:buNone/>
             </a:pPr>
             <a:r>
-              <a:rPr b="1" lang="en" sz="1200">
+              <a:rPr lang="en" sz="1200" b="1">
                 <a:latin typeface="Roboto"/>
                 <a:ea typeface="Roboto"/>
                 <a:cs typeface="Roboto"/>
@@ -9636,7 +9795,7 @@
             </a:endParaRPr>
           </a:p>
           <a:p>
-            <a:pPr indent="0" lvl="0" marL="0" rtl="0" algn="l">
+            <a:pPr marL="0" lvl="0" indent="0" algn="l" rtl="0">
               <a:lnSpc>
                 <a:spcPct val="95000"/>
               </a:lnSpc>
@@ -9654,7 +9813,7 @@
               <a:buNone/>
             </a:pPr>
             <a:r>
-              <a:rPr b="1" lang="en" sz="1200">
+              <a:rPr lang="en" sz="1200" b="1">
                 <a:latin typeface="Roboto"/>
                 <a:ea typeface="Roboto"/>
                 <a:cs typeface="Roboto"/>
@@ -9679,7 +9838,7 @@
             </a:endParaRPr>
           </a:p>
           <a:p>
-            <a:pPr indent="0" lvl="0" marL="0" rtl="0" algn="l">
+            <a:pPr marL="0" lvl="0" indent="0" algn="l" rtl="0">
               <a:lnSpc>
                 <a:spcPct val="95000"/>
               </a:lnSpc>
@@ -9697,7 +9856,7 @@
               <a:buNone/>
             </a:pPr>
             <a:r>
-              <a:rPr b="1" lang="en" sz="1200">
+              <a:rPr lang="en" sz="1200" b="1">
                 <a:latin typeface="Roboto"/>
                 <a:ea typeface="Roboto"/>
                 <a:cs typeface="Roboto"/>
@@ -9722,7 +9881,7 @@
             </a:endParaRPr>
           </a:p>
           <a:p>
-            <a:pPr indent="0" lvl="0" marL="0" rtl="0" algn="l">
+            <a:pPr marL="0" lvl="0" indent="0" algn="l" rtl="0">
               <a:lnSpc>
                 <a:spcPct val="95000"/>
               </a:lnSpc>
@@ -9740,7 +9899,7 @@
               <a:buNone/>
             </a:pPr>
             <a:r>
-              <a:rPr b="1" lang="en" sz="1200">
+              <a:rPr lang="en" sz="1200" b="1">
                 <a:latin typeface="Roboto"/>
                 <a:ea typeface="Roboto"/>
                 <a:cs typeface="Roboto"/>
@@ -9765,7 +9924,7 @@
             </a:endParaRPr>
           </a:p>
           <a:p>
-            <a:pPr indent="0" lvl="0" marL="0" rtl="0" algn="l">
+            <a:pPr marL="0" lvl="0" indent="0" algn="l" rtl="0">
               <a:lnSpc>
                 <a:spcPct val="95000"/>
               </a:lnSpc>
@@ -9783,7 +9942,7 @@
               <a:buNone/>
             </a:pPr>
             <a:r>
-              <a:rPr b="1" lang="en" sz="1200">
+              <a:rPr lang="en" sz="1200" b="1">
                 <a:latin typeface="Roboto"/>
                 <a:ea typeface="Roboto"/>
                 <a:cs typeface="Roboto"/>
@@ -9808,7 +9967,7 @@
             </a:endParaRPr>
           </a:p>
           <a:p>
-            <a:pPr indent="0" lvl="0" marL="0" rtl="0" algn="l">
+            <a:pPr marL="0" lvl="0" indent="0" algn="l" rtl="0">
               <a:lnSpc>
                 <a:spcPct val="95000"/>
               </a:lnSpc>
@@ -9826,7 +9985,7 @@
               <a:buNone/>
             </a:pPr>
             <a:r>
-              <a:rPr b="1" lang="en" sz="1200">
+              <a:rPr lang="en" sz="1200" b="1">
                 <a:latin typeface="Roboto"/>
                 <a:ea typeface="Roboto"/>
                 <a:cs typeface="Roboto"/>
@@ -9851,7 +10010,7 @@
             </a:endParaRPr>
           </a:p>
           <a:p>
-            <a:pPr indent="0" lvl="0" marL="0" rtl="0" algn="l">
+            <a:pPr marL="0" lvl="0" indent="0" algn="l" rtl="0">
               <a:lnSpc>
                 <a:spcPct val="95000"/>
               </a:lnSpc>
@@ -9869,7 +10028,7 @@
               <a:buNone/>
             </a:pPr>
             <a:r>
-              <a:rPr b="1" lang="en" sz="1200">
+              <a:rPr lang="en" sz="1200" b="1">
                 <a:latin typeface="Roboto"/>
                 <a:ea typeface="Roboto"/>
                 <a:cs typeface="Roboto"/>
@@ -9894,7 +10053,7 @@
             </a:endParaRPr>
           </a:p>
           <a:p>
-            <a:pPr indent="0" lvl="0" marL="0" rtl="0" algn="l">
+            <a:pPr marL="0" lvl="0" indent="0" algn="l" rtl="0">
               <a:lnSpc>
                 <a:spcPct val="95000"/>
               </a:lnSpc>
@@ -9907,9 +10066,6 @@
               <a:buSzPts val="1018"/>
               <a:buNone/>
             </a:pPr>
-            <a:r>
-              <a:t/>
-            </a:r>
             <a:endParaRPr sz="1200">
               <a:latin typeface="Roboto"/>
               <a:ea typeface="Roboto"/>
@@ -9928,11 +10084,11 @@
 </file>
 
 <file path=ppt/slides/slide8.xml><?xml version="1.0" encoding="utf-8"?>
-<p:sld xmlns:a="http://schemas.openxmlformats.org/drawingml/2006/main" xmlns:r="http://schemas.openxmlformats.org/officeDocument/2006/relationships" xmlns:mc="http://schemas.openxmlformats.org/markup-compatibility/2006" xmlns:mv="urn:schemas-microsoft-com:mac:vml" xmlns:p="http://schemas.openxmlformats.org/presentationml/2006/main" xmlns:c="http://schemas.openxmlformats.org/drawingml/2006/chart" xmlns:dgm="http://schemas.openxmlformats.org/drawingml/2006/diagram" xmlns:o="urn:schemas-microsoft-com:office:office" xmlns:v="urn:schemas-microsoft-com:vml" xmlns:pvml="urn:schemas-microsoft-com:office:powerpoint" xmlns:com="http://schemas.openxmlformats.org/drawingml/2006/compatibility" xmlns:p14="http://schemas.microsoft.com/office/powerpoint/2010/main" xmlns:p15="http://schemas.microsoft.com/office/powerpoint/2012/main" xmlns:ahyp="http://schemas.microsoft.com/office/drawing/2018/hyperlinkcolor">
+<p:sld xmlns:a="http://schemas.openxmlformats.org/drawingml/2006/main" xmlns:r="http://schemas.openxmlformats.org/officeDocument/2006/relationships" xmlns:p="http://schemas.openxmlformats.org/presentationml/2006/main">
   <p:cSld>
     <p:spTree>
       <p:nvGrpSpPr>
-        <p:cNvPr id="103" name="Shape 103"/>
+        <p:cNvPr id="1" name="Shape 103"/>
         <p:cNvGrpSpPr/>
         <p:nvPr/>
       </p:nvGrpSpPr>
@@ -9947,7 +10103,9 @@
       <p:sp>
         <p:nvSpPr>
           <p:cNvPr id="104" name="Google Shape;104;p20"/>
-          <p:cNvSpPr txBox="1"/>
+          <p:cNvSpPr txBox="1">
+            <a:spLocks noGrp="1"/>
+          </p:cNvSpPr>
           <p:nvPr>
             <p:ph type="title"/>
           </p:nvPr>
@@ -9962,12 +10120,12 @@
           </a:prstGeom>
         </p:spPr>
         <p:txBody>
-          <a:bodyPr anchorCtr="0" anchor="b" bIns="91425" lIns="91425" spcFirstLastPara="1" rIns="91425" wrap="square" tIns="91425">
+          <a:bodyPr spcFirstLastPara="1" wrap="square" lIns="91425" tIns="91425" rIns="91425" bIns="91425" anchor="b" anchorCtr="0">
             <a:normAutofit/>
           </a:bodyPr>
           <a:lstStyle/>
           <a:p>
-            <a:pPr indent="0" lvl="0" marL="0" rtl="0" algn="l">
+            <a:pPr marL="0" lvl="0" indent="0" algn="l" rtl="0">
               <a:spcBef>
                 <a:spcPts val="0"/>
               </a:spcBef>
@@ -10003,7 +10161,288 @@
 </file>
 
 <file path=ppt/theme/theme1.xml><?xml version="1.0" encoding="utf-8"?>
-<a:theme xmlns:a="http://schemas.openxmlformats.org/drawingml/2006/main" xmlns:r="http://schemas.openxmlformats.org/officeDocument/2006/relationships">
+<a:theme xmlns:a="http://schemas.openxmlformats.org/drawingml/2006/main" name="Paperback">
+  <a:themeElements>
+    <a:clrScheme name="Paperback">
+      <a:dk1>
+        <a:srgbClr val="000000"/>
+      </a:dk1>
+      <a:lt1>
+        <a:srgbClr val="FFFFFF"/>
+      </a:lt1>
+      <a:dk2>
+        <a:srgbClr val="00695C"/>
+      </a:dk2>
+      <a:lt2>
+        <a:srgbClr val="26A69A"/>
+      </a:lt2>
+      <a:accent1>
+        <a:srgbClr val="FFFBF0"/>
+      </a:accent1>
+      <a:accent2>
+        <a:srgbClr val="B7B7B7"/>
+      </a:accent2>
+      <a:accent3>
+        <a:srgbClr val="FB8C00"/>
+      </a:accent3>
+      <a:accent4>
+        <a:srgbClr val="80CBC4"/>
+      </a:accent4>
+      <a:accent5>
+        <a:srgbClr val="AF4345"/>
+      </a:accent5>
+      <a:accent6>
+        <a:srgbClr val="F58F8F"/>
+      </a:accent6>
+      <a:hlink>
+        <a:srgbClr val="AF4345"/>
+      </a:hlink>
+      <a:folHlink>
+        <a:srgbClr val="AF4345"/>
+      </a:folHlink>
+    </a:clrScheme>
+    <a:fontScheme name="Office">
+      <a:majorFont>
+        <a:latin typeface="Arial"/>
+        <a:ea typeface=""/>
+        <a:cs typeface=""/>
+        <a:font script="Jpan" typeface="ＭＳ Ｐゴシック"/>
+        <a:font script="Hang" typeface="맑은 고딕"/>
+        <a:font script="Hans" typeface="宋体"/>
+        <a:font script="Hant" typeface="新細明體"/>
+        <a:font script="Arab" typeface="Times New Roman"/>
+        <a:font script="Hebr" typeface="Times New Roman"/>
+        <a:font script="Thai" typeface="Angsana New"/>
+        <a:font script="Ethi" typeface="Nyala"/>
+        <a:font script="Beng" typeface="Vrinda"/>
+        <a:font script="Gujr" typeface="Shruti"/>
+        <a:font script="Khmr" typeface="MoolBoran"/>
+        <a:font script="Knda" typeface="Tunga"/>
+        <a:font script="Guru" typeface="Raavi"/>
+        <a:font script="Cans" typeface="Euphemia"/>
+        <a:font script="Cher" typeface="Plantagenet Cherokee"/>
+        <a:font script="Yiii" typeface="Microsoft Yi Baiti"/>
+        <a:font script="Tibt" typeface="Microsoft Himalaya"/>
+        <a:font script="Thaa" typeface="MV Boli"/>
+        <a:font script="Deva" typeface="Mangal"/>
+        <a:font script="Telu" typeface="Gautami"/>
+        <a:font script="Taml" typeface="Latha"/>
+        <a:font script="Syrc" typeface="Estrangelo Edessa"/>
+        <a:font script="Orya" typeface="Kalinga"/>
+        <a:font script="Mlym" typeface="Kartika"/>
+        <a:font script="Laoo" typeface="DokChampa"/>
+        <a:font script="Sinh" typeface="Iskoola Pota"/>
+        <a:font script="Mong" typeface="Mongolian Baiti"/>
+        <a:font script="Viet" typeface="Times New Roman"/>
+        <a:font script="Uigh" typeface="Microsoft Uighur"/>
+        <a:font script="Geor" typeface="Sylfaen"/>
+      </a:majorFont>
+      <a:minorFont>
+        <a:latin typeface="Arial"/>
+        <a:ea typeface=""/>
+        <a:cs typeface=""/>
+        <a:font script="Jpan" typeface="ＭＳ Ｐゴシック"/>
+        <a:font script="Hang" typeface="맑은 고딕"/>
+        <a:font script="Hans" typeface="宋体"/>
+        <a:font script="Hant" typeface="新細明體"/>
+        <a:font script="Arab" typeface="Arial"/>
+        <a:font script="Hebr" typeface="Arial"/>
+        <a:font script="Thai" typeface="Cordia New"/>
+        <a:font script="Ethi" typeface="Nyala"/>
+        <a:font script="Beng" typeface="Vrinda"/>
+        <a:font script="Gujr" typeface="Shruti"/>
+        <a:font script="Khmr" typeface="DaunPenh"/>
+        <a:font script="Knda" typeface="Tunga"/>
+        <a:font script="Guru" typeface="Raavi"/>
+        <a:font script="Cans" typeface="Euphemia"/>
+        <a:font script="Cher" typeface="Plantagenet Cherokee"/>
+        <a:font script="Yiii" typeface="Microsoft Yi Baiti"/>
+        <a:font script="Tibt" typeface="Microsoft Himalaya"/>
+        <a:font script="Thaa" typeface="MV Boli"/>
+        <a:font script="Deva" typeface="Mangal"/>
+        <a:font script="Telu" typeface="Gautami"/>
+        <a:font script="Taml" typeface="Latha"/>
+        <a:font script="Syrc" typeface="Estrangelo Edessa"/>
+        <a:font script="Orya" typeface="Kalinga"/>
+        <a:font script="Mlym" typeface="Kartika"/>
+        <a:font script="Laoo" typeface="DokChampa"/>
+        <a:font script="Sinh" typeface="Iskoola Pota"/>
+        <a:font script="Mong" typeface="Mongolian Baiti"/>
+        <a:font script="Viet" typeface="Arial"/>
+        <a:font script="Uigh" typeface="Microsoft Uighur"/>
+        <a:font script="Geor" typeface="Sylfaen"/>
+      </a:minorFont>
+    </a:fontScheme>
+    <a:fmtScheme name="Office">
+      <a:fillStyleLst>
+        <a:solidFill>
+          <a:schemeClr val="phClr"/>
+        </a:solidFill>
+        <a:gradFill rotWithShape="1">
+          <a:gsLst>
+            <a:gs pos="0">
+              <a:schemeClr val="phClr">
+                <a:tint val="50000"/>
+                <a:satMod val="300000"/>
+              </a:schemeClr>
+            </a:gs>
+            <a:gs pos="35000">
+              <a:schemeClr val="phClr">
+                <a:tint val="37000"/>
+                <a:satMod val="300000"/>
+              </a:schemeClr>
+            </a:gs>
+            <a:gs pos="100000">
+              <a:schemeClr val="phClr">
+                <a:tint val="15000"/>
+                <a:satMod val="350000"/>
+              </a:schemeClr>
+            </a:gs>
+          </a:gsLst>
+          <a:lin ang="16200000" scaled="1"/>
+        </a:gradFill>
+        <a:gradFill rotWithShape="1">
+          <a:gsLst>
+            <a:gs pos="0">
+              <a:schemeClr val="phClr">
+                <a:tint val="100000"/>
+                <a:shade val="100000"/>
+                <a:satMod val="130000"/>
+              </a:schemeClr>
+            </a:gs>
+            <a:gs pos="100000">
+              <a:schemeClr val="phClr">
+                <a:tint val="50000"/>
+                <a:shade val="100000"/>
+                <a:satMod val="350000"/>
+              </a:schemeClr>
+            </a:gs>
+          </a:gsLst>
+          <a:lin ang="16200000" scaled="0"/>
+        </a:gradFill>
+      </a:fillStyleLst>
+      <a:lnStyleLst>
+        <a:ln w="9525" cap="flat" cmpd="sng" algn="ctr">
+          <a:solidFill>
+            <a:schemeClr val="phClr">
+              <a:shade val="95000"/>
+              <a:satMod val="105000"/>
+            </a:schemeClr>
+          </a:solidFill>
+          <a:prstDash val="solid"/>
+        </a:ln>
+        <a:ln w="25400" cap="flat" cmpd="sng" algn="ctr">
+          <a:solidFill>
+            <a:schemeClr val="phClr"/>
+          </a:solidFill>
+          <a:prstDash val="solid"/>
+        </a:ln>
+        <a:ln w="38100" cap="flat" cmpd="sng" algn="ctr">
+          <a:solidFill>
+            <a:schemeClr val="phClr"/>
+          </a:solidFill>
+          <a:prstDash val="solid"/>
+        </a:ln>
+      </a:lnStyleLst>
+      <a:effectStyleLst>
+        <a:effectStyle>
+          <a:effectLst>
+            <a:outerShdw blurRad="40000" dist="20000" dir="5400000" rotWithShape="0">
+              <a:srgbClr val="000000">
+                <a:alpha val="38000"/>
+              </a:srgbClr>
+            </a:outerShdw>
+          </a:effectLst>
+        </a:effectStyle>
+        <a:effectStyle>
+          <a:effectLst>
+            <a:outerShdw blurRad="40000" dist="23000" dir="5400000" rotWithShape="0">
+              <a:srgbClr val="000000">
+                <a:alpha val="35000"/>
+              </a:srgbClr>
+            </a:outerShdw>
+          </a:effectLst>
+        </a:effectStyle>
+        <a:effectStyle>
+          <a:effectLst>
+            <a:outerShdw blurRad="40000" dist="23000" dir="5400000" rotWithShape="0">
+              <a:srgbClr val="000000">
+                <a:alpha val="35000"/>
+              </a:srgbClr>
+            </a:outerShdw>
+          </a:effectLst>
+          <a:scene3d>
+            <a:camera prst="orthographicFront">
+              <a:rot lat="0" lon="0" rev="0"/>
+            </a:camera>
+            <a:lightRig rig="threePt" dir="t">
+              <a:rot lat="0" lon="0" rev="1200000"/>
+            </a:lightRig>
+          </a:scene3d>
+          <a:sp3d>
+            <a:bevelT w="63500" h="25400"/>
+          </a:sp3d>
+        </a:effectStyle>
+      </a:effectStyleLst>
+      <a:bgFillStyleLst>
+        <a:solidFill>
+          <a:schemeClr val="phClr"/>
+        </a:solidFill>
+        <a:gradFill rotWithShape="1">
+          <a:gsLst>
+            <a:gs pos="0">
+              <a:schemeClr val="phClr">
+                <a:tint val="40000"/>
+                <a:satMod val="350000"/>
+              </a:schemeClr>
+            </a:gs>
+            <a:gs pos="40000">
+              <a:schemeClr val="phClr">
+                <a:tint val="45000"/>
+                <a:shade val="99000"/>
+                <a:satMod val="350000"/>
+              </a:schemeClr>
+            </a:gs>
+            <a:gs pos="100000">
+              <a:schemeClr val="phClr">
+                <a:shade val="20000"/>
+                <a:satMod val="255000"/>
+              </a:schemeClr>
+            </a:gs>
+          </a:gsLst>
+          <a:path path="circle">
+            <a:fillToRect l="50000" t="-80000" r="50000" b="180000"/>
+          </a:path>
+        </a:gradFill>
+        <a:gradFill rotWithShape="1">
+          <a:gsLst>
+            <a:gs pos="0">
+              <a:schemeClr val="phClr">
+                <a:tint val="80000"/>
+                <a:satMod val="300000"/>
+              </a:schemeClr>
+            </a:gs>
+            <a:gs pos="100000">
+              <a:schemeClr val="phClr">
+                <a:shade val="30000"/>
+                <a:satMod val="200000"/>
+              </a:schemeClr>
+            </a:gs>
+          </a:gsLst>
+          <a:path path="circle">
+            <a:fillToRect l="50000" t="50000" r="50000" b="50000"/>
+          </a:path>
+        </a:gradFill>
+      </a:bgFillStyleLst>
+    </a:fmtScheme>
+  </a:themeElements>
+  <a:objectDefaults/>
+  <a:extraClrSchemeLst/>
+</a:theme>
+</file>
+
+<file path=ppt/theme/theme2.xml><?xml version="1.0" encoding="utf-8"?>
+<a:theme xmlns:a="http://schemas.openxmlformats.org/drawingml/2006/main">
   <a:themeElements>
     <a:clrScheme name="Default">
       <a:dk1>
@@ -10278,284 +10717,7 @@
       </a:bgFillStyleLst>
     </a:fmtScheme>
   </a:themeElements>
-</a:theme>
-</file>
-
-<file path=ppt/theme/theme2.xml><?xml version="1.0" encoding="utf-8"?>
-<a:theme xmlns:a="http://schemas.openxmlformats.org/drawingml/2006/main" xmlns:r="http://schemas.openxmlformats.org/officeDocument/2006/relationships" name="Paperback">
-  <a:themeElements>
-    <a:clrScheme name="Paperback">
-      <a:dk1>
-        <a:srgbClr val="000000"/>
-      </a:dk1>
-      <a:lt1>
-        <a:srgbClr val="FFFFFF"/>
-      </a:lt1>
-      <a:dk2>
-        <a:srgbClr val="00695C"/>
-      </a:dk2>
-      <a:lt2>
-        <a:srgbClr val="26A69A"/>
-      </a:lt2>
-      <a:accent1>
-        <a:srgbClr val="FFFBF0"/>
-      </a:accent1>
-      <a:accent2>
-        <a:srgbClr val="B7B7B7"/>
-      </a:accent2>
-      <a:accent3>
-        <a:srgbClr val="FB8C00"/>
-      </a:accent3>
-      <a:accent4>
-        <a:srgbClr val="80CBC4"/>
-      </a:accent4>
-      <a:accent5>
-        <a:srgbClr val="AF4345"/>
-      </a:accent5>
-      <a:accent6>
-        <a:srgbClr val="F58F8F"/>
-      </a:accent6>
-      <a:hlink>
-        <a:srgbClr val="AF4345"/>
-      </a:hlink>
-      <a:folHlink>
-        <a:srgbClr val="AF4345"/>
-      </a:folHlink>
-    </a:clrScheme>
-    <a:fontScheme name="Office">
-      <a:majorFont>
-        <a:latin typeface="Arial"/>
-        <a:ea typeface=""/>
-        <a:cs typeface=""/>
-        <a:font script="Jpan" typeface="ＭＳ Ｐゴシック"/>
-        <a:font script="Hang" typeface="맑은 고딕"/>
-        <a:font script="Hans" typeface="宋体"/>
-        <a:font script="Hant" typeface="新細明體"/>
-        <a:font script="Arab" typeface="Times New Roman"/>
-        <a:font script="Hebr" typeface="Times New Roman"/>
-        <a:font script="Thai" typeface="Angsana New"/>
-        <a:font script="Ethi" typeface="Nyala"/>
-        <a:font script="Beng" typeface="Vrinda"/>
-        <a:font script="Gujr" typeface="Shruti"/>
-        <a:font script="Khmr" typeface="MoolBoran"/>
-        <a:font script="Knda" typeface="Tunga"/>
-        <a:font script="Guru" typeface="Raavi"/>
-        <a:font script="Cans" typeface="Euphemia"/>
-        <a:font script="Cher" typeface="Plantagenet Cherokee"/>
-        <a:font script="Yiii" typeface="Microsoft Yi Baiti"/>
-        <a:font script="Tibt" typeface="Microsoft Himalaya"/>
-        <a:font script="Thaa" typeface="MV Boli"/>
-        <a:font script="Deva" typeface="Mangal"/>
-        <a:font script="Telu" typeface="Gautami"/>
-        <a:font script="Taml" typeface="Latha"/>
-        <a:font script="Syrc" typeface="Estrangelo Edessa"/>
-        <a:font script="Orya" typeface="Kalinga"/>
-        <a:font script="Mlym" typeface="Kartika"/>
-        <a:font script="Laoo" typeface="DokChampa"/>
-        <a:font script="Sinh" typeface="Iskoola Pota"/>
-        <a:font script="Mong" typeface="Mongolian Baiti"/>
-        <a:font script="Viet" typeface="Times New Roman"/>
-        <a:font script="Uigh" typeface="Microsoft Uighur"/>
-        <a:font script="Geor" typeface="Sylfaen"/>
-      </a:majorFont>
-      <a:minorFont>
-        <a:latin typeface="Arial"/>
-        <a:ea typeface=""/>
-        <a:cs typeface=""/>
-        <a:font script="Jpan" typeface="ＭＳ Ｐゴシック"/>
-        <a:font script="Hang" typeface="맑은 고딕"/>
-        <a:font script="Hans" typeface="宋体"/>
-        <a:font script="Hant" typeface="新細明體"/>
-        <a:font script="Arab" typeface="Arial"/>
-        <a:font script="Hebr" typeface="Arial"/>
-        <a:font script="Thai" typeface="Cordia New"/>
-        <a:font script="Ethi" typeface="Nyala"/>
-        <a:font script="Beng" typeface="Vrinda"/>
-        <a:font script="Gujr" typeface="Shruti"/>
-        <a:font script="Khmr" typeface="DaunPenh"/>
-        <a:font script="Knda" typeface="Tunga"/>
-        <a:font script="Guru" typeface="Raavi"/>
-        <a:font script="Cans" typeface="Euphemia"/>
-        <a:font script="Cher" typeface="Plantagenet Cherokee"/>
-        <a:font script="Yiii" typeface="Microsoft Yi Baiti"/>
-        <a:font script="Tibt" typeface="Microsoft Himalaya"/>
-        <a:font script="Thaa" typeface="MV Boli"/>
-        <a:font script="Deva" typeface="Mangal"/>
-        <a:font script="Telu" typeface="Gautami"/>
-        <a:font script="Taml" typeface="Latha"/>
-        <a:font script="Syrc" typeface="Estrangelo Edessa"/>
-        <a:font script="Orya" typeface="Kalinga"/>
-        <a:font script="Mlym" typeface="Kartika"/>
-        <a:font script="Laoo" typeface="DokChampa"/>
-        <a:font script="Sinh" typeface="Iskoola Pota"/>
-        <a:font script="Mong" typeface="Mongolian Baiti"/>
-        <a:font script="Viet" typeface="Arial"/>
-        <a:font script="Uigh" typeface="Microsoft Uighur"/>
-        <a:font script="Geor" typeface="Sylfaen"/>
-      </a:minorFont>
-    </a:fontScheme>
-    <a:fmtScheme name="Office">
-      <a:fillStyleLst>
-        <a:solidFill>
-          <a:schemeClr val="phClr"/>
-        </a:solidFill>
-        <a:gradFill rotWithShape="1">
-          <a:gsLst>
-            <a:gs pos="0">
-              <a:schemeClr val="phClr">
-                <a:tint val="50000"/>
-                <a:satMod val="300000"/>
-              </a:schemeClr>
-            </a:gs>
-            <a:gs pos="35000">
-              <a:schemeClr val="phClr">
-                <a:tint val="37000"/>
-                <a:satMod val="300000"/>
-              </a:schemeClr>
-            </a:gs>
-            <a:gs pos="100000">
-              <a:schemeClr val="phClr">
-                <a:tint val="15000"/>
-                <a:satMod val="350000"/>
-              </a:schemeClr>
-            </a:gs>
-          </a:gsLst>
-          <a:lin ang="16200000" scaled="1"/>
-        </a:gradFill>
-        <a:gradFill rotWithShape="1">
-          <a:gsLst>
-            <a:gs pos="0">
-              <a:schemeClr val="phClr">
-                <a:tint val="100000"/>
-                <a:shade val="100000"/>
-                <a:satMod val="130000"/>
-              </a:schemeClr>
-            </a:gs>
-            <a:gs pos="100000">
-              <a:schemeClr val="phClr">
-                <a:tint val="50000"/>
-                <a:shade val="100000"/>
-                <a:satMod val="350000"/>
-              </a:schemeClr>
-            </a:gs>
-          </a:gsLst>
-          <a:lin ang="16200000" scaled="0"/>
-        </a:gradFill>
-      </a:fillStyleLst>
-      <a:lnStyleLst>
-        <a:ln w="9525" cap="flat" cmpd="sng" algn="ctr">
-          <a:solidFill>
-            <a:schemeClr val="phClr">
-              <a:shade val="95000"/>
-              <a:satMod val="105000"/>
-            </a:schemeClr>
-          </a:solidFill>
-          <a:prstDash val="solid"/>
-        </a:ln>
-        <a:ln w="25400" cap="flat" cmpd="sng" algn="ctr">
-          <a:solidFill>
-            <a:schemeClr val="phClr"/>
-          </a:solidFill>
-          <a:prstDash val="solid"/>
-        </a:ln>
-        <a:ln w="38100" cap="flat" cmpd="sng" algn="ctr">
-          <a:solidFill>
-            <a:schemeClr val="phClr"/>
-          </a:solidFill>
-          <a:prstDash val="solid"/>
-        </a:ln>
-      </a:lnStyleLst>
-      <a:effectStyleLst>
-        <a:effectStyle>
-          <a:effectLst>
-            <a:outerShdw blurRad="40000" dist="20000" dir="5400000" rotWithShape="0">
-              <a:srgbClr val="000000">
-                <a:alpha val="38000"/>
-              </a:srgbClr>
-            </a:outerShdw>
-          </a:effectLst>
-        </a:effectStyle>
-        <a:effectStyle>
-          <a:effectLst>
-            <a:outerShdw blurRad="40000" dist="23000" dir="5400000" rotWithShape="0">
-              <a:srgbClr val="000000">
-                <a:alpha val="35000"/>
-              </a:srgbClr>
-            </a:outerShdw>
-          </a:effectLst>
-        </a:effectStyle>
-        <a:effectStyle>
-          <a:effectLst>
-            <a:outerShdw blurRad="40000" dist="23000" dir="5400000" rotWithShape="0">
-              <a:srgbClr val="000000">
-                <a:alpha val="35000"/>
-              </a:srgbClr>
-            </a:outerShdw>
-          </a:effectLst>
-          <a:scene3d>
-            <a:camera prst="orthographicFront">
-              <a:rot lat="0" lon="0" rev="0"/>
-            </a:camera>
-            <a:lightRig rig="threePt" dir="t">
-              <a:rot lat="0" lon="0" rev="1200000"/>
-            </a:lightRig>
-          </a:scene3d>
-          <a:sp3d>
-            <a:bevelT w="63500" h="25400"/>
-          </a:sp3d>
-        </a:effectStyle>
-      </a:effectStyleLst>
-      <a:bgFillStyleLst>
-        <a:solidFill>
-          <a:schemeClr val="phClr"/>
-        </a:solidFill>
-        <a:gradFill rotWithShape="1">
-          <a:gsLst>
-            <a:gs pos="0">
-              <a:schemeClr val="phClr">
-                <a:tint val="40000"/>
-                <a:satMod val="350000"/>
-              </a:schemeClr>
-            </a:gs>
-            <a:gs pos="40000">
-              <a:schemeClr val="phClr">
-                <a:tint val="45000"/>
-                <a:shade val="99000"/>
-                <a:satMod val="350000"/>
-              </a:schemeClr>
-            </a:gs>
-            <a:gs pos="100000">
-              <a:schemeClr val="phClr">
-                <a:shade val="20000"/>
-                <a:satMod val="255000"/>
-              </a:schemeClr>
-            </a:gs>
-          </a:gsLst>
-          <a:path path="circle">
-            <a:fillToRect l="50000" t="-80000" r="50000" b="180000"/>
-          </a:path>
-        </a:gradFill>
-        <a:gradFill rotWithShape="1">
-          <a:gsLst>
-            <a:gs pos="0">
-              <a:schemeClr val="phClr">
-                <a:tint val="80000"/>
-                <a:satMod val="300000"/>
-              </a:schemeClr>
-            </a:gs>
-            <a:gs pos="100000">
-              <a:schemeClr val="phClr">
-                <a:shade val="30000"/>
-                <a:satMod val="200000"/>
-              </a:schemeClr>
-            </a:gs>
-          </a:gsLst>
-          <a:path path="circle">
-            <a:fillToRect l="50000" t="50000" r="50000" b="50000"/>
-          </a:path>
-        </a:gradFill>
-      </a:bgFillStyleLst>
-    </a:fmtScheme>
-  </a:themeElements>
+  <a:objectDefaults/>
+  <a:extraClrSchemeLst/>
 </a:theme>
 </file>